--- a/J2EE设计和编码指南.pptx
+++ b/J2EE设计和编码指南.pptx
@@ -29,7 +29,13 @@
     <p:sldId id="277" r:id="rId23"/>
     <p:sldId id="278" r:id="rId24"/>
     <p:sldId id="280" r:id="rId25"/>
-    <p:sldId id="279" r:id="rId26"/>
+    <p:sldId id="281" r:id="rId26"/>
+    <p:sldId id="282" r:id="rId27"/>
+    <p:sldId id="283" r:id="rId28"/>
+    <p:sldId id="284" r:id="rId29"/>
+    <p:sldId id="285" r:id="rId30"/>
+    <p:sldId id="286" r:id="rId31"/>
+    <p:sldId id="279" r:id="rId32"/>
   </p:sldIdLst>
   <p:sldSz cx="12192000" cy="6858000"/>
   <p:notesSz cx="6858000" cy="9144000"/>
@@ -283,7 +289,7 @@
           <a:p>
             <a:fld id="{212332B8-E260-48AE-963B-A8DEFB6BEE36}" type="datetimeFigureOut">
               <a:rPr lang="zh-CN" altLang="en-US" smtClean="0"/>
-              <a:t>2020/2/19</a:t>
+              <a:t>2020/2/27</a:t>
             </a:fld>
             <a:endParaRPr lang="zh-CN" altLang="en-US"/>
           </a:p>
@@ -481,7 +487,7 @@
           <a:p>
             <a:fld id="{212332B8-E260-48AE-963B-A8DEFB6BEE36}" type="datetimeFigureOut">
               <a:rPr lang="zh-CN" altLang="en-US" smtClean="0"/>
-              <a:t>2020/2/19</a:t>
+              <a:t>2020/2/27</a:t>
             </a:fld>
             <a:endParaRPr lang="zh-CN" altLang="en-US"/>
           </a:p>
@@ -689,7 +695,7 @@
           <a:p>
             <a:fld id="{212332B8-E260-48AE-963B-A8DEFB6BEE36}" type="datetimeFigureOut">
               <a:rPr lang="zh-CN" altLang="en-US" smtClean="0"/>
-              <a:t>2020/2/19</a:t>
+              <a:t>2020/2/27</a:t>
             </a:fld>
             <a:endParaRPr lang="zh-CN" altLang="en-US"/>
           </a:p>
@@ -887,7 +893,7 @@
           <a:p>
             <a:fld id="{212332B8-E260-48AE-963B-A8DEFB6BEE36}" type="datetimeFigureOut">
               <a:rPr lang="zh-CN" altLang="en-US" smtClean="0"/>
-              <a:t>2020/2/19</a:t>
+              <a:t>2020/2/27</a:t>
             </a:fld>
             <a:endParaRPr lang="zh-CN" altLang="en-US"/>
           </a:p>
@@ -1162,7 +1168,7 @@
           <a:p>
             <a:fld id="{212332B8-E260-48AE-963B-A8DEFB6BEE36}" type="datetimeFigureOut">
               <a:rPr lang="zh-CN" altLang="en-US" smtClean="0"/>
-              <a:t>2020/2/19</a:t>
+              <a:t>2020/2/27</a:t>
             </a:fld>
             <a:endParaRPr lang="zh-CN" altLang="en-US"/>
           </a:p>
@@ -1427,7 +1433,7 @@
           <a:p>
             <a:fld id="{212332B8-E260-48AE-963B-A8DEFB6BEE36}" type="datetimeFigureOut">
               <a:rPr lang="zh-CN" altLang="en-US" smtClean="0"/>
-              <a:t>2020/2/19</a:t>
+              <a:t>2020/2/27</a:t>
             </a:fld>
             <a:endParaRPr lang="zh-CN" altLang="en-US"/>
           </a:p>
@@ -1839,7 +1845,7 @@
           <a:p>
             <a:fld id="{212332B8-E260-48AE-963B-A8DEFB6BEE36}" type="datetimeFigureOut">
               <a:rPr lang="zh-CN" altLang="en-US" smtClean="0"/>
-              <a:t>2020/2/19</a:t>
+              <a:t>2020/2/27</a:t>
             </a:fld>
             <a:endParaRPr lang="zh-CN" altLang="en-US"/>
           </a:p>
@@ -1980,7 +1986,7 @@
           <a:p>
             <a:fld id="{212332B8-E260-48AE-963B-A8DEFB6BEE36}" type="datetimeFigureOut">
               <a:rPr lang="zh-CN" altLang="en-US" smtClean="0"/>
-              <a:t>2020/2/19</a:t>
+              <a:t>2020/2/27</a:t>
             </a:fld>
             <a:endParaRPr lang="zh-CN" altLang="en-US"/>
           </a:p>
@@ -2093,7 +2099,7 @@
           <a:p>
             <a:fld id="{212332B8-E260-48AE-963B-A8DEFB6BEE36}" type="datetimeFigureOut">
               <a:rPr lang="zh-CN" altLang="en-US" smtClean="0"/>
-              <a:t>2020/2/19</a:t>
+              <a:t>2020/2/27</a:t>
             </a:fld>
             <a:endParaRPr lang="zh-CN" altLang="en-US"/>
           </a:p>
@@ -2404,7 +2410,7 @@
           <a:p>
             <a:fld id="{212332B8-E260-48AE-963B-A8DEFB6BEE36}" type="datetimeFigureOut">
               <a:rPr lang="zh-CN" altLang="en-US" smtClean="0"/>
-              <a:t>2020/2/19</a:t>
+              <a:t>2020/2/27</a:t>
             </a:fld>
             <a:endParaRPr lang="zh-CN" altLang="en-US"/>
           </a:p>
@@ -2692,7 +2698,7 @@
           <a:p>
             <a:fld id="{212332B8-E260-48AE-963B-A8DEFB6BEE36}" type="datetimeFigureOut">
               <a:rPr lang="zh-CN" altLang="en-US" smtClean="0"/>
-              <a:t>2020/2/19</a:t>
+              <a:t>2020/2/27</a:t>
             </a:fld>
             <a:endParaRPr lang="zh-CN" altLang="en-US"/>
           </a:p>
@@ -2933,7 +2939,7 @@
           <a:p>
             <a:fld id="{212332B8-E260-48AE-963B-A8DEFB6BEE36}" type="datetimeFigureOut">
               <a:rPr lang="zh-CN" altLang="en-US" smtClean="0"/>
-              <a:t>2020/2/19</a:t>
+              <a:t>2020/2/27</a:t>
             </a:fld>
             <a:endParaRPr lang="zh-CN" altLang="en-US"/>
           </a:p>
@@ -4453,7 +4459,16 @@
             </a:r>
             <a:r>
               <a:rPr lang="en-US" altLang="zh-CN" dirty="0"/>
-              <a:t>1.1 OOD for J2EE    1.2 </a:t>
+              <a:t>1.1 OOD for J2EE    </a:t>
+            </a:r>
+          </a:p>
+          <a:p>
+            <a:pPr marL="0" indent="0">
+              <a:buNone/>
+            </a:pPr>
+            <a:r>
+              <a:rPr lang="en-US" altLang="zh-CN" dirty="0"/>
+              <a:t>                 1.2 </a:t>
             </a:r>
             <a:r>
               <a:rPr lang="zh-CN" altLang="en-US" dirty="0"/>
@@ -4483,13 +4498,22 @@
             </a:r>
             <a:r>
               <a:rPr lang="en-US" altLang="zh-CN" dirty="0"/>
-              <a:t> Spring=OOD+IOC+TDD+AOP</a:t>
-            </a:r>
-          </a:p>
-          <a:p>
+              <a:t> </a:t>
+            </a:r>
+          </a:p>
+          <a:p>
+            <a:pPr marL="0" indent="0">
+              <a:buNone/>
+            </a:pPr>
             <a:r>
               <a:rPr lang="en-US" altLang="zh-CN" dirty="0"/>
-              <a:t>3  Beyond</a:t>
+              <a:t>                 Spring=OOD+IOC+TDD+AOP</a:t>
+            </a:r>
+          </a:p>
+          <a:p>
+            <a:r>
+              <a:rPr lang="en-US" altLang="zh-CN" dirty="0"/>
+              <a:t>3  Beyond J2EE</a:t>
             </a:r>
             <a:endParaRPr lang="zh-CN" altLang="en-US" dirty="0"/>
           </a:p>
@@ -5073,7 +5097,7 @@
           <p:cNvPr id="2" name="标题 1">
             <a:extLst>
               <a:ext uri="{FF2B5EF4-FFF2-40B4-BE49-F238E27FC236}">
-                <a16:creationId xmlns:a16="http://schemas.microsoft.com/office/drawing/2014/main" id="{03C4901A-3226-485B-850D-F28D21F4C224}"/>
+                <a16:creationId xmlns:a16="http://schemas.microsoft.com/office/drawing/2014/main" id="{DA923EF6-3830-4375-A019-4CA479285377}"/>
               </a:ext>
             </a:extLst>
           </p:cNvPr>
@@ -5086,10 +5110,16 @@
         </p:nvSpPr>
         <p:spPr/>
         <p:txBody>
-          <a:bodyPr/>
-          <a:lstStyle/>
-          <a:p>
-            <a:endParaRPr lang="zh-CN" altLang="en-US"/>
+          <a:bodyPr>
+            <a:normAutofit/>
+          </a:bodyPr>
+          <a:lstStyle/>
+          <a:p>
+            <a:r>
+              <a:rPr lang="en-US" altLang="zh-CN" sz="3200" dirty="0"/>
+              <a:t>Infrastructure and Application Implementation</a:t>
+            </a:r>
+            <a:endParaRPr lang="zh-CN" altLang="en-US" sz="3200" dirty="0"/>
           </a:p>
         </p:txBody>
       </p:sp>
@@ -5098,7 +5128,7 @@
           <p:cNvPr id="3" name="内容占位符 2">
             <a:extLst>
               <a:ext uri="{FF2B5EF4-FFF2-40B4-BE49-F238E27FC236}">
-                <a16:creationId xmlns:a16="http://schemas.microsoft.com/office/drawing/2014/main" id="{6F8B4978-BB35-4E48-B356-8D26995C57B6}"/>
+                <a16:creationId xmlns:a16="http://schemas.microsoft.com/office/drawing/2014/main" id="{795FAC7F-0EC7-4829-9A51-7818061E0AC3}"/>
               </a:ext>
             </a:extLst>
           </p:cNvPr>
@@ -5111,76 +5141,9 @@
         </p:nvSpPr>
         <p:spPr/>
         <p:txBody>
-          <a:bodyPr>
-            <a:normAutofit fontScale="92500" lnSpcReduction="20000"/>
-          </a:bodyPr>
-          <a:lstStyle/>
-          <a:p>
-            <a:r>
-              <a:rPr lang="en-US" altLang="zh-CN" dirty="0">
-                <a:hlinkClick r:id="rId2"/>
-              </a:rPr>
-              <a:t>https://google.github.io/styleguide/javaguide.html</a:t>
-            </a:r>
-            <a:endParaRPr lang="en-US" altLang="zh-CN" dirty="0"/>
-          </a:p>
-          <a:p>
-            <a:endParaRPr lang="en-US" altLang="zh-CN" dirty="0"/>
-          </a:p>
-          <a:p>
-            <a:r>
-              <a:rPr lang="en-US" altLang="zh-CN" dirty="0"/>
-              <a:t>Effective Java 2 </a:t>
-            </a:r>
-          </a:p>
-          <a:p>
-            <a:endParaRPr lang="en-US" altLang="zh-CN" dirty="0"/>
-          </a:p>
-          <a:p>
-            <a:r>
-              <a:rPr lang="en-US" altLang="zh-CN" dirty="0"/>
-              <a:t>Expert one-on-one J2EE Design and Development</a:t>
-            </a:r>
-          </a:p>
-          <a:p>
-            <a:endParaRPr lang="en-US" altLang="zh-CN" dirty="0"/>
-          </a:p>
-          <a:p>
-            <a:r>
-              <a:rPr lang="zh-CN" altLang="en-US" dirty="0"/>
-              <a:t>阿里巴巴</a:t>
-            </a:r>
-            <a:r>
-              <a:rPr lang="en-US" altLang="zh-CN" dirty="0"/>
-              <a:t>Java</a:t>
-            </a:r>
-            <a:r>
-              <a:rPr lang="zh-CN" altLang="en-US" dirty="0"/>
-              <a:t>开发规范</a:t>
-            </a:r>
-            <a:endParaRPr lang="en-US" altLang="zh-CN" dirty="0"/>
-          </a:p>
-          <a:p>
-            <a:endParaRPr lang="en-US" altLang="zh-CN" dirty="0"/>
-          </a:p>
-          <a:p>
-            <a:r>
-              <a:rPr lang="en-US" altLang="zh-CN" dirty="0"/>
-              <a:t>Java</a:t>
-            </a:r>
-            <a:r>
-              <a:rPr lang="zh-CN" altLang="en-US" dirty="0"/>
-              <a:t>编程思想</a:t>
-            </a:r>
-            <a:endParaRPr lang="en-US" altLang="zh-CN" dirty="0"/>
-          </a:p>
-          <a:p>
-            <a:r>
-              <a:rPr lang="en-US" altLang="zh-CN" dirty="0">
-                <a:hlinkClick r:id="rId3"/>
-              </a:rPr>
-              <a:t>http://www.yinwang.org/blog-cn/2017/05/23/kotlin</a:t>
-            </a:r>
+          <a:bodyPr/>
+          <a:lstStyle/>
+          <a:p>
             <a:endParaRPr lang="zh-CN" altLang="en-US" dirty="0"/>
           </a:p>
         </p:txBody>
@@ -5188,7 +5151,366 @@
     </p:spTree>
     <p:extLst>
       <p:ext uri="{BB962C8B-B14F-4D97-AF65-F5344CB8AC3E}">
-        <p14:creationId xmlns:p14="http://schemas.microsoft.com/office/powerpoint/2010/main" val="1363129473"/>
+        <p14:creationId xmlns:p14="http://schemas.microsoft.com/office/powerpoint/2010/main" val="2322187564"/>
+      </p:ext>
+    </p:extLst>
+  </p:cSld>
+  <p:clrMapOvr>
+    <a:masterClrMapping/>
+  </p:clrMapOvr>
+</p:sld>
+</file>
+
+<file path=ppt/slides/slide26.xml><?xml version="1.0" encoding="utf-8"?>
+<p:sld xmlns:a="http://schemas.openxmlformats.org/drawingml/2006/main" xmlns:r="http://schemas.openxmlformats.org/officeDocument/2006/relationships" xmlns:p="http://schemas.openxmlformats.org/presentationml/2006/main">
+  <p:cSld>
+    <p:spTree>
+      <p:nvGrpSpPr>
+        <p:cNvPr id="1" name=""/>
+        <p:cNvGrpSpPr/>
+        <p:nvPr/>
+      </p:nvGrpSpPr>
+      <p:grpSpPr>
+        <a:xfrm>
+          <a:off x="0" y="0"/>
+          <a:ext cx="0" cy="0"/>
+          <a:chOff x="0" y="0"/>
+          <a:chExt cx="0" cy="0"/>
+        </a:xfrm>
+      </p:grpSpPr>
+      <p:sp>
+        <p:nvSpPr>
+          <p:cNvPr id="2" name="标题 1">
+            <a:extLst>
+              <a:ext uri="{FF2B5EF4-FFF2-40B4-BE49-F238E27FC236}">
+                <a16:creationId xmlns:a16="http://schemas.microsoft.com/office/drawing/2014/main" id="{0E4A5D8A-6427-4DEF-BBFE-E044DBEAFD8E}"/>
+              </a:ext>
+            </a:extLst>
+          </p:cNvPr>
+          <p:cNvSpPr>
+            <a:spLocks noGrp="1"/>
+          </p:cNvSpPr>
+          <p:nvPr>
+            <p:ph type="title"/>
+          </p:nvPr>
+        </p:nvSpPr>
+        <p:spPr/>
+        <p:txBody>
+          <a:bodyPr>
+            <a:normAutofit/>
+          </a:bodyPr>
+          <a:lstStyle/>
+          <a:p>
+            <a:r>
+              <a:rPr lang="en-US" altLang="zh-CN" sz="3200" dirty="0"/>
+              <a:t>Lightweight Containers and Inversion of Control</a:t>
+            </a:r>
+            <a:endParaRPr lang="zh-CN" altLang="en-US" sz="3200" dirty="0"/>
+          </a:p>
+        </p:txBody>
+      </p:sp>
+      <p:sp>
+        <p:nvSpPr>
+          <p:cNvPr id="3" name="内容占位符 2">
+            <a:extLst>
+              <a:ext uri="{FF2B5EF4-FFF2-40B4-BE49-F238E27FC236}">
+                <a16:creationId xmlns:a16="http://schemas.microsoft.com/office/drawing/2014/main" id="{62A79AFA-E6BA-486B-8980-001F39231B12}"/>
+              </a:ext>
+            </a:extLst>
+          </p:cNvPr>
+          <p:cNvSpPr>
+            <a:spLocks noGrp="1"/>
+          </p:cNvSpPr>
+          <p:nvPr>
+            <p:ph idx="1"/>
+          </p:nvPr>
+        </p:nvSpPr>
+        <p:spPr/>
+        <p:txBody>
+          <a:bodyPr/>
+          <a:lstStyle/>
+          <a:p>
+            <a:endParaRPr lang="zh-CN" altLang="en-US"/>
+          </a:p>
+        </p:txBody>
+      </p:sp>
+    </p:spTree>
+    <p:extLst>
+      <p:ext uri="{BB962C8B-B14F-4D97-AF65-F5344CB8AC3E}">
+        <p14:creationId xmlns:p14="http://schemas.microsoft.com/office/powerpoint/2010/main" val="3498175356"/>
+      </p:ext>
+    </p:extLst>
+  </p:cSld>
+  <p:clrMapOvr>
+    <a:masterClrMapping/>
+  </p:clrMapOvr>
+</p:sld>
+</file>
+
+<file path=ppt/slides/slide27.xml><?xml version="1.0" encoding="utf-8"?>
+<p:sld xmlns:a="http://schemas.openxmlformats.org/drawingml/2006/main" xmlns:r="http://schemas.openxmlformats.org/officeDocument/2006/relationships" xmlns:p="http://schemas.openxmlformats.org/presentationml/2006/main">
+  <p:cSld>
+    <p:spTree>
+      <p:nvGrpSpPr>
+        <p:cNvPr id="1" name=""/>
+        <p:cNvGrpSpPr/>
+        <p:nvPr/>
+      </p:nvGrpSpPr>
+      <p:grpSpPr>
+        <a:xfrm>
+          <a:off x="0" y="0"/>
+          <a:ext cx="0" cy="0"/>
+          <a:chOff x="0" y="0"/>
+          <a:chExt cx="0" cy="0"/>
+        </a:xfrm>
+      </p:grpSpPr>
+      <p:sp>
+        <p:nvSpPr>
+          <p:cNvPr id="2" name="标题 1">
+            <a:extLst>
+              <a:ext uri="{FF2B5EF4-FFF2-40B4-BE49-F238E27FC236}">
+                <a16:creationId xmlns:a16="http://schemas.microsoft.com/office/drawing/2014/main" id="{00641F49-6B3A-4513-9BF4-D5CF3EA2E056}"/>
+              </a:ext>
+            </a:extLst>
+          </p:cNvPr>
+          <p:cNvSpPr>
+            <a:spLocks noGrp="1"/>
+          </p:cNvSpPr>
+          <p:nvPr>
+            <p:ph type="title"/>
+          </p:nvPr>
+        </p:nvSpPr>
+        <p:spPr/>
+        <p:txBody>
+          <a:bodyPr>
+            <a:normAutofit/>
+          </a:bodyPr>
+          <a:lstStyle/>
+          <a:p>
+            <a:r>
+              <a:rPr lang="en-US" altLang="zh-CN" sz="3200" dirty="0"/>
+              <a:t>Declarative Middleware Using AOP Concepts</a:t>
+            </a:r>
+            <a:endParaRPr lang="zh-CN" altLang="en-US" sz="3200" dirty="0"/>
+          </a:p>
+        </p:txBody>
+      </p:sp>
+      <p:sp>
+        <p:nvSpPr>
+          <p:cNvPr id="3" name="内容占位符 2">
+            <a:extLst>
+              <a:ext uri="{FF2B5EF4-FFF2-40B4-BE49-F238E27FC236}">
+                <a16:creationId xmlns:a16="http://schemas.microsoft.com/office/drawing/2014/main" id="{48E99A98-D340-48F6-86E3-3A0F0D642E7B}"/>
+              </a:ext>
+            </a:extLst>
+          </p:cNvPr>
+          <p:cNvSpPr>
+            <a:spLocks noGrp="1"/>
+          </p:cNvSpPr>
+          <p:nvPr>
+            <p:ph idx="1"/>
+          </p:nvPr>
+        </p:nvSpPr>
+        <p:spPr/>
+        <p:txBody>
+          <a:bodyPr/>
+          <a:lstStyle/>
+          <a:p>
+            <a:endParaRPr lang="zh-CN" altLang="en-US"/>
+          </a:p>
+        </p:txBody>
+      </p:sp>
+    </p:spTree>
+    <p:extLst>
+      <p:ext uri="{BB962C8B-B14F-4D97-AF65-F5344CB8AC3E}">
+        <p14:creationId xmlns:p14="http://schemas.microsoft.com/office/powerpoint/2010/main" val="2942484921"/>
+      </p:ext>
+    </p:extLst>
+  </p:cSld>
+  <p:clrMapOvr>
+    <a:masterClrMapping/>
+  </p:clrMapOvr>
+</p:sld>
+</file>
+
+<file path=ppt/slides/slide28.xml><?xml version="1.0" encoding="utf-8"?>
+<p:sld xmlns:a="http://schemas.openxmlformats.org/drawingml/2006/main" xmlns:r="http://schemas.openxmlformats.org/officeDocument/2006/relationships" xmlns:p="http://schemas.openxmlformats.org/presentationml/2006/main">
+  <p:cSld>
+    <p:spTree>
+      <p:nvGrpSpPr>
+        <p:cNvPr id="1" name=""/>
+        <p:cNvGrpSpPr/>
+        <p:nvPr/>
+      </p:nvGrpSpPr>
+      <p:grpSpPr>
+        <a:xfrm>
+          <a:off x="0" y="0"/>
+          <a:ext cx="0" cy="0"/>
+          <a:chOff x="0" y="0"/>
+          <a:chExt cx="0" cy="0"/>
+        </a:xfrm>
+      </p:grpSpPr>
+      <p:sp>
+        <p:nvSpPr>
+          <p:cNvPr id="2" name="标题 1">
+            <a:extLst>
+              <a:ext uri="{FF2B5EF4-FFF2-40B4-BE49-F238E27FC236}">
+                <a16:creationId xmlns:a16="http://schemas.microsoft.com/office/drawing/2014/main" id="{B027067B-B35A-4E5E-9572-4068B7EE6186}"/>
+              </a:ext>
+            </a:extLst>
+          </p:cNvPr>
+          <p:cNvSpPr>
+            <a:spLocks noGrp="1"/>
+          </p:cNvSpPr>
+          <p:nvPr>
+            <p:ph type="title"/>
+          </p:nvPr>
+        </p:nvSpPr>
+        <p:spPr/>
+        <p:txBody>
+          <a:bodyPr>
+            <a:normAutofit/>
+          </a:bodyPr>
+          <a:lstStyle/>
+          <a:p>
+            <a:r>
+              <a:rPr lang="en-US" altLang="zh-CN" sz="3200" dirty="0"/>
+              <a:t>Data Access</a:t>
+            </a:r>
+            <a:r>
+              <a:rPr lang="zh-CN" altLang="en-US" sz="3200" dirty="0"/>
+              <a:t>（</a:t>
+            </a:r>
+            <a:r>
+              <a:rPr lang="en-US" altLang="zh-CN" sz="3200" dirty="0"/>
+              <a:t>Transaction </a:t>
+            </a:r>
+            <a:r>
+              <a:rPr lang="en-US" altLang="zh-CN" sz="3200" dirty="0" err="1"/>
+              <a:t>Management+Persistence</a:t>
+            </a:r>
+            <a:r>
+              <a:rPr lang="zh-CN" altLang="en-US" sz="3200" dirty="0"/>
+              <a:t>）</a:t>
+            </a:r>
+          </a:p>
+        </p:txBody>
+      </p:sp>
+      <p:sp>
+        <p:nvSpPr>
+          <p:cNvPr id="3" name="内容占位符 2">
+            <a:extLst>
+              <a:ext uri="{FF2B5EF4-FFF2-40B4-BE49-F238E27FC236}">
+                <a16:creationId xmlns:a16="http://schemas.microsoft.com/office/drawing/2014/main" id="{2DE5ED3A-04EA-4929-B10A-83872116243B}"/>
+              </a:ext>
+            </a:extLst>
+          </p:cNvPr>
+          <p:cNvSpPr>
+            <a:spLocks noGrp="1"/>
+          </p:cNvSpPr>
+          <p:nvPr>
+            <p:ph idx="1"/>
+          </p:nvPr>
+        </p:nvSpPr>
+        <p:spPr/>
+        <p:txBody>
+          <a:bodyPr/>
+          <a:lstStyle/>
+          <a:p>
+            <a:endParaRPr lang="zh-CN" altLang="en-US" dirty="0"/>
+          </a:p>
+        </p:txBody>
+      </p:sp>
+    </p:spTree>
+    <p:extLst>
+      <p:ext uri="{BB962C8B-B14F-4D97-AF65-F5344CB8AC3E}">
+        <p14:creationId xmlns:p14="http://schemas.microsoft.com/office/powerpoint/2010/main" val="1252555113"/>
+      </p:ext>
+    </p:extLst>
+  </p:cSld>
+  <p:clrMapOvr>
+    <a:masterClrMapping/>
+  </p:clrMapOvr>
+</p:sld>
+</file>
+
+<file path=ppt/slides/slide29.xml><?xml version="1.0" encoding="utf-8"?>
+<p:sld xmlns:a="http://schemas.openxmlformats.org/drawingml/2006/main" xmlns:r="http://schemas.openxmlformats.org/officeDocument/2006/relationships" xmlns:p="http://schemas.openxmlformats.org/presentationml/2006/main">
+  <p:cSld>
+    <p:spTree>
+      <p:nvGrpSpPr>
+        <p:cNvPr id="1" name=""/>
+        <p:cNvGrpSpPr/>
+        <p:nvPr/>
+      </p:nvGrpSpPr>
+      <p:grpSpPr>
+        <a:xfrm>
+          <a:off x="0" y="0"/>
+          <a:ext cx="0" cy="0"/>
+          <a:chOff x="0" y="0"/>
+          <a:chExt cx="0" cy="0"/>
+        </a:xfrm>
+      </p:grpSpPr>
+      <p:sp>
+        <p:nvSpPr>
+          <p:cNvPr id="2" name="标题 1">
+            <a:extLst>
+              <a:ext uri="{FF2B5EF4-FFF2-40B4-BE49-F238E27FC236}">
+                <a16:creationId xmlns:a16="http://schemas.microsoft.com/office/drawing/2014/main" id="{D9D5F1FE-FFD5-4C0A-BF32-2131C755439C}"/>
+              </a:ext>
+            </a:extLst>
+          </p:cNvPr>
+          <p:cNvSpPr>
+            <a:spLocks noGrp="1"/>
+          </p:cNvSpPr>
+          <p:nvPr>
+            <p:ph type="title"/>
+          </p:nvPr>
+        </p:nvSpPr>
+        <p:spPr/>
+        <p:txBody>
+          <a:bodyPr>
+            <a:normAutofit/>
+          </a:bodyPr>
+          <a:lstStyle/>
+          <a:p>
+            <a:r>
+              <a:rPr lang="en-US" altLang="zh-CN" sz="3200" dirty="0"/>
+              <a:t>Web Tier Design</a:t>
+            </a:r>
+            <a:endParaRPr lang="zh-CN" altLang="en-US" sz="3200" dirty="0"/>
+          </a:p>
+        </p:txBody>
+      </p:sp>
+      <p:sp>
+        <p:nvSpPr>
+          <p:cNvPr id="3" name="内容占位符 2">
+            <a:extLst>
+              <a:ext uri="{FF2B5EF4-FFF2-40B4-BE49-F238E27FC236}">
+                <a16:creationId xmlns:a16="http://schemas.microsoft.com/office/drawing/2014/main" id="{CA077648-961D-4C28-971E-AB6F13039EC1}"/>
+              </a:ext>
+            </a:extLst>
+          </p:cNvPr>
+          <p:cNvSpPr>
+            <a:spLocks noGrp="1"/>
+          </p:cNvSpPr>
+          <p:nvPr>
+            <p:ph idx="1"/>
+          </p:nvPr>
+        </p:nvSpPr>
+        <p:spPr/>
+        <p:txBody>
+          <a:bodyPr/>
+          <a:lstStyle/>
+          <a:p>
+            <a:endParaRPr lang="zh-CN" altLang="en-US"/>
+          </a:p>
+        </p:txBody>
+      </p:sp>
+    </p:spTree>
+    <p:extLst>
+      <p:ext uri="{BB962C8B-B14F-4D97-AF65-F5344CB8AC3E}">
+        <p14:creationId xmlns:p14="http://schemas.microsoft.com/office/powerpoint/2010/main" val="3058807663"/>
       </p:ext>
     </p:extLst>
   </p:cSld>
@@ -5276,6 +5598,242 @@
     <p:extLst>
       <p:ext uri="{BB962C8B-B14F-4D97-AF65-F5344CB8AC3E}">
         <p14:creationId xmlns:p14="http://schemas.microsoft.com/office/powerpoint/2010/main" val="1760565553"/>
+      </p:ext>
+    </p:extLst>
+  </p:cSld>
+  <p:clrMapOvr>
+    <a:masterClrMapping/>
+  </p:clrMapOvr>
+</p:sld>
+</file>
+
+<file path=ppt/slides/slide30.xml><?xml version="1.0" encoding="utf-8"?>
+<p:sld xmlns:a="http://schemas.openxmlformats.org/drawingml/2006/main" xmlns:r="http://schemas.openxmlformats.org/officeDocument/2006/relationships" xmlns:p="http://schemas.openxmlformats.org/presentationml/2006/main">
+  <p:cSld>
+    <p:spTree>
+      <p:nvGrpSpPr>
+        <p:cNvPr id="1" name=""/>
+        <p:cNvGrpSpPr/>
+        <p:nvPr/>
+      </p:nvGrpSpPr>
+      <p:grpSpPr>
+        <a:xfrm>
+          <a:off x="0" y="0"/>
+          <a:ext cx="0" cy="0"/>
+          <a:chOff x="0" y="0"/>
+          <a:chExt cx="0" cy="0"/>
+        </a:xfrm>
+      </p:grpSpPr>
+      <p:sp>
+        <p:nvSpPr>
+          <p:cNvPr id="2" name="标题 1">
+            <a:extLst>
+              <a:ext uri="{FF2B5EF4-FFF2-40B4-BE49-F238E27FC236}">
+                <a16:creationId xmlns:a16="http://schemas.microsoft.com/office/drawing/2014/main" id="{01586952-388E-4024-BB14-1237C596D26D}"/>
+              </a:ext>
+            </a:extLst>
+          </p:cNvPr>
+          <p:cNvSpPr>
+            <a:spLocks noGrp="1"/>
+          </p:cNvSpPr>
+          <p:nvPr>
+            <p:ph type="title"/>
+          </p:nvPr>
+        </p:nvSpPr>
+        <p:spPr/>
+        <p:txBody>
+          <a:bodyPr>
+            <a:normAutofit/>
+          </a:bodyPr>
+          <a:lstStyle/>
+          <a:p>
+            <a:r>
+              <a:rPr lang="en-US" altLang="zh-CN" sz="3200" dirty="0"/>
+              <a:t>Unit Testing and Testability</a:t>
+            </a:r>
+            <a:endParaRPr lang="zh-CN" altLang="en-US" sz="3200" dirty="0"/>
+          </a:p>
+        </p:txBody>
+      </p:sp>
+      <p:sp>
+        <p:nvSpPr>
+          <p:cNvPr id="3" name="内容占位符 2">
+            <a:extLst>
+              <a:ext uri="{FF2B5EF4-FFF2-40B4-BE49-F238E27FC236}">
+                <a16:creationId xmlns:a16="http://schemas.microsoft.com/office/drawing/2014/main" id="{FD871088-5656-4CA7-979A-22C1140D6E95}"/>
+              </a:ext>
+            </a:extLst>
+          </p:cNvPr>
+          <p:cNvSpPr>
+            <a:spLocks noGrp="1"/>
+          </p:cNvSpPr>
+          <p:nvPr>
+            <p:ph idx="1"/>
+          </p:nvPr>
+        </p:nvSpPr>
+        <p:spPr/>
+        <p:txBody>
+          <a:bodyPr/>
+          <a:lstStyle/>
+          <a:p>
+            <a:endParaRPr lang="zh-CN" altLang="en-US"/>
+          </a:p>
+        </p:txBody>
+      </p:sp>
+    </p:spTree>
+    <p:extLst>
+      <p:ext uri="{BB962C8B-B14F-4D97-AF65-F5344CB8AC3E}">
+        <p14:creationId xmlns:p14="http://schemas.microsoft.com/office/powerpoint/2010/main" val="2445432270"/>
+      </p:ext>
+    </p:extLst>
+  </p:cSld>
+  <p:clrMapOvr>
+    <a:masterClrMapping/>
+  </p:clrMapOvr>
+</p:sld>
+</file>
+
+<file path=ppt/slides/slide31.xml><?xml version="1.0" encoding="utf-8"?>
+<p:sld xmlns:a="http://schemas.openxmlformats.org/drawingml/2006/main" xmlns:r="http://schemas.openxmlformats.org/officeDocument/2006/relationships" xmlns:p="http://schemas.openxmlformats.org/presentationml/2006/main">
+  <p:cSld>
+    <p:spTree>
+      <p:nvGrpSpPr>
+        <p:cNvPr id="1" name=""/>
+        <p:cNvGrpSpPr/>
+        <p:nvPr/>
+      </p:nvGrpSpPr>
+      <p:grpSpPr>
+        <a:xfrm>
+          <a:off x="0" y="0"/>
+          <a:ext cx="0" cy="0"/>
+          <a:chOff x="0" y="0"/>
+          <a:chExt cx="0" cy="0"/>
+        </a:xfrm>
+      </p:grpSpPr>
+      <p:sp>
+        <p:nvSpPr>
+          <p:cNvPr id="2" name="标题 1">
+            <a:extLst>
+              <a:ext uri="{FF2B5EF4-FFF2-40B4-BE49-F238E27FC236}">
+                <a16:creationId xmlns:a16="http://schemas.microsoft.com/office/drawing/2014/main" id="{03C4901A-3226-485B-850D-F28D21F4C224}"/>
+              </a:ext>
+            </a:extLst>
+          </p:cNvPr>
+          <p:cNvSpPr>
+            <a:spLocks noGrp="1"/>
+          </p:cNvSpPr>
+          <p:nvPr>
+            <p:ph type="title"/>
+          </p:nvPr>
+        </p:nvSpPr>
+        <p:spPr/>
+        <p:txBody>
+          <a:bodyPr/>
+          <a:lstStyle/>
+          <a:p>
+            <a:r>
+              <a:rPr lang="zh-CN" altLang="en-US" dirty="0"/>
+              <a:t>参考：</a:t>
+            </a:r>
+          </a:p>
+        </p:txBody>
+      </p:sp>
+      <p:sp>
+        <p:nvSpPr>
+          <p:cNvPr id="3" name="内容占位符 2">
+            <a:extLst>
+              <a:ext uri="{FF2B5EF4-FFF2-40B4-BE49-F238E27FC236}">
+                <a16:creationId xmlns:a16="http://schemas.microsoft.com/office/drawing/2014/main" id="{6F8B4978-BB35-4E48-B356-8D26995C57B6}"/>
+              </a:ext>
+            </a:extLst>
+          </p:cNvPr>
+          <p:cNvSpPr>
+            <a:spLocks noGrp="1"/>
+          </p:cNvSpPr>
+          <p:nvPr>
+            <p:ph idx="1"/>
+          </p:nvPr>
+        </p:nvSpPr>
+        <p:spPr/>
+        <p:txBody>
+          <a:bodyPr>
+            <a:normAutofit fontScale="92500" lnSpcReduction="20000"/>
+          </a:bodyPr>
+          <a:lstStyle/>
+          <a:p>
+            <a:r>
+              <a:rPr lang="en-US" altLang="zh-CN" dirty="0">
+                <a:hlinkClick r:id="rId2"/>
+              </a:rPr>
+              <a:t>https://google.github.io/styleguide/javaguide.html</a:t>
+            </a:r>
+            <a:endParaRPr lang="en-US" altLang="zh-CN" dirty="0"/>
+          </a:p>
+          <a:p>
+            <a:endParaRPr lang="en-US" altLang="zh-CN" dirty="0"/>
+          </a:p>
+          <a:p>
+            <a:r>
+              <a:rPr lang="en-US" altLang="zh-CN" dirty="0"/>
+              <a:t>Effective Java 2 </a:t>
+            </a:r>
+          </a:p>
+          <a:p>
+            <a:endParaRPr lang="en-US" altLang="zh-CN" dirty="0"/>
+          </a:p>
+          <a:p>
+            <a:r>
+              <a:rPr lang="en-US" altLang="zh-CN" dirty="0"/>
+              <a:t>Expert one-on-one J2EE Design and Development</a:t>
+            </a:r>
+          </a:p>
+          <a:p>
+            <a:endParaRPr lang="en-US" altLang="zh-CN" dirty="0"/>
+          </a:p>
+          <a:p>
+            <a:r>
+              <a:rPr lang="zh-CN" altLang="en-US" dirty="0"/>
+              <a:t>阿里巴巴</a:t>
+            </a:r>
+            <a:r>
+              <a:rPr lang="en-US" altLang="zh-CN" dirty="0"/>
+              <a:t>Java</a:t>
+            </a:r>
+            <a:r>
+              <a:rPr lang="zh-CN" altLang="en-US" dirty="0"/>
+              <a:t>开发规范</a:t>
+            </a:r>
+            <a:endParaRPr lang="en-US" altLang="zh-CN" dirty="0"/>
+          </a:p>
+          <a:p>
+            <a:endParaRPr lang="en-US" altLang="zh-CN" dirty="0"/>
+          </a:p>
+          <a:p>
+            <a:r>
+              <a:rPr lang="en-US" altLang="zh-CN" dirty="0"/>
+              <a:t>Java</a:t>
+            </a:r>
+            <a:r>
+              <a:rPr lang="zh-CN" altLang="en-US" dirty="0"/>
+              <a:t>编程思想</a:t>
+            </a:r>
+            <a:endParaRPr lang="en-US" altLang="zh-CN" dirty="0"/>
+          </a:p>
+          <a:p>
+            <a:r>
+              <a:rPr lang="en-US" altLang="zh-CN" dirty="0">
+                <a:hlinkClick r:id="rId3"/>
+              </a:rPr>
+              <a:t>http://www.yinwang.org/blog-cn/2017/05/23/kotlin</a:t>
+            </a:r>
+            <a:endParaRPr lang="zh-CN" altLang="en-US" dirty="0"/>
+          </a:p>
+        </p:txBody>
+      </p:sp>
+    </p:spTree>
+    <p:extLst>
+      <p:ext uri="{BB962C8B-B14F-4D97-AF65-F5344CB8AC3E}">
+        <p14:creationId xmlns:p14="http://schemas.microsoft.com/office/powerpoint/2010/main" val="1363129473"/>
       </p:ext>
     </p:extLst>
   </p:cSld>

--- a/J2EE设计和编码指南.pptx
+++ b/J2EE设计和编码指南.pptx
@@ -8,34 +8,44 @@
     <p:sldId id="256" r:id="rId2"/>
     <p:sldId id="257" r:id="rId3"/>
     <p:sldId id="258" r:id="rId4"/>
-    <p:sldId id="259" r:id="rId5"/>
-    <p:sldId id="260" r:id="rId6"/>
-    <p:sldId id="261" r:id="rId7"/>
-    <p:sldId id="262" r:id="rId8"/>
-    <p:sldId id="263" r:id="rId9"/>
-    <p:sldId id="264" r:id="rId10"/>
-    <p:sldId id="265" r:id="rId11"/>
-    <p:sldId id="266" r:id="rId12"/>
-    <p:sldId id="267" r:id="rId13"/>
-    <p:sldId id="268" r:id="rId14"/>
-    <p:sldId id="269" r:id="rId15"/>
-    <p:sldId id="270" r:id="rId16"/>
-    <p:sldId id="271" r:id="rId17"/>
-    <p:sldId id="272" r:id="rId18"/>
-    <p:sldId id="273" r:id="rId19"/>
-    <p:sldId id="274" r:id="rId20"/>
-    <p:sldId id="275" r:id="rId21"/>
-    <p:sldId id="276" r:id="rId22"/>
-    <p:sldId id="277" r:id="rId23"/>
-    <p:sldId id="278" r:id="rId24"/>
-    <p:sldId id="280" r:id="rId25"/>
-    <p:sldId id="281" r:id="rId26"/>
-    <p:sldId id="282" r:id="rId27"/>
-    <p:sldId id="283" r:id="rId28"/>
-    <p:sldId id="284" r:id="rId29"/>
-    <p:sldId id="285" r:id="rId30"/>
-    <p:sldId id="286" r:id="rId31"/>
-    <p:sldId id="279" r:id="rId32"/>
+    <p:sldId id="288" r:id="rId5"/>
+    <p:sldId id="259" r:id="rId6"/>
+    <p:sldId id="260" r:id="rId7"/>
+    <p:sldId id="289" r:id="rId8"/>
+    <p:sldId id="261" r:id="rId9"/>
+    <p:sldId id="262" r:id="rId10"/>
+    <p:sldId id="263" r:id="rId11"/>
+    <p:sldId id="264" r:id="rId12"/>
+    <p:sldId id="265" r:id="rId13"/>
+    <p:sldId id="266" r:id="rId14"/>
+    <p:sldId id="290" r:id="rId15"/>
+    <p:sldId id="291" r:id="rId16"/>
+    <p:sldId id="267" r:id="rId17"/>
+    <p:sldId id="287" r:id="rId18"/>
+    <p:sldId id="268" r:id="rId19"/>
+    <p:sldId id="269" r:id="rId20"/>
+    <p:sldId id="292" r:id="rId21"/>
+    <p:sldId id="270" r:id="rId22"/>
+    <p:sldId id="271" r:id="rId23"/>
+    <p:sldId id="272" r:id="rId24"/>
+    <p:sldId id="273" r:id="rId25"/>
+    <p:sldId id="293" r:id="rId26"/>
+    <p:sldId id="274" r:id="rId27"/>
+    <p:sldId id="275" r:id="rId28"/>
+    <p:sldId id="276" r:id="rId29"/>
+    <p:sldId id="277" r:id="rId30"/>
+    <p:sldId id="295" r:id="rId31"/>
+    <p:sldId id="294" r:id="rId32"/>
+    <p:sldId id="278" r:id="rId33"/>
+    <p:sldId id="280" r:id="rId34"/>
+    <p:sldId id="296" r:id="rId35"/>
+    <p:sldId id="281" r:id="rId36"/>
+    <p:sldId id="282" r:id="rId37"/>
+    <p:sldId id="283" r:id="rId38"/>
+    <p:sldId id="284" r:id="rId39"/>
+    <p:sldId id="285" r:id="rId40"/>
+    <p:sldId id="286" r:id="rId41"/>
+    <p:sldId id="279" r:id="rId42"/>
   </p:sldIdLst>
   <p:sldSz cx="12192000" cy="6858000"/>
   <p:notesSz cx="6858000" cy="9144000"/>
@@ -289,7 +299,7 @@
           <a:p>
             <a:fld id="{212332B8-E260-48AE-963B-A8DEFB6BEE36}" type="datetimeFigureOut">
               <a:rPr lang="zh-CN" altLang="en-US" smtClean="0"/>
-              <a:t>2020/2/27</a:t>
+              <a:t>2020/3/21</a:t>
             </a:fld>
             <a:endParaRPr lang="zh-CN" altLang="en-US"/>
           </a:p>
@@ -487,7 +497,7 @@
           <a:p>
             <a:fld id="{212332B8-E260-48AE-963B-A8DEFB6BEE36}" type="datetimeFigureOut">
               <a:rPr lang="zh-CN" altLang="en-US" smtClean="0"/>
-              <a:t>2020/2/27</a:t>
+              <a:t>2020/3/21</a:t>
             </a:fld>
             <a:endParaRPr lang="zh-CN" altLang="en-US"/>
           </a:p>
@@ -695,7 +705,7 @@
           <a:p>
             <a:fld id="{212332B8-E260-48AE-963B-A8DEFB6BEE36}" type="datetimeFigureOut">
               <a:rPr lang="zh-CN" altLang="en-US" smtClean="0"/>
-              <a:t>2020/2/27</a:t>
+              <a:t>2020/3/21</a:t>
             </a:fld>
             <a:endParaRPr lang="zh-CN" altLang="en-US"/>
           </a:p>
@@ -893,7 +903,7 @@
           <a:p>
             <a:fld id="{212332B8-E260-48AE-963B-A8DEFB6BEE36}" type="datetimeFigureOut">
               <a:rPr lang="zh-CN" altLang="en-US" smtClean="0"/>
-              <a:t>2020/2/27</a:t>
+              <a:t>2020/3/21</a:t>
             </a:fld>
             <a:endParaRPr lang="zh-CN" altLang="en-US"/>
           </a:p>
@@ -1168,7 +1178,7 @@
           <a:p>
             <a:fld id="{212332B8-E260-48AE-963B-A8DEFB6BEE36}" type="datetimeFigureOut">
               <a:rPr lang="zh-CN" altLang="en-US" smtClean="0"/>
-              <a:t>2020/2/27</a:t>
+              <a:t>2020/3/21</a:t>
             </a:fld>
             <a:endParaRPr lang="zh-CN" altLang="en-US"/>
           </a:p>
@@ -1433,7 +1443,7 @@
           <a:p>
             <a:fld id="{212332B8-E260-48AE-963B-A8DEFB6BEE36}" type="datetimeFigureOut">
               <a:rPr lang="zh-CN" altLang="en-US" smtClean="0"/>
-              <a:t>2020/2/27</a:t>
+              <a:t>2020/3/21</a:t>
             </a:fld>
             <a:endParaRPr lang="zh-CN" altLang="en-US"/>
           </a:p>
@@ -1845,7 +1855,7 @@
           <a:p>
             <a:fld id="{212332B8-E260-48AE-963B-A8DEFB6BEE36}" type="datetimeFigureOut">
               <a:rPr lang="zh-CN" altLang="en-US" smtClean="0"/>
-              <a:t>2020/2/27</a:t>
+              <a:t>2020/3/21</a:t>
             </a:fld>
             <a:endParaRPr lang="zh-CN" altLang="en-US"/>
           </a:p>
@@ -1986,7 +1996,7 @@
           <a:p>
             <a:fld id="{212332B8-E260-48AE-963B-A8DEFB6BEE36}" type="datetimeFigureOut">
               <a:rPr lang="zh-CN" altLang="en-US" smtClean="0"/>
-              <a:t>2020/2/27</a:t>
+              <a:t>2020/3/21</a:t>
             </a:fld>
             <a:endParaRPr lang="zh-CN" altLang="en-US"/>
           </a:p>
@@ -2099,7 +2109,7 @@
           <a:p>
             <a:fld id="{212332B8-E260-48AE-963B-A8DEFB6BEE36}" type="datetimeFigureOut">
               <a:rPr lang="zh-CN" altLang="en-US" smtClean="0"/>
-              <a:t>2020/2/27</a:t>
+              <a:t>2020/3/21</a:t>
             </a:fld>
             <a:endParaRPr lang="zh-CN" altLang="en-US"/>
           </a:p>
@@ -2410,7 +2420,7 @@
           <a:p>
             <a:fld id="{212332B8-E260-48AE-963B-A8DEFB6BEE36}" type="datetimeFigureOut">
               <a:rPr lang="zh-CN" altLang="en-US" smtClean="0"/>
-              <a:t>2020/2/27</a:t>
+              <a:t>2020/3/21</a:t>
             </a:fld>
             <a:endParaRPr lang="zh-CN" altLang="en-US"/>
           </a:p>
@@ -2698,7 +2708,7 @@
           <a:p>
             <a:fld id="{212332B8-E260-48AE-963B-A8DEFB6BEE36}" type="datetimeFigureOut">
               <a:rPr lang="zh-CN" altLang="en-US" smtClean="0"/>
-              <a:t>2020/2/27</a:t>
+              <a:t>2020/3/21</a:t>
             </a:fld>
             <a:endParaRPr lang="zh-CN" altLang="en-US"/>
           </a:p>
@@ -2939,7 +2949,7 @@
           <a:p>
             <a:fld id="{212332B8-E260-48AE-963B-A8DEFB6BEE36}" type="datetimeFigureOut">
               <a:rPr lang="zh-CN" altLang="en-US" smtClean="0"/>
-              <a:t>2020/2/27</a:t>
+              <a:t>2020/3/21</a:t>
             </a:fld>
             <a:endParaRPr lang="zh-CN" altLang="en-US"/>
           </a:p>
@@ -3417,7 +3427,10 @@
             </a:r>
           </a:p>
           <a:p>
-            <a:endParaRPr lang="en-US" altLang="zh-CN" dirty="0"/>
+            <a:r>
+              <a:rPr lang="en-US" altLang="zh-CN" dirty="0"/>
+              <a:t>                                     </a:t>
+            </a:r>
           </a:p>
           <a:p>
             <a:r>
@@ -3473,7 +3486,7 @@
           <p:cNvPr id="2" name="标题 1">
             <a:extLst>
               <a:ext uri="{FF2B5EF4-FFF2-40B4-BE49-F238E27FC236}">
-                <a16:creationId xmlns:a16="http://schemas.microsoft.com/office/drawing/2014/main" id="{34D8E403-A044-4678-8115-B6492432D3E1}"/>
+                <a16:creationId xmlns:a16="http://schemas.microsoft.com/office/drawing/2014/main" id="{3646B6FD-FC28-4E37-A5D6-ABAFB9AB4379}"/>
               </a:ext>
             </a:extLst>
           </p:cNvPr>
@@ -3491,7 +3504,7 @@
           <a:p>
             <a:r>
               <a:rPr lang="zh-CN" altLang="en-US" dirty="0"/>
-              <a:t>考虑方法参数合并</a:t>
+              <a:t>使用回调实现可扩展性</a:t>
             </a:r>
           </a:p>
         </p:txBody>
@@ -3501,7 +3514,7 @@
           <p:cNvPr id="3" name="内容占位符 2">
             <a:extLst>
               <a:ext uri="{FF2B5EF4-FFF2-40B4-BE49-F238E27FC236}">
-                <a16:creationId xmlns:a16="http://schemas.microsoft.com/office/drawing/2014/main" id="{41B880F4-B922-4CA2-9594-0E5285FBEBFA}"/>
+                <a16:creationId xmlns:a16="http://schemas.microsoft.com/office/drawing/2014/main" id="{5B877520-05FC-4BDA-9FAD-8AFDB4B09A9C}"/>
               </a:ext>
             </a:extLst>
           </p:cNvPr>
@@ -3517,14 +3530,100 @@
           <a:bodyPr/>
           <a:lstStyle/>
           <a:p>
-            <a:endParaRPr lang="zh-CN" altLang="en-US"/>
+            <a:r>
+              <a:rPr lang="en-US" altLang="zh-CN" dirty="0" err="1"/>
+              <a:t>JDBCTemplete</a:t>
+            </a:r>
+            <a:r>
+              <a:rPr lang="en-US" altLang="zh-CN" dirty="0"/>
+              <a:t> -》 </a:t>
+            </a:r>
+            <a:r>
+              <a:rPr lang="zh-CN" altLang="en-US" dirty="0"/>
+              <a:t>封装的启示</a:t>
+            </a:r>
+            <a:endParaRPr lang="en-US" altLang="zh-CN" dirty="0"/>
+          </a:p>
+          <a:p>
+            <a:r>
+              <a:rPr lang="zh-CN" altLang="en-US" dirty="0"/>
+              <a:t>固定的 </a:t>
+            </a:r>
+            <a:r>
+              <a:rPr lang="en-US" altLang="zh-CN" dirty="0"/>
+              <a:t>template </a:t>
+            </a:r>
+            <a:r>
+              <a:rPr lang="zh-CN" altLang="en-US" dirty="0"/>
+              <a:t>灵活的 </a:t>
+            </a:r>
+            <a:r>
+              <a:rPr lang="en-US" altLang="zh-CN" dirty="0"/>
+              <a:t>callback</a:t>
+            </a:r>
+          </a:p>
+          <a:p>
+            <a:endParaRPr lang="en-US" altLang="zh-CN" dirty="0"/>
+          </a:p>
+          <a:p>
+            <a:r>
+              <a:rPr lang="zh-CN" altLang="en-US" dirty="0"/>
+              <a:t>原生</a:t>
+            </a:r>
+            <a:r>
+              <a:rPr lang="en-US" altLang="zh-CN" dirty="0"/>
+              <a:t>JDBC</a:t>
+            </a:r>
+            <a:r>
+              <a:rPr lang="zh-CN" altLang="en-US" dirty="0"/>
+              <a:t>缺点在哪里？</a:t>
+            </a:r>
+            <a:endParaRPr lang="en-US" altLang="zh-CN" dirty="0"/>
+          </a:p>
+          <a:p>
+            <a:r>
+              <a:rPr lang="en-US" altLang="zh-CN" dirty="0" err="1"/>
+              <a:t>RedisClientTemplate</a:t>
+            </a:r>
+            <a:r>
+              <a:rPr lang="zh-CN" altLang="en-US" dirty="0"/>
+              <a:t>缺点在哪里？和</a:t>
+            </a:r>
+            <a:r>
+              <a:rPr lang="en-US" altLang="zh-CN" dirty="0"/>
+              <a:t>Spring</a:t>
+            </a:r>
+            <a:r>
+              <a:rPr lang="zh-CN" altLang="en-US" dirty="0"/>
+              <a:t>官方</a:t>
+            </a:r>
+            <a:r>
+              <a:rPr lang="en-US" altLang="zh-CN" dirty="0" err="1"/>
+              <a:t>RedisTemplate</a:t>
+            </a:r>
+            <a:r>
+              <a:rPr lang="zh-CN" altLang="en-US" dirty="0"/>
+              <a:t>区别在哪里？</a:t>
+            </a:r>
+            <a:r>
+              <a:rPr lang="en-US" altLang="zh-CN" dirty="0"/>
+              <a:t>(</a:t>
+            </a:r>
+            <a:r>
+              <a:rPr lang="zh-CN" altLang="en-US" dirty="0"/>
+              <a:t>资源管理，异常处理</a:t>
+            </a:r>
+            <a:r>
+              <a:rPr lang="en-US" altLang="zh-CN" dirty="0"/>
+              <a:t>)</a:t>
+            </a:r>
           </a:p>
         </p:txBody>
       </p:sp>
     </p:spTree>
     <p:extLst>
       <p:ext uri="{BB962C8B-B14F-4D97-AF65-F5344CB8AC3E}">
-        <p14:creationId xmlns:p14="http://schemas.microsoft.com/office/powerpoint/2010/main" val="2616851807"/>
+        <p14:creationId xmlns:p14="http://schemas.microsoft.com/office/powerpoint/2010/main" val="2839184442"/>
       </p:ext>
     </p:extLst>
   </p:cSld>
@@ -3556,7 +3655,7 @@
           <p:cNvPr id="2" name="标题 1">
             <a:extLst>
               <a:ext uri="{FF2B5EF4-FFF2-40B4-BE49-F238E27FC236}">
-                <a16:creationId xmlns:a16="http://schemas.microsoft.com/office/drawing/2014/main" id="{9ECC5EB6-2E99-4B67-984A-B9FEC74BAA0D}"/>
+                <a16:creationId xmlns:a16="http://schemas.microsoft.com/office/drawing/2014/main" id="{C8BB8549-9380-4D29-A6FA-0E275E9A0642}"/>
               </a:ext>
             </a:extLst>
           </p:cNvPr>
@@ -3574,15 +3673,7 @@
           <a:p>
             <a:r>
               <a:rPr lang="zh-CN" altLang="en-US" dirty="0"/>
-              <a:t>异常处理原则</a:t>
-            </a:r>
-            <a:r>
-              <a:rPr lang="en-US" altLang="zh-CN" dirty="0"/>
-              <a:t>-</a:t>
-            </a:r>
-            <a:r>
-              <a:rPr lang="zh-CN" altLang="en-US" dirty="0"/>
-              <a:t>优先非受检异常</a:t>
+              <a:t>观察者设计模式</a:t>
             </a:r>
           </a:p>
         </p:txBody>
@@ -3592,7 +3683,7 @@
           <p:cNvPr id="3" name="内容占位符 2">
             <a:extLst>
               <a:ext uri="{FF2B5EF4-FFF2-40B4-BE49-F238E27FC236}">
-                <a16:creationId xmlns:a16="http://schemas.microsoft.com/office/drawing/2014/main" id="{FE80334A-CA8C-4870-94F6-004A7C9D39B9}"/>
+                <a16:creationId xmlns:a16="http://schemas.microsoft.com/office/drawing/2014/main" id="{7CF4E1F9-2819-46C7-B83A-6559473A04B9}"/>
               </a:ext>
             </a:extLst>
           </p:cNvPr>
@@ -3608,14 +3699,105 @@
           <a:bodyPr/>
           <a:lstStyle/>
           <a:p>
-            <a:endParaRPr lang="zh-CN" altLang="en-US" dirty="0"/>
+            <a:r>
+              <a:rPr lang="zh-CN" altLang="en-US" dirty="0"/>
+              <a:t>场外发短信重构：</a:t>
+            </a:r>
+            <a:endParaRPr lang="en-US" altLang="zh-CN" dirty="0"/>
+          </a:p>
+          <a:p>
+            <a:r>
+              <a:rPr lang="zh-CN" altLang="en-US" dirty="0"/>
+              <a:t>之前代码全部重复了</a:t>
+            </a:r>
+            <a:r>
+              <a:rPr lang="en-US" altLang="zh-CN" dirty="0"/>
+              <a:t>n</a:t>
+            </a:r>
+            <a:r>
+              <a:rPr lang="zh-CN" altLang="en-US" dirty="0"/>
+              <a:t>次，改一次地方等于改</a:t>
+            </a:r>
+            <a:r>
+              <a:rPr lang="en-US" altLang="zh-CN" dirty="0"/>
+              <a:t>n</a:t>
+            </a:r>
+            <a:r>
+              <a:rPr lang="zh-CN" altLang="en-US" dirty="0"/>
+              <a:t>个地方。</a:t>
+            </a:r>
+            <a:endParaRPr lang="en-US" altLang="zh-CN" dirty="0"/>
+          </a:p>
+          <a:p>
+            <a:r>
+              <a:rPr lang="en-US" altLang="zh-CN" dirty="0"/>
+              <a:t>1  </a:t>
+            </a:r>
+            <a:r>
+              <a:rPr lang="zh-CN" altLang="en-US" dirty="0"/>
+              <a:t>重复代码封装统一发送方法。现在做法。</a:t>
+            </a:r>
+            <a:endParaRPr lang="en-US" altLang="zh-CN" dirty="0"/>
+          </a:p>
+          <a:p>
+            <a:r>
+              <a:rPr lang="en-US" altLang="zh-CN" dirty="0"/>
+              <a:t>2  </a:t>
+            </a:r>
+            <a:r>
+              <a:rPr lang="zh-CN" altLang="en-US" dirty="0"/>
+              <a:t>基于事件重构。事件处理器框架处理短信，解耦。</a:t>
+            </a:r>
+            <a:endParaRPr lang="en-US" altLang="zh-CN" dirty="0"/>
+          </a:p>
+          <a:p>
+            <a:r>
+              <a:rPr lang="en-US" altLang="zh-CN" dirty="0"/>
+              <a:t>3  </a:t>
+            </a:r>
+            <a:r>
+              <a:rPr lang="zh-CN" altLang="en-US" dirty="0"/>
+              <a:t>彻底解耦。</a:t>
+            </a:r>
+            <a:r>
+              <a:rPr lang="en-US" altLang="zh-CN" dirty="0"/>
+              <a:t>AOP</a:t>
+            </a:r>
+            <a:r>
+              <a:rPr lang="zh-CN" altLang="en-US" dirty="0"/>
+              <a:t>拦截方法执行，</a:t>
+            </a:r>
+            <a:r>
+              <a:rPr lang="en-US" altLang="zh-CN" dirty="0"/>
+              <a:t>AOP</a:t>
+            </a:r>
+            <a:r>
+              <a:rPr lang="zh-CN" altLang="en-US" dirty="0"/>
+              <a:t>中处理事件。</a:t>
+            </a:r>
+            <a:endParaRPr lang="en-US" altLang="zh-CN" dirty="0"/>
+          </a:p>
+          <a:p>
+            <a:r>
+              <a:rPr lang="en-US" altLang="zh-CN" dirty="0"/>
+              <a:t>4  </a:t>
+            </a:r>
+            <a:r>
+              <a:rPr lang="en-US" altLang="zh-CN" dirty="0" err="1"/>
+              <a:t>KubeController</a:t>
+            </a:r>
+            <a:r>
+              <a:rPr lang="zh-CN" altLang="en-US" dirty="0"/>
+              <a:t>模式</a:t>
+            </a:r>
+            <a:endParaRPr lang="en-US" altLang="zh-CN" dirty="0"/>
           </a:p>
         </p:txBody>
       </p:sp>
     </p:spTree>
     <p:extLst>
       <p:ext uri="{BB962C8B-B14F-4D97-AF65-F5344CB8AC3E}">
-        <p14:creationId xmlns:p14="http://schemas.microsoft.com/office/powerpoint/2010/main" val="2331885933"/>
+        <p14:creationId xmlns:p14="http://schemas.microsoft.com/office/powerpoint/2010/main" val="1149596116"/>
       </p:ext>
     </p:extLst>
   </p:cSld>
@@ -3647,7 +3829,7 @@
           <p:cNvPr id="2" name="标题 1">
             <a:extLst>
               <a:ext uri="{FF2B5EF4-FFF2-40B4-BE49-F238E27FC236}">
-                <a16:creationId xmlns:a16="http://schemas.microsoft.com/office/drawing/2014/main" id="{94CC139D-9906-4E2B-B0D7-F9A586780C74}"/>
+                <a16:creationId xmlns:a16="http://schemas.microsoft.com/office/drawing/2014/main" id="{34D8E403-A044-4678-8115-B6492432D3E1}"/>
               </a:ext>
             </a:extLst>
           </p:cNvPr>
@@ -3665,7 +3847,7 @@
           <a:p>
             <a:r>
               <a:rPr lang="zh-CN" altLang="en-US" dirty="0"/>
-              <a:t>使用反射</a:t>
+              <a:t>考虑方法参数合并</a:t>
             </a:r>
           </a:p>
         </p:txBody>
@@ -3675,7 +3857,7 @@
           <p:cNvPr id="3" name="内容占位符 2">
             <a:extLst>
               <a:ext uri="{FF2B5EF4-FFF2-40B4-BE49-F238E27FC236}">
-                <a16:creationId xmlns:a16="http://schemas.microsoft.com/office/drawing/2014/main" id="{8A56657E-DA65-49A1-854F-21802CB46080}"/>
+                <a16:creationId xmlns:a16="http://schemas.microsoft.com/office/drawing/2014/main" id="{41B880F4-B922-4CA2-9594-0E5285FBEBFA}"/>
               </a:ext>
             </a:extLst>
           </p:cNvPr>
@@ -3698,7 +3880,7 @@
     </p:spTree>
     <p:extLst>
       <p:ext uri="{BB962C8B-B14F-4D97-AF65-F5344CB8AC3E}">
-        <p14:creationId xmlns:p14="http://schemas.microsoft.com/office/powerpoint/2010/main" val="3419333725"/>
+        <p14:creationId xmlns:p14="http://schemas.microsoft.com/office/powerpoint/2010/main" val="2616851807"/>
       </p:ext>
     </p:extLst>
   </p:cSld>
@@ -3730,7 +3912,7 @@
           <p:cNvPr id="2" name="标题 1">
             <a:extLst>
               <a:ext uri="{FF2B5EF4-FFF2-40B4-BE49-F238E27FC236}">
-                <a16:creationId xmlns:a16="http://schemas.microsoft.com/office/drawing/2014/main" id="{F4EBE1D6-378F-41FF-914A-F8AAB7CE4157}"/>
+                <a16:creationId xmlns:a16="http://schemas.microsoft.com/office/drawing/2014/main" id="{9ECC5EB6-2E99-4B67-984A-B9FEC74BAA0D}"/>
               </a:ext>
             </a:extLst>
           </p:cNvPr>
@@ -3747,13 +3929,22 @@
           <a:lstStyle/>
           <a:p>
             <a:r>
-              <a:rPr lang="en-US" altLang="zh-CN" dirty="0"/>
-              <a:t>JavaBean</a:t>
-            </a:r>
-            <a:r>
-              <a:rPr lang="zh-CN" altLang="en-US" dirty="0"/>
-              <a:t>实现灵活性</a:t>
-            </a:r>
+              <a:rPr lang="zh-CN" altLang="en-US" dirty="0"/>
+              <a:t>异常处理</a:t>
+            </a:r>
+            <a:r>
+              <a:rPr lang="en-US" altLang="zh-CN" dirty="0"/>
+              <a:t>(JAVA</a:t>
+            </a:r>
+            <a:r>
+              <a:rPr lang="zh-CN" altLang="en-US" dirty="0"/>
+              <a:t>核心技术，没有之一</a:t>
+            </a:r>
+            <a:r>
+              <a:rPr lang="en-US" altLang="zh-CN" dirty="0"/>
+              <a:t>)</a:t>
+            </a:r>
+            <a:endParaRPr lang="zh-CN" altLang="en-US" dirty="0"/>
           </a:p>
         </p:txBody>
       </p:sp>
@@ -3762,7 +3953,7 @@
           <p:cNvPr id="3" name="内容占位符 2">
             <a:extLst>
               <a:ext uri="{FF2B5EF4-FFF2-40B4-BE49-F238E27FC236}">
-                <a16:creationId xmlns:a16="http://schemas.microsoft.com/office/drawing/2014/main" id="{F3CEA6F1-ABE7-4591-BDD4-9E8E4AB5CA3F}"/>
+                <a16:creationId xmlns:a16="http://schemas.microsoft.com/office/drawing/2014/main" id="{FE80334A-CA8C-4870-94F6-004A7C9D39B9}"/>
               </a:ext>
             </a:extLst>
           </p:cNvPr>
@@ -3778,14 +3969,99 @@
           <a:bodyPr/>
           <a:lstStyle/>
           <a:p>
-            <a:endParaRPr lang="zh-CN" altLang="en-US"/>
+            <a:r>
+              <a:rPr lang="zh-CN" altLang="en-US" dirty="0"/>
+              <a:t>传统观念：</a:t>
+            </a:r>
+            <a:r>
+              <a:rPr lang="en-US" altLang="zh-CN" dirty="0"/>
+              <a:t>check</a:t>
+            </a:r>
+            <a:r>
+              <a:rPr lang="zh-CN" altLang="en-US" dirty="0"/>
+              <a:t>异常是标准用法，</a:t>
+            </a:r>
+            <a:r>
+              <a:rPr lang="en-US" altLang="zh-CN" dirty="0"/>
+              <a:t>uncheck</a:t>
+            </a:r>
+            <a:r>
+              <a:rPr lang="zh-CN" altLang="en-US" dirty="0"/>
+              <a:t>异常表示编程错误。</a:t>
+            </a:r>
+            <a:endParaRPr lang="en-US" altLang="zh-CN" dirty="0"/>
+          </a:p>
+          <a:p>
+            <a:r>
+              <a:rPr lang="en-US" altLang="zh-CN" dirty="0"/>
+              <a:t>Bruce Eckel</a:t>
+            </a:r>
+            <a:r>
+              <a:rPr lang="zh-CN" altLang="en-US" dirty="0"/>
+              <a:t>：</a:t>
+            </a:r>
+            <a:r>
+              <a:rPr lang="en-US" altLang="zh-CN" dirty="0"/>
+              <a:t>uncheck</a:t>
+            </a:r>
+            <a:r>
+              <a:rPr lang="zh-CN" altLang="en-US" dirty="0"/>
+              <a:t>作为标准用法</a:t>
+            </a:r>
+            <a:endParaRPr lang="en-US" altLang="zh-CN" dirty="0"/>
+          </a:p>
+          <a:p>
+            <a:r>
+              <a:rPr lang="en-US" altLang="zh-CN" dirty="0"/>
+              <a:t>Joshua Bloch</a:t>
+            </a:r>
+            <a:r>
+              <a:rPr lang="zh-CN" altLang="en-US" dirty="0"/>
+              <a:t>：对可恢复情况使用</a:t>
+            </a:r>
+            <a:r>
+              <a:rPr lang="en-US" altLang="zh-CN" dirty="0"/>
+              <a:t>check</a:t>
+            </a:r>
+            <a:r>
+              <a:rPr lang="zh-CN" altLang="en-US" dirty="0"/>
+              <a:t>，对编程错误使用</a:t>
+            </a:r>
+            <a:r>
+              <a:rPr lang="en-US" altLang="zh-CN" dirty="0"/>
+              <a:t>uncheck</a:t>
+            </a:r>
+            <a:r>
+              <a:rPr lang="zh-CN" altLang="en-US" dirty="0"/>
+              <a:t>，使异常提供足够信息。</a:t>
+            </a:r>
+            <a:endParaRPr lang="en-US" altLang="zh-CN" dirty="0"/>
+          </a:p>
+          <a:p>
+            <a:r>
+              <a:rPr lang="zh-CN" altLang="en-US" dirty="0"/>
+              <a:t>优先非受检异常</a:t>
+            </a:r>
+            <a:endParaRPr lang="en-US" altLang="zh-CN" dirty="0"/>
+          </a:p>
+          <a:p>
+            <a:r>
+              <a:rPr lang="en-US" altLang="zh-CN" dirty="0"/>
+              <a:t>Iterator</a:t>
+            </a:r>
+          </a:p>
+          <a:p>
+            <a:r>
+              <a:rPr lang="zh-CN" altLang="en-US" dirty="0"/>
+              <a:t>不要害怕出错，你才是处理者。</a:t>
+            </a:r>
           </a:p>
         </p:txBody>
       </p:sp>
     </p:spTree>
     <p:extLst>
       <p:ext uri="{BB962C8B-B14F-4D97-AF65-F5344CB8AC3E}">
-        <p14:creationId xmlns:p14="http://schemas.microsoft.com/office/powerpoint/2010/main" val="3863457440"/>
+        <p14:creationId xmlns:p14="http://schemas.microsoft.com/office/powerpoint/2010/main" val="2331885933"/>
       </p:ext>
     </p:extLst>
   </p:cSld>
@@ -3817,7 +4093,7 @@
           <p:cNvPr id="2" name="标题 1">
             <a:extLst>
               <a:ext uri="{FF2B5EF4-FFF2-40B4-BE49-F238E27FC236}">
-                <a16:creationId xmlns:a16="http://schemas.microsoft.com/office/drawing/2014/main" id="{7311A7AE-FC53-4B48-9B8F-14D4628BFE52}"/>
+                <a16:creationId xmlns:a16="http://schemas.microsoft.com/office/drawing/2014/main" id="{F9155349-DDF9-40BB-A657-7223CEE6BCB4}"/>
               </a:ext>
             </a:extLst>
           </p:cNvPr>
@@ -3833,68 +4109,106 @@
           <a:bodyPr/>
           <a:lstStyle/>
           <a:p>
-            <a:r>
-              <a:rPr lang="zh-CN" altLang="en-US" dirty="0"/>
-              <a:t>避免单例激增使用应用注册表</a:t>
-            </a:r>
-          </a:p>
-        </p:txBody>
-      </p:sp>
-      <p:sp>
-        <p:nvSpPr>
-          <p:cNvPr id="3" name="内容占位符 2">
-            <a:extLst>
-              <a:ext uri="{FF2B5EF4-FFF2-40B4-BE49-F238E27FC236}">
-                <a16:creationId xmlns:a16="http://schemas.microsoft.com/office/drawing/2014/main" id="{AC575325-5258-48BC-B3FB-ADE8FD72B5FC}"/>
-              </a:ext>
-            </a:extLst>
-          </p:cNvPr>
-          <p:cNvSpPr>
-            <a:spLocks noGrp="1"/>
-          </p:cNvSpPr>
+            <a:endParaRPr lang="zh-CN" altLang="en-US" dirty="0"/>
+          </a:p>
+        </p:txBody>
+      </p:sp>
+      <p:pic>
+        <p:nvPicPr>
+          <p:cNvPr id="4" name="内容占位符 3">
+            <a:extLst>
+              <a:ext uri="{FF2B5EF4-FFF2-40B4-BE49-F238E27FC236}">
+                <a16:creationId xmlns:a16="http://schemas.microsoft.com/office/drawing/2014/main" id="{A9F88B3F-A7AE-425C-99D6-E88A628DE494}"/>
+              </a:ext>
+            </a:extLst>
+          </p:cNvPr>
+          <p:cNvPicPr>
+            <a:picLocks noGrp="1" noChangeAspect="1"/>
+          </p:cNvPicPr>
           <p:nvPr>
             <p:ph idx="1"/>
           </p:nvPr>
-        </p:nvSpPr>
-        <p:spPr/>
-        <p:txBody>
-          <a:bodyPr/>
-          <a:lstStyle/>
-          <a:p>
-            <a:r>
-              <a:rPr lang="en-US" altLang="zh-CN" dirty="0"/>
-              <a:t>JDBC</a:t>
-            </a:r>
-            <a:r>
-              <a:rPr lang="zh-CN" altLang="en-US" dirty="0"/>
-              <a:t>代码见过吗？</a:t>
-            </a:r>
-            <a:r>
-              <a:rPr lang="en-US" altLang="zh-CN" dirty="0"/>
-              <a:t>Redis</a:t>
-            </a:r>
-            <a:r>
-              <a:rPr lang="zh-CN" altLang="en-US" dirty="0"/>
-              <a:t>代码？</a:t>
-            </a:r>
-            <a:r>
-              <a:rPr lang="en-US" altLang="zh-CN" dirty="0" err="1"/>
-              <a:t>RedisClientTemplate</a:t>
-            </a:r>
-            <a:endParaRPr lang="en-US" altLang="zh-CN" dirty="0"/>
-          </a:p>
-          <a:p>
-            <a:endParaRPr lang="en-US" altLang="zh-CN" dirty="0"/>
-          </a:p>
-          <a:p>
-            <a:endParaRPr lang="zh-CN" altLang="en-US" dirty="0"/>
-          </a:p>
-        </p:txBody>
-      </p:sp>
+        </p:nvPicPr>
+        <p:blipFill>
+          <a:blip r:embed="rId2"/>
+          <a:stretch>
+            <a:fillRect/>
+          </a:stretch>
+        </p:blipFill>
+        <p:spPr>
+          <a:xfrm>
+            <a:off x="195261" y="1787521"/>
+            <a:ext cx="6157913" cy="739459"/>
+          </a:xfrm>
+          <a:prstGeom prst="rect">
+            <a:avLst/>
+          </a:prstGeom>
+        </p:spPr>
+      </p:pic>
+      <p:pic>
+        <p:nvPicPr>
+          <p:cNvPr id="5" name="图片 4">
+            <a:extLst>
+              <a:ext uri="{FF2B5EF4-FFF2-40B4-BE49-F238E27FC236}">
+                <a16:creationId xmlns:a16="http://schemas.microsoft.com/office/drawing/2014/main" id="{67F5176C-436E-448D-AB53-0D63410FF38F}"/>
+              </a:ext>
+            </a:extLst>
+          </p:cNvPr>
+          <p:cNvPicPr>
+            <a:picLocks noChangeAspect="1"/>
+          </p:cNvPicPr>
+          <p:nvPr/>
+        </p:nvPicPr>
+        <p:blipFill>
+          <a:blip r:embed="rId3"/>
+          <a:stretch>
+            <a:fillRect/>
+          </a:stretch>
+        </p:blipFill>
+        <p:spPr>
+          <a:xfrm>
+            <a:off x="385762" y="3108641"/>
+            <a:ext cx="10565606" cy="647700"/>
+          </a:xfrm>
+          <a:prstGeom prst="rect">
+            <a:avLst/>
+          </a:prstGeom>
+        </p:spPr>
+      </p:pic>
+      <p:pic>
+        <p:nvPicPr>
+          <p:cNvPr id="6" name="图片 5">
+            <a:extLst>
+              <a:ext uri="{FF2B5EF4-FFF2-40B4-BE49-F238E27FC236}">
+                <a16:creationId xmlns:a16="http://schemas.microsoft.com/office/drawing/2014/main" id="{69575F66-CB18-480C-A0F6-05AA7D45DD47}"/>
+              </a:ext>
+            </a:extLst>
+          </p:cNvPr>
+          <p:cNvPicPr>
+            <a:picLocks noChangeAspect="1"/>
+          </p:cNvPicPr>
+          <p:nvPr/>
+        </p:nvPicPr>
+        <p:blipFill>
+          <a:blip r:embed="rId4"/>
+          <a:stretch>
+            <a:fillRect/>
+          </a:stretch>
+        </p:blipFill>
+        <p:spPr>
+          <a:xfrm>
+            <a:off x="385762" y="4338002"/>
+            <a:ext cx="11624642" cy="1234123"/>
+          </a:xfrm>
+          <a:prstGeom prst="rect">
+            <a:avLst/>
+          </a:prstGeom>
+        </p:spPr>
+      </p:pic>
     </p:spTree>
     <p:extLst>
       <p:ext uri="{BB962C8B-B14F-4D97-AF65-F5344CB8AC3E}">
-        <p14:creationId xmlns:p14="http://schemas.microsoft.com/office/powerpoint/2010/main" val="726276719"/>
+        <p14:creationId xmlns:p14="http://schemas.microsoft.com/office/powerpoint/2010/main" val="2700679186"/>
       </p:ext>
     </p:extLst>
   </p:cSld>
@@ -3926,7 +4240,7 @@
           <p:cNvPr id="2" name="标题 1">
             <a:extLst>
               <a:ext uri="{FF2B5EF4-FFF2-40B4-BE49-F238E27FC236}">
-                <a16:creationId xmlns:a16="http://schemas.microsoft.com/office/drawing/2014/main" id="{C3C490FC-5437-4EF8-84EE-5532870D0162}"/>
+                <a16:creationId xmlns:a16="http://schemas.microsoft.com/office/drawing/2014/main" id="{71F767C2-4518-4D94-B6F2-8BDD06793EE5}"/>
               </a:ext>
             </a:extLst>
           </p:cNvPr>
@@ -3944,11 +4258,19 @@
           <a:p>
             <a:r>
               <a:rPr lang="en-US" altLang="zh-CN" dirty="0"/>
-              <a:t>1.2 </a:t>
-            </a:r>
-            <a:r>
-              <a:rPr lang="zh-CN" altLang="en-US" dirty="0"/>
-              <a:t>代码标准</a:t>
+              <a:t>Redis</a:t>
+            </a:r>
+            <a:r>
+              <a:rPr lang="zh-CN" altLang="en-US" dirty="0"/>
+              <a:t>获取</a:t>
+            </a:r>
+            <a:r>
+              <a:rPr lang="en-US" altLang="zh-CN" dirty="0"/>
+              <a:t>key</a:t>
+            </a:r>
+            <a:r>
+              <a:rPr lang="zh-CN" altLang="en-US" dirty="0"/>
+              <a:t>异常</a:t>
             </a:r>
           </a:p>
         </p:txBody>
@@ -3958,7 +4280,7 @@
           <p:cNvPr id="3" name="内容占位符 2">
             <a:extLst>
               <a:ext uri="{FF2B5EF4-FFF2-40B4-BE49-F238E27FC236}">
-                <a16:creationId xmlns:a16="http://schemas.microsoft.com/office/drawing/2014/main" id="{ED98298C-F51A-4E8C-96A2-D106A185C795}"/>
+                <a16:creationId xmlns:a16="http://schemas.microsoft.com/office/drawing/2014/main" id="{EF35C481-A814-404A-AC89-20E0D2105360}"/>
               </a:ext>
             </a:extLst>
           </p:cNvPr>
@@ -3976,29 +4298,72 @@
           <a:p>
             <a:r>
               <a:rPr lang="en-US" altLang="zh-CN" dirty="0"/>
-              <a:t>1 </a:t>
-            </a:r>
-            <a:r>
-              <a:rPr lang="zh-CN" altLang="en-US" dirty="0"/>
-              <a:t>代码标准开始：</a:t>
-            </a:r>
-            <a:r>
-              <a:rPr lang="en-US" altLang="zh-CN" dirty="0"/>
-              <a:t>No New Keyword</a:t>
-            </a:r>
-          </a:p>
-          <a:p>
-            <a:r>
-              <a:rPr lang="zh-CN" altLang="en-US" dirty="0"/>
-              <a:t>起个好名字</a:t>
-            </a:r>
+              <a:t>Try {</a:t>
+            </a:r>
+          </a:p>
+          <a:p>
+            <a:endParaRPr lang="en-US" altLang="zh-CN" dirty="0"/>
+          </a:p>
+          <a:p>
+            <a:r>
+              <a:rPr lang="en-US" altLang="zh-CN" dirty="0"/>
+              <a:t>} Catch(Exception e) {</a:t>
+            </a:r>
+          </a:p>
+          <a:p>
+            <a:pPr marL="0" indent="0">
+              <a:buNone/>
+            </a:pPr>
+            <a:r>
+              <a:rPr lang="en-US" altLang="zh-CN" dirty="0"/>
+              <a:t>        </a:t>
+            </a:r>
+            <a:r>
+              <a:rPr lang="en-US" altLang="zh-CN" dirty="0" err="1"/>
+              <a:t>log.error</a:t>
+            </a:r>
+            <a:r>
+              <a:rPr lang="en-US" altLang="zh-CN" dirty="0"/>
+              <a:t>(“may key </a:t>
+            </a:r>
+            <a:r>
+              <a:rPr lang="en-US" altLang="zh-CN" dirty="0" err="1"/>
+              <a:t>null,check</a:t>
+            </a:r>
+            <a:r>
+              <a:rPr lang="en-US" altLang="zh-CN" dirty="0"/>
+              <a:t> </a:t>
+            </a:r>
+            <a:r>
+              <a:rPr lang="en-US" altLang="zh-CN" dirty="0" err="1"/>
+              <a:t>cmd</a:t>
+            </a:r>
+            <a:r>
+              <a:rPr lang="en-US" altLang="zh-CN" dirty="0"/>
+              <a:t>:{}”,</a:t>
+            </a:r>
+            <a:r>
+              <a:rPr lang="zh-CN" altLang="en-US" dirty="0"/>
+              <a:t>“”</a:t>
+            </a:r>
+            <a:r>
+              <a:rPr lang="en-US" altLang="zh-CN" dirty="0"/>
+              <a:t>)</a:t>
+            </a:r>
+          </a:p>
+          <a:p>
+            <a:r>
+              <a:rPr lang="en-US" altLang="zh-CN" dirty="0"/>
+              <a:t>}</a:t>
+            </a:r>
+            <a:endParaRPr lang="zh-CN" altLang="en-US" dirty="0"/>
           </a:p>
         </p:txBody>
       </p:sp>
     </p:spTree>
     <p:extLst>
       <p:ext uri="{BB962C8B-B14F-4D97-AF65-F5344CB8AC3E}">
-        <p14:creationId xmlns:p14="http://schemas.microsoft.com/office/powerpoint/2010/main" val="576413643"/>
+        <p14:creationId xmlns:p14="http://schemas.microsoft.com/office/powerpoint/2010/main" val="2579038941"/>
       </p:ext>
     </p:extLst>
   </p:cSld>
@@ -4030,7 +4395,7 @@
           <p:cNvPr id="2" name="标题 1">
             <a:extLst>
               <a:ext uri="{FF2B5EF4-FFF2-40B4-BE49-F238E27FC236}">
-                <a16:creationId xmlns:a16="http://schemas.microsoft.com/office/drawing/2014/main" id="{F9F99FEF-8567-4208-8A4D-2D95F5A3C883}"/>
+                <a16:creationId xmlns:a16="http://schemas.microsoft.com/office/drawing/2014/main" id="{94CC139D-9906-4E2B-B0D7-F9A586780C74}"/>
               </a:ext>
             </a:extLst>
           </p:cNvPr>
@@ -4048,8 +4413,21 @@
           <a:p>
             <a:r>
               <a:rPr lang="zh-CN" altLang="en-US" dirty="0"/>
-              <a:t>职责分配</a:t>
-            </a:r>
+              <a:t>使用反射</a:t>
+            </a:r>
+            <a:r>
+              <a:rPr lang="en-US" altLang="zh-CN" dirty="0"/>
+              <a:t>-</a:t>
+            </a:r>
+            <a:r>
+              <a:rPr lang="zh-CN" altLang="en-US" dirty="0"/>
+              <a:t>核心</a:t>
+            </a:r>
+            <a:r>
+              <a:rPr lang="en-US" altLang="zh-CN" dirty="0"/>
+              <a:t>API</a:t>
+            </a:r>
+            <a:endParaRPr lang="zh-CN" altLang="en-US" dirty="0"/>
           </a:p>
         </p:txBody>
       </p:sp>
@@ -4058,7 +4436,7 @@
           <p:cNvPr id="3" name="内容占位符 2">
             <a:extLst>
               <a:ext uri="{FF2B5EF4-FFF2-40B4-BE49-F238E27FC236}">
-                <a16:creationId xmlns:a16="http://schemas.microsoft.com/office/drawing/2014/main" id="{95F56BC9-318C-4B16-9D99-6419FBB00CF8}"/>
+                <a16:creationId xmlns:a16="http://schemas.microsoft.com/office/drawing/2014/main" id="{8A56657E-DA65-49A1-854F-21802CB46080}"/>
               </a:ext>
             </a:extLst>
           </p:cNvPr>
@@ -4074,14 +4452,86 @@
           <a:bodyPr/>
           <a:lstStyle/>
           <a:p>
-            <a:endParaRPr lang="zh-CN" altLang="en-US"/>
+            <a:r>
+              <a:rPr lang="zh-CN" altLang="en-US" dirty="0"/>
+              <a:t>两个误解：反射很慢，反射很难用</a:t>
+            </a:r>
+            <a:endParaRPr lang="en-US" altLang="zh-CN" dirty="0"/>
+          </a:p>
+          <a:p>
+            <a:r>
+              <a:rPr lang="zh-CN" altLang="en-US" dirty="0"/>
+              <a:t>实例：</a:t>
+            </a:r>
+            <a:r>
+              <a:rPr lang="en-US" altLang="zh-CN" dirty="0"/>
+              <a:t>JavaBean</a:t>
+            </a:r>
+            <a:r>
+              <a:rPr lang="zh-CN" altLang="en-US" dirty="0"/>
+              <a:t>，</a:t>
+            </a:r>
+            <a:r>
+              <a:rPr lang="en-US" altLang="zh-CN" dirty="0"/>
+              <a:t>JSP</a:t>
+            </a:r>
+            <a:r>
+              <a:rPr lang="zh-CN" altLang="en-US" dirty="0"/>
+              <a:t>，序列化</a:t>
+            </a:r>
+            <a:r>
+              <a:rPr lang="en-US" altLang="zh-CN" dirty="0"/>
+              <a:t>(</a:t>
+            </a:r>
+            <a:r>
+              <a:rPr lang="en-US" altLang="zh-CN" dirty="0" err="1"/>
+              <a:t>ObjectOutputStream</a:t>
+            </a:r>
+            <a:r>
+              <a:rPr lang="en-US" altLang="zh-CN" dirty="0"/>
+              <a:t>)</a:t>
+            </a:r>
+            <a:r>
+              <a:rPr lang="zh-CN" altLang="en-US" dirty="0"/>
+              <a:t>，开关语句（通过条件找类，方法），</a:t>
+            </a:r>
+            <a:r>
+              <a:rPr lang="en-US" altLang="zh-CN" dirty="0"/>
+              <a:t>IF-ELSE</a:t>
+            </a:r>
+            <a:r>
+              <a:rPr lang="zh-CN" altLang="en-US" dirty="0"/>
+              <a:t>，</a:t>
+            </a:r>
+            <a:r>
+              <a:rPr lang="en-US" altLang="zh-CN" dirty="0"/>
+              <a:t>web.xml</a:t>
+            </a:r>
+          </a:p>
+          <a:p>
+            <a:r>
+              <a:rPr lang="zh-CN" altLang="en-US" dirty="0"/>
+              <a:t>参数化</a:t>
+            </a:r>
+            <a:r>
+              <a:rPr lang="en-US" altLang="zh-CN" dirty="0"/>
+              <a:t>Java</a:t>
+            </a:r>
+            <a:r>
+              <a:rPr lang="zh-CN" altLang="en-US" dirty="0"/>
+              <a:t>代码</a:t>
+            </a:r>
+            <a:endParaRPr lang="en-US" altLang="zh-CN" dirty="0"/>
+          </a:p>
+          <a:p>
+            <a:endParaRPr lang="zh-CN" altLang="en-US" dirty="0"/>
           </a:p>
         </p:txBody>
       </p:sp>
     </p:spTree>
     <p:extLst>
       <p:ext uri="{BB962C8B-B14F-4D97-AF65-F5344CB8AC3E}">
-        <p14:creationId xmlns:p14="http://schemas.microsoft.com/office/powerpoint/2010/main" val="2874268297"/>
+        <p14:creationId xmlns:p14="http://schemas.microsoft.com/office/powerpoint/2010/main" val="3419333725"/>
       </p:ext>
     </p:extLst>
   </p:cSld>
@@ -4113,7 +4563,7 @@
           <p:cNvPr id="2" name="标题 1">
             <a:extLst>
               <a:ext uri="{FF2B5EF4-FFF2-40B4-BE49-F238E27FC236}">
-                <a16:creationId xmlns:a16="http://schemas.microsoft.com/office/drawing/2014/main" id="{C4BD6831-60BF-410A-93CC-584A5FBBA1AB}"/>
+                <a16:creationId xmlns:a16="http://schemas.microsoft.com/office/drawing/2014/main" id="{51CCF8FE-E917-4BEF-89C0-6946FF638BD2}"/>
               </a:ext>
             </a:extLst>
           </p:cNvPr>
@@ -4131,8 +4581,21 @@
           <a:p>
             <a:r>
               <a:rPr lang="zh-CN" altLang="en-US" dirty="0"/>
-              <a:t>避免代码重复</a:t>
-            </a:r>
+              <a:t>动态代理</a:t>
+            </a:r>
+            <a:r>
+              <a:rPr lang="en-US" altLang="zh-CN" dirty="0"/>
+              <a:t>(JAVA</a:t>
+            </a:r>
+            <a:r>
+              <a:rPr lang="zh-CN" altLang="en-US" dirty="0"/>
+              <a:t>最具创新的技术</a:t>
+            </a:r>
+            <a:r>
+              <a:rPr lang="en-US" altLang="zh-CN" dirty="0"/>
+              <a:t>)</a:t>
+            </a:r>
+            <a:endParaRPr lang="zh-CN" altLang="en-US" dirty="0"/>
           </a:p>
         </p:txBody>
       </p:sp>
@@ -4141,7 +4604,7 @@
           <p:cNvPr id="3" name="内容占位符 2">
             <a:extLst>
               <a:ext uri="{FF2B5EF4-FFF2-40B4-BE49-F238E27FC236}">
-                <a16:creationId xmlns:a16="http://schemas.microsoft.com/office/drawing/2014/main" id="{CA1FE05C-85D1-48C9-A9C3-B1ABB1A90C86}"/>
+                <a16:creationId xmlns:a16="http://schemas.microsoft.com/office/drawing/2014/main" id="{13178558-9968-40BE-8A5F-18B71A79FC84}"/>
               </a:ext>
             </a:extLst>
           </p:cNvPr>
@@ -4157,14 +4620,72 @@
           <a:bodyPr/>
           <a:lstStyle/>
           <a:p>
-            <a:endParaRPr lang="zh-CN" altLang="en-US"/>
+            <a:r>
+              <a:rPr lang="en-US" altLang="zh-CN" dirty="0"/>
+              <a:t>1 </a:t>
+            </a:r>
+            <a:r>
+              <a:rPr lang="zh-CN" altLang="en-US" dirty="0"/>
+              <a:t>动态代理是运行时实现接口但编译时候不用实现的特殊类。</a:t>
+            </a:r>
+            <a:endParaRPr lang="en-US" altLang="zh-CN" dirty="0"/>
+          </a:p>
+          <a:p>
+            <a:r>
+              <a:rPr lang="en-US" altLang="zh-CN" dirty="0"/>
+              <a:t>2 </a:t>
+            </a:r>
+            <a:r>
+              <a:rPr lang="zh-CN" altLang="en-US" dirty="0"/>
+              <a:t>截获实现指定接口的委托调用。</a:t>
+            </a:r>
+            <a:r>
+              <a:rPr lang="en-US" altLang="zh-CN" dirty="0"/>
+              <a:t> </a:t>
+            </a:r>
+          </a:p>
+          <a:p>
+            <a:r>
+              <a:rPr lang="en-US" altLang="zh-CN" dirty="0"/>
+              <a:t>3 AOP</a:t>
+            </a:r>
+            <a:r>
+              <a:rPr lang="zh-CN" altLang="en-US" dirty="0"/>
+              <a:t>实现方式之一</a:t>
+            </a:r>
+            <a:endParaRPr lang="en-US" altLang="zh-CN" dirty="0"/>
+          </a:p>
+          <a:p>
+            <a:r>
+              <a:rPr lang="zh-CN" altLang="en-US" dirty="0"/>
+              <a:t>能对动态代理对象在进行一次代理吗？</a:t>
+            </a:r>
+            <a:endParaRPr lang="en-US" altLang="zh-CN" dirty="0"/>
+          </a:p>
+          <a:p>
+            <a:r>
+              <a:rPr lang="en-US" altLang="zh-CN" dirty="0"/>
+              <a:t>2 </a:t>
+            </a:r>
+            <a:r>
+              <a:rPr lang="en-US" altLang="zh-CN" dirty="0" err="1"/>
+              <a:t>DynamicProxy</a:t>
+            </a:r>
+            <a:r>
+              <a:rPr lang="en-US" altLang="zh-CN" dirty="0"/>
+              <a:t> </a:t>
+            </a:r>
+            <a:r>
+              <a:rPr lang="zh-CN" altLang="en-US" dirty="0"/>
+              <a:t>的封装</a:t>
+            </a:r>
           </a:p>
         </p:txBody>
       </p:sp>
     </p:spTree>
     <p:extLst>
       <p:ext uri="{BB962C8B-B14F-4D97-AF65-F5344CB8AC3E}">
-        <p14:creationId xmlns:p14="http://schemas.microsoft.com/office/powerpoint/2010/main" val="4154813239"/>
+        <p14:creationId xmlns:p14="http://schemas.microsoft.com/office/powerpoint/2010/main" val="3731718174"/>
       </p:ext>
     </p:extLst>
   </p:cSld>
@@ -4196,7 +4717,7 @@
           <p:cNvPr id="2" name="标题 1">
             <a:extLst>
               <a:ext uri="{FF2B5EF4-FFF2-40B4-BE49-F238E27FC236}">
-                <a16:creationId xmlns:a16="http://schemas.microsoft.com/office/drawing/2014/main" id="{090645EC-BAFB-4DA0-A292-1740032601C8}"/>
+                <a16:creationId xmlns:a16="http://schemas.microsoft.com/office/drawing/2014/main" id="{F4EBE1D6-378F-41FF-914A-F8AAB7CE4157}"/>
               </a:ext>
             </a:extLst>
           </p:cNvPr>
@@ -4213,8 +4734,12 @@
           <a:lstStyle/>
           <a:p>
             <a:r>
-              <a:rPr lang="zh-CN" altLang="en-US" dirty="0"/>
-              <a:t>避免字面常数</a:t>
+              <a:rPr lang="en-US" altLang="zh-CN" dirty="0"/>
+              <a:t>JavaBean</a:t>
+            </a:r>
+            <a:r>
+              <a:rPr lang="zh-CN" altLang="en-US" dirty="0"/>
+              <a:t>实现灵活性</a:t>
             </a:r>
           </a:p>
         </p:txBody>
@@ -4224,7 +4749,7 @@
           <p:cNvPr id="3" name="内容占位符 2">
             <a:extLst>
               <a:ext uri="{FF2B5EF4-FFF2-40B4-BE49-F238E27FC236}">
-                <a16:creationId xmlns:a16="http://schemas.microsoft.com/office/drawing/2014/main" id="{6FB6CCE1-2430-4025-BBAC-1D7A2871B5F9}"/>
+                <a16:creationId xmlns:a16="http://schemas.microsoft.com/office/drawing/2014/main" id="{F3CEA6F1-ABE7-4591-BDD4-9E8E4AB5CA3F}"/>
               </a:ext>
             </a:extLst>
           </p:cNvPr>
@@ -4241,25 +4766,31 @@
           <a:lstStyle/>
           <a:p>
             <a:r>
-              <a:rPr lang="en-US" altLang="zh-CN" dirty="0"/>
-              <a:t>Alibaba</a:t>
-            </a:r>
-            <a:r>
-              <a:rPr lang="zh-CN" altLang="en-US" dirty="0"/>
-              <a:t>代码规范并不好</a:t>
-            </a:r>
-            <a:r>
-              <a:rPr lang="en-US" altLang="zh-CN" dirty="0"/>
-              <a:t> </a:t>
-            </a:r>
-            <a:endParaRPr lang="zh-CN" altLang="en-US" dirty="0"/>
+              <a:rPr lang="zh-CN" altLang="en-US" dirty="0"/>
+              <a:t>应用对象应该是</a:t>
+            </a:r>
+            <a:r>
+              <a:rPr lang="en-US" altLang="zh-CN" dirty="0"/>
+              <a:t>JavaBean</a:t>
+            </a:r>
+            <a:r>
+              <a:rPr lang="zh-CN" altLang="en-US" dirty="0"/>
+              <a:t>。</a:t>
+            </a:r>
+            <a:endParaRPr lang="en-US" altLang="zh-CN" dirty="0"/>
+          </a:p>
+          <a:p>
+            <a:r>
+              <a:rPr lang="zh-CN" altLang="en-US" dirty="0"/>
+              <a:t>可配置，运行时候操作</a:t>
+            </a:r>
           </a:p>
         </p:txBody>
       </p:sp>
     </p:spTree>
     <p:extLst>
       <p:ext uri="{BB962C8B-B14F-4D97-AF65-F5344CB8AC3E}">
-        <p14:creationId xmlns:p14="http://schemas.microsoft.com/office/powerpoint/2010/main" val="1801691536"/>
+        <p14:creationId xmlns:p14="http://schemas.microsoft.com/office/powerpoint/2010/main" val="3863457440"/>
       </p:ext>
     </p:extLst>
   </p:cSld>
@@ -4291,7 +4822,7 @@
           <p:cNvPr id="2" name="标题 1">
             <a:extLst>
               <a:ext uri="{FF2B5EF4-FFF2-40B4-BE49-F238E27FC236}">
-                <a16:creationId xmlns:a16="http://schemas.microsoft.com/office/drawing/2014/main" id="{621E04F7-B76D-4786-8A72-1E336DA8A12D}"/>
+                <a16:creationId xmlns:a16="http://schemas.microsoft.com/office/drawing/2014/main" id="{7311A7AE-FC53-4B48-9B8F-14D4628BFE52}"/>
               </a:ext>
             </a:extLst>
           </p:cNvPr>
@@ -4304,13 +4835,27 @@
         </p:nvSpPr>
         <p:spPr/>
         <p:txBody>
-          <a:bodyPr/>
-          <a:lstStyle/>
-          <a:p>
-            <a:r>
-              <a:rPr lang="zh-CN" altLang="en-US" dirty="0"/>
-              <a:t>可见度与作用范围</a:t>
-            </a:r>
+          <a:bodyPr>
+            <a:normAutofit/>
+          </a:bodyPr>
+          <a:lstStyle/>
+          <a:p>
+            <a:r>
+              <a:rPr lang="zh-CN" altLang="en-US" sz="3200" dirty="0"/>
+              <a:t>避免单例暴增使用应用注册表</a:t>
+            </a:r>
+            <a:r>
+              <a:rPr lang="en-US" altLang="zh-CN" sz="3200" dirty="0"/>
+              <a:t>Application</a:t>
+            </a:r>
+            <a:br>
+              <a:rPr lang="en-US" altLang="zh-CN" sz="3200" dirty="0"/>
+            </a:br>
+            <a:r>
+              <a:rPr lang="en-US" altLang="zh-CN" sz="3200" dirty="0"/>
+              <a:t>Registry</a:t>
+            </a:r>
+            <a:endParaRPr lang="zh-CN" altLang="en-US" sz="3200" dirty="0"/>
           </a:p>
         </p:txBody>
       </p:sp>
@@ -4319,7 +4864,7 @@
           <p:cNvPr id="3" name="内容占位符 2">
             <a:extLst>
               <a:ext uri="{FF2B5EF4-FFF2-40B4-BE49-F238E27FC236}">
-                <a16:creationId xmlns:a16="http://schemas.microsoft.com/office/drawing/2014/main" id="{6E12FF5A-D8E3-44F0-B8F9-97DC770C3F72}"/>
+                <a16:creationId xmlns:a16="http://schemas.microsoft.com/office/drawing/2014/main" id="{AC575325-5258-48BC-B3FB-ADE8FD72B5FC}"/>
               </a:ext>
             </a:extLst>
           </p:cNvPr>
@@ -4332,48 +4877,153 @@
         </p:nvSpPr>
         <p:spPr/>
         <p:txBody>
-          <a:bodyPr/>
-          <a:lstStyle/>
-          <a:p>
-            <a:r>
-              <a:rPr lang="en-US" altLang="zh-CN" dirty="0"/>
-              <a:t>1 Public Instance Variables</a:t>
-            </a:r>
-          </a:p>
-          <a:p>
-            <a:r>
-              <a:rPr lang="en-US" altLang="zh-CN" dirty="0"/>
-              <a:t>2 Protected and Package Protected Instance Variables</a:t>
-            </a:r>
-          </a:p>
-          <a:p>
-            <a:r>
-              <a:rPr lang="en-US" altLang="zh-CN" dirty="0"/>
-              <a:t>3 Method Visibility</a:t>
-            </a:r>
-          </a:p>
-          <a:p>
-            <a:r>
-              <a:rPr lang="en-US" altLang="zh-CN" dirty="0"/>
-              <a:t>4 Variable Scoping</a:t>
-            </a:r>
-          </a:p>
-          <a:p>
+          <a:bodyPr>
+            <a:normAutofit lnSpcReduction="10000"/>
+          </a:bodyPr>
+          <a:lstStyle/>
+          <a:p>
+            <a:r>
+              <a:rPr lang="en-US" altLang="zh-CN" dirty="0"/>
+              <a:t>JDBC</a:t>
+            </a:r>
+            <a:r>
+              <a:rPr lang="zh-CN" altLang="en-US" dirty="0"/>
+              <a:t>代码见过吗？</a:t>
+            </a:r>
+            <a:r>
+              <a:rPr lang="en-US" altLang="zh-CN" dirty="0"/>
+              <a:t>Redis Client</a:t>
+            </a:r>
+            <a:r>
+              <a:rPr lang="zh-CN" altLang="en-US" dirty="0"/>
+              <a:t>代码？</a:t>
+            </a:r>
+            <a:r>
+              <a:rPr lang="en-US" altLang="zh-CN" dirty="0" err="1"/>
+              <a:t>RedisClientTemplate</a:t>
+            </a:r>
+            <a:endParaRPr lang="en-US" altLang="zh-CN" dirty="0"/>
+          </a:p>
+          <a:p>
+            <a:endParaRPr lang="en-US" altLang="zh-CN" dirty="0"/>
+          </a:p>
+          <a:p>
+            <a:r>
+              <a:rPr lang="zh-CN" altLang="en-US" dirty="0"/>
+              <a:t>单例缺点：</a:t>
+            </a:r>
+            <a:r>
+              <a:rPr lang="en-US" altLang="zh-CN" dirty="0"/>
+              <a:t>1 </a:t>
+            </a:r>
+            <a:r>
+              <a:rPr lang="zh-CN" altLang="en-US" dirty="0"/>
+              <a:t>依赖性硬编码 </a:t>
+            </a:r>
+            <a:r>
+              <a:rPr lang="en-US" altLang="zh-CN" dirty="0"/>
+              <a:t>2 </a:t>
+            </a:r>
+            <a:r>
+              <a:rPr lang="zh-CN" altLang="en-US" dirty="0"/>
+              <a:t>自己处理配置 </a:t>
+            </a:r>
+            <a:r>
+              <a:rPr lang="en-US" altLang="zh-CN" dirty="0"/>
+              <a:t>3 </a:t>
+            </a:r>
+            <a:r>
+              <a:rPr lang="zh-CN" altLang="en-US" dirty="0"/>
+              <a:t>复杂应用多个单例，每个单例自己处理配置  </a:t>
+            </a:r>
+            <a:r>
+              <a:rPr lang="en-US" altLang="zh-CN" dirty="0"/>
+              <a:t>4  </a:t>
+            </a:r>
+            <a:r>
+              <a:rPr lang="zh-CN" altLang="en-US" dirty="0"/>
+              <a:t>对接口不友好  </a:t>
+            </a:r>
             <a:r>
               <a:rPr lang="en-US" altLang="zh-CN" dirty="0"/>
               <a:t>5 </a:t>
             </a:r>
             <a:r>
               <a:rPr lang="zh-CN" altLang="en-US" dirty="0"/>
-              <a:t>内部类和基础</a:t>
-            </a:r>
+              <a:t>无非同时刷新一个应用内所有单例状态 </a:t>
+            </a:r>
+            <a:endParaRPr lang="en-US" altLang="zh-CN" dirty="0"/>
+          </a:p>
+          <a:p>
+            <a:r>
+              <a:rPr lang="zh-CN" altLang="en-US" dirty="0"/>
+              <a:t>解决方案：应用中有一个对象用来查找其他对象。</a:t>
+            </a:r>
+            <a:r>
+              <a:rPr lang="en-US" altLang="zh-CN" dirty="0"/>
+              <a:t>Application Context</a:t>
+            </a:r>
+            <a:r>
+              <a:rPr lang="zh-CN" altLang="en-US" dirty="0"/>
+              <a:t>，优点普通对象是单例了。也可以是</a:t>
+            </a:r>
+            <a:r>
+              <a:rPr lang="en-US" altLang="zh-CN" dirty="0"/>
+              <a:t>Prototype</a:t>
+            </a:r>
+            <a:r>
+              <a:rPr lang="zh-CN" altLang="en-US" dirty="0"/>
+              <a:t>。也可以发布事件。</a:t>
+            </a:r>
+            <a:endParaRPr lang="en-US" altLang="zh-CN" dirty="0"/>
+          </a:p>
+          <a:p>
+            <a:r>
+              <a:rPr lang="en-US" altLang="zh-CN" dirty="0"/>
+              <a:t>WEB</a:t>
+            </a:r>
+            <a:r>
+              <a:rPr lang="zh-CN" altLang="en-US" dirty="0"/>
+              <a:t>解决方案：</a:t>
+            </a:r>
+            <a:r>
+              <a:rPr lang="en-US" altLang="zh-CN" dirty="0" err="1"/>
+              <a:t>ServeltContext</a:t>
+            </a:r>
+            <a:endParaRPr lang="en-US" altLang="zh-CN" dirty="0"/>
+          </a:p>
+          <a:p>
+            <a:r>
+              <a:rPr lang="en-US" altLang="zh-CN" dirty="0"/>
+              <a:t>J2EE</a:t>
+            </a:r>
+            <a:r>
+              <a:rPr lang="zh-CN" altLang="en-US" dirty="0"/>
+              <a:t>开发基础设施。</a:t>
+            </a:r>
+            <a:endParaRPr lang="en-US" altLang="zh-CN" dirty="0"/>
+          </a:p>
+          <a:p>
+            <a:endParaRPr lang="en-US" altLang="zh-CN" dirty="0"/>
+          </a:p>
+          <a:p>
+            <a:endParaRPr lang="en-US" altLang="zh-CN" dirty="0"/>
+          </a:p>
+          <a:p>
+            <a:endParaRPr lang="en-US" altLang="zh-CN" dirty="0"/>
+          </a:p>
+          <a:p>
+            <a:endParaRPr lang="en-US" altLang="zh-CN" dirty="0"/>
+          </a:p>
+          <a:p>
+            <a:endParaRPr lang="zh-CN" altLang="en-US" dirty="0"/>
           </a:p>
         </p:txBody>
       </p:sp>
     </p:spTree>
     <p:extLst>
       <p:ext uri="{BB962C8B-B14F-4D97-AF65-F5344CB8AC3E}">
-        <p14:creationId xmlns:p14="http://schemas.microsoft.com/office/powerpoint/2010/main" val="815543027"/>
+        <p14:creationId xmlns:p14="http://schemas.microsoft.com/office/powerpoint/2010/main" val="726276719"/>
       </p:ext>
     </p:extLst>
   </p:cSld>
@@ -4554,7 +5204,7 @@
           <p:cNvPr id="2" name="标题 1">
             <a:extLst>
               <a:ext uri="{FF2B5EF4-FFF2-40B4-BE49-F238E27FC236}">
-                <a16:creationId xmlns:a16="http://schemas.microsoft.com/office/drawing/2014/main" id="{C7E93E75-E7C8-4F81-8726-34F5B8E4CE75}"/>
+                <a16:creationId xmlns:a16="http://schemas.microsoft.com/office/drawing/2014/main" id="{BC3AD1A3-2141-41EF-AB6A-E3B520DFAF74}"/>
               </a:ext>
             </a:extLst>
           </p:cNvPr>
@@ -4572,15 +5222,7 @@
           <a:p>
             <a:r>
               <a:rPr lang="zh-CN" altLang="en-US" dirty="0"/>
-              <a:t>使用</a:t>
-            </a:r>
-            <a:r>
-              <a:rPr lang="en-US" altLang="zh-CN" dirty="0"/>
-              <a:t>final</a:t>
-            </a:r>
-            <a:r>
-              <a:rPr lang="zh-CN" altLang="en-US" dirty="0"/>
-              <a:t>关键字</a:t>
+              <a:t>重构</a:t>
             </a:r>
           </a:p>
         </p:txBody>
@@ -4590,7 +5232,7 @@
           <p:cNvPr id="3" name="内容占位符 2">
             <a:extLst>
               <a:ext uri="{FF2B5EF4-FFF2-40B4-BE49-F238E27FC236}">
-                <a16:creationId xmlns:a16="http://schemas.microsoft.com/office/drawing/2014/main" id="{2A2F7288-D868-466C-B44A-D07A02B1D192}"/>
+                <a16:creationId xmlns:a16="http://schemas.microsoft.com/office/drawing/2014/main" id="{1CA4B8E5-FE5E-48DD-8D95-67B70B347CB7}"/>
               </a:ext>
             </a:extLst>
           </p:cNvPr>
@@ -4607,34 +5249,54 @@
           <a:lstStyle/>
           <a:p>
             <a:r>
-              <a:rPr lang="en-US" altLang="zh-CN" dirty="0"/>
-              <a:t>1 final</a:t>
-            </a:r>
-            <a:r>
-              <a:rPr lang="zh-CN" altLang="en-US" dirty="0"/>
-              <a:t>方法</a:t>
-            </a:r>
-            <a:endParaRPr lang="en-US" altLang="zh-CN" dirty="0"/>
-          </a:p>
-          <a:p>
-            <a:r>
-              <a:rPr lang="en-US" altLang="zh-CN" dirty="0"/>
-              <a:t>2 final</a:t>
-            </a:r>
-            <a:r>
-              <a:rPr lang="zh-CN" altLang="en-US" dirty="0"/>
-              <a:t>类</a:t>
-            </a:r>
-            <a:endParaRPr lang="en-US" altLang="zh-CN" dirty="0"/>
-          </a:p>
-          <a:p>
-            <a:r>
-              <a:rPr lang="en-US" altLang="zh-CN" dirty="0"/>
-              <a:t>3 final</a:t>
-            </a:r>
-            <a:r>
-              <a:rPr lang="zh-CN" altLang="en-US" dirty="0"/>
-              <a:t>实例变量</a:t>
+              <a:rPr lang="zh-CN" altLang="en-US" dirty="0"/>
+              <a:t>消除重复代码。</a:t>
+            </a:r>
+            <a:endParaRPr lang="en-US" altLang="zh-CN" dirty="0"/>
+          </a:p>
+          <a:p>
+            <a:endParaRPr lang="en-US" altLang="zh-CN" dirty="0"/>
+          </a:p>
+          <a:p>
+            <a:endParaRPr lang="en-US" altLang="zh-CN" dirty="0"/>
+          </a:p>
+          <a:p>
+            <a:r>
+              <a:rPr lang="zh-CN" altLang="en-US" dirty="0"/>
+              <a:t>不断在以下领域寻求改进：</a:t>
+            </a:r>
+            <a:endParaRPr lang="en-US" altLang="zh-CN" dirty="0"/>
+          </a:p>
+          <a:p>
+            <a:r>
+              <a:rPr lang="en-US" altLang="zh-CN" dirty="0"/>
+              <a:t>1 </a:t>
+            </a:r>
+            <a:r>
+              <a:rPr lang="zh-CN" altLang="en-US" dirty="0"/>
+              <a:t>错误消息：一个迷惑的错误消息暗示着一次改进。</a:t>
+            </a:r>
+            <a:endParaRPr lang="en-US" altLang="zh-CN" dirty="0"/>
+          </a:p>
+          <a:p>
+            <a:r>
+              <a:rPr lang="en-US" altLang="zh-CN" dirty="0"/>
+              <a:t>2 </a:t>
+            </a:r>
+            <a:r>
+              <a:rPr lang="zh-CN" altLang="en-US" dirty="0"/>
+              <a:t>日志记录：帮助调试。</a:t>
+            </a:r>
+            <a:endParaRPr lang="en-US" altLang="zh-CN" dirty="0"/>
+          </a:p>
+          <a:p>
+            <a:r>
+              <a:rPr lang="en-US" altLang="zh-CN" dirty="0"/>
+              <a:t>3 </a:t>
+            </a:r>
+            <a:r>
+              <a:rPr lang="zh-CN" altLang="en-US" dirty="0"/>
+              <a:t>文档编写：</a:t>
             </a:r>
           </a:p>
         </p:txBody>
@@ -4642,7 +5304,7 @@
     </p:spTree>
     <p:extLst>
       <p:ext uri="{BB962C8B-B14F-4D97-AF65-F5344CB8AC3E}">
-        <p14:creationId xmlns:p14="http://schemas.microsoft.com/office/powerpoint/2010/main" val="1562651980"/>
+        <p14:creationId xmlns:p14="http://schemas.microsoft.com/office/powerpoint/2010/main" val="2446016261"/>
       </p:ext>
     </p:extLst>
   </p:cSld>
@@ -4674,7 +5336,7 @@
           <p:cNvPr id="2" name="标题 1">
             <a:extLst>
               <a:ext uri="{FF2B5EF4-FFF2-40B4-BE49-F238E27FC236}">
-                <a16:creationId xmlns:a16="http://schemas.microsoft.com/office/drawing/2014/main" id="{56C09FC5-9C3B-4ACD-BBCD-2E8A238CB8B8}"/>
+                <a16:creationId xmlns:a16="http://schemas.microsoft.com/office/drawing/2014/main" id="{C3C490FC-5437-4EF8-84EE-5532870D0162}"/>
               </a:ext>
             </a:extLst>
           </p:cNvPr>
@@ -4687,53 +5349,133 @@
         </p:nvSpPr>
         <p:spPr/>
         <p:txBody>
-          <a:bodyPr/>
-          <a:lstStyle/>
-          <a:p>
-            <a:r>
-              <a:rPr lang="zh-CN" altLang="en-US" dirty="0"/>
-              <a:t>实现问题定位的</a:t>
+          <a:bodyPr>
+            <a:normAutofit/>
+          </a:bodyPr>
+          <a:lstStyle/>
+          <a:p>
+            <a:r>
+              <a:rPr lang="en-US" altLang="zh-CN" sz="3200" dirty="0"/>
+              <a:t>1.2 </a:t>
+            </a:r>
+            <a:r>
+              <a:rPr lang="zh-CN" altLang="en-US" sz="3200" dirty="0"/>
+              <a:t>代码标准</a:t>
+            </a:r>
+            <a:r>
+              <a:rPr lang="en-US" altLang="zh-CN" sz="3200" dirty="0"/>
+              <a:t>-</a:t>
+            </a:r>
+            <a:r>
+              <a:rPr lang="zh-CN" altLang="en-US" sz="3200" dirty="0"/>
+              <a:t>本质是一个见解问题，并无标准</a:t>
+            </a:r>
+          </a:p>
+        </p:txBody>
+      </p:sp>
+      <p:sp>
+        <p:nvSpPr>
+          <p:cNvPr id="3" name="内容占位符 2">
+            <a:extLst>
+              <a:ext uri="{FF2B5EF4-FFF2-40B4-BE49-F238E27FC236}">
+                <a16:creationId xmlns:a16="http://schemas.microsoft.com/office/drawing/2014/main" id="{ED98298C-F51A-4E8C-96A2-D106A185C795}"/>
+              </a:ext>
+            </a:extLst>
+          </p:cNvPr>
+          <p:cNvSpPr>
+            <a:spLocks noGrp="1"/>
+          </p:cNvSpPr>
+          <p:nvPr>
+            <p:ph idx="1"/>
+          </p:nvPr>
+        </p:nvSpPr>
+        <p:spPr/>
+        <p:txBody>
+          <a:bodyPr/>
+          <a:lstStyle/>
+          <a:p>
+            <a:r>
+              <a:rPr lang="zh-CN" altLang="en-US" dirty="0"/>
+              <a:t>严重违规者：</a:t>
+            </a:r>
+            <a:r>
+              <a:rPr lang="en-US" altLang="zh-CN" dirty="0"/>
+              <a:t>Sun Smart Ticket </a:t>
+            </a:r>
+          </a:p>
+          <a:p>
+            <a:r>
+              <a:rPr lang="en-US" altLang="zh-CN" dirty="0"/>
+              <a:t>1 </a:t>
+            </a:r>
+            <a:r>
+              <a:rPr lang="zh-CN" altLang="en-US" dirty="0"/>
+              <a:t>局部变量名简单，实例变量名长。</a:t>
+            </a:r>
+            <a:endParaRPr lang="en-US" altLang="zh-CN" dirty="0"/>
+          </a:p>
+          <a:p>
+            <a:r>
+              <a:rPr lang="en-US" altLang="zh-CN" dirty="0"/>
+              <a:t>2 </a:t>
+            </a:r>
+            <a:r>
+              <a:rPr lang="zh-CN" altLang="en-US" dirty="0"/>
+              <a:t>代码标准开始：</a:t>
+            </a:r>
+            <a:r>
+              <a:rPr lang="en-US" altLang="zh-CN" dirty="0"/>
+              <a:t>No New Keyword</a:t>
+            </a:r>
+          </a:p>
+          <a:p>
+            <a:r>
+              <a:rPr lang="en-US" altLang="zh-CN" dirty="0"/>
+              <a:t>3 </a:t>
+            </a:r>
+            <a:r>
+              <a:rPr lang="zh-CN" altLang="en-US" dirty="0"/>
+              <a:t>起个好名字</a:t>
+            </a:r>
+            <a:endParaRPr lang="en-US" altLang="zh-CN" dirty="0"/>
+          </a:p>
+          <a:p>
+            <a:endParaRPr lang="en-US" altLang="zh-CN" dirty="0"/>
+          </a:p>
+          <a:p>
+            <a:r>
+              <a:rPr lang="en-US" altLang="zh-CN" dirty="0"/>
+              <a:t>Phil </a:t>
             </a:r>
             <a:r>
               <a:rPr lang="en-US" altLang="zh-CN" dirty="0" err="1"/>
-              <a:t>toString</a:t>
-            </a:r>
-            <a:r>
-              <a:rPr lang="zh-CN" altLang="en-US" dirty="0"/>
-              <a:t>方法</a:t>
-            </a:r>
-          </a:p>
-        </p:txBody>
-      </p:sp>
-      <p:sp>
-        <p:nvSpPr>
-          <p:cNvPr id="3" name="内容占位符 2">
-            <a:extLst>
-              <a:ext uri="{FF2B5EF4-FFF2-40B4-BE49-F238E27FC236}">
-                <a16:creationId xmlns:a16="http://schemas.microsoft.com/office/drawing/2014/main" id="{321EE2FC-F6FA-451F-9A2F-76E189F76372}"/>
-              </a:ext>
-            </a:extLst>
-          </p:cNvPr>
-          <p:cNvSpPr>
-            <a:spLocks noGrp="1"/>
-          </p:cNvSpPr>
-          <p:nvPr>
-            <p:ph idx="1"/>
-          </p:nvPr>
-        </p:nvSpPr>
-        <p:spPr/>
-        <p:txBody>
-          <a:bodyPr/>
-          <a:lstStyle/>
-          <a:p>
-            <a:endParaRPr lang="zh-CN" altLang="en-US"/>
+              <a:t>Karlton</a:t>
+            </a:r>
+            <a:r>
+              <a:rPr lang="en-US" altLang="zh-CN" dirty="0"/>
+              <a:t>:“</a:t>
+            </a:r>
+            <a:r>
+              <a:rPr lang="zh-CN" altLang="en-US" dirty="0"/>
+              <a:t>计算机科学中最难的两件事是缓存失效和命名</a:t>
+            </a:r>
+            <a:r>
+              <a:rPr lang="en-US" altLang="zh-CN" dirty="0"/>
+              <a:t>”.</a:t>
+            </a:r>
+          </a:p>
+          <a:p>
+            <a:r>
+              <a:rPr lang="zh-CN" altLang="en-US" dirty="0"/>
+              <a:t>缓存失效本质鸡生蛋问题，命名关于抽象。</a:t>
+            </a:r>
           </a:p>
         </p:txBody>
       </p:sp>
     </p:spTree>
     <p:extLst>
       <p:ext uri="{BB962C8B-B14F-4D97-AF65-F5344CB8AC3E}">
-        <p14:creationId xmlns:p14="http://schemas.microsoft.com/office/powerpoint/2010/main" val="1082595134"/>
+        <p14:creationId xmlns:p14="http://schemas.microsoft.com/office/powerpoint/2010/main" val="576413643"/>
       </p:ext>
     </p:extLst>
   </p:cSld>
@@ -4765,7 +5507,7 @@
           <p:cNvPr id="2" name="标题 1">
             <a:extLst>
               <a:ext uri="{FF2B5EF4-FFF2-40B4-BE49-F238E27FC236}">
-                <a16:creationId xmlns:a16="http://schemas.microsoft.com/office/drawing/2014/main" id="{C3E118AA-EBF4-4A96-BF9C-6958FCD3D1E8}"/>
+                <a16:creationId xmlns:a16="http://schemas.microsoft.com/office/drawing/2014/main" id="{F9F99FEF-8567-4208-8A4D-2D95F5A3C883}"/>
               </a:ext>
             </a:extLst>
           </p:cNvPr>
@@ -4782,42 +5524,72 @@
           <a:lstStyle/>
           <a:p>
             <a:r>
-              <a:rPr lang="en-US" altLang="zh-CN" dirty="0"/>
-              <a:t>Defensive Coding Practices</a:t>
-            </a:r>
+              <a:rPr lang="zh-CN" altLang="en-US" dirty="0"/>
+              <a:t>职责分配</a:t>
+            </a:r>
+          </a:p>
+        </p:txBody>
+      </p:sp>
+      <p:sp>
+        <p:nvSpPr>
+          <p:cNvPr id="3" name="内容占位符 2">
+            <a:extLst>
+              <a:ext uri="{FF2B5EF4-FFF2-40B4-BE49-F238E27FC236}">
+                <a16:creationId xmlns:a16="http://schemas.microsoft.com/office/drawing/2014/main" id="{95F56BC9-318C-4B16-9D99-6419FBB00CF8}"/>
+              </a:ext>
+            </a:extLst>
+          </p:cNvPr>
+          <p:cNvSpPr>
+            <a:spLocks noGrp="1"/>
+          </p:cNvSpPr>
+          <p:nvPr>
+            <p:ph idx="1"/>
+          </p:nvPr>
+        </p:nvSpPr>
+        <p:spPr/>
+        <p:txBody>
+          <a:bodyPr/>
+          <a:lstStyle/>
+          <a:p>
+            <a:r>
+              <a:rPr lang="en-US" altLang="zh-CN" dirty="0"/>
+              <a:t>1 </a:t>
+            </a:r>
+            <a:r>
+              <a:rPr lang="zh-CN" altLang="en-US" dirty="0"/>
+              <a:t>每个类职责单一。</a:t>
+            </a:r>
+            <a:endParaRPr lang="en-US" altLang="zh-CN" dirty="0"/>
+          </a:p>
+          <a:p>
+            <a:pPr marL="0" indent="0">
+              <a:buNone/>
+            </a:pPr>
+            <a:endParaRPr lang="en-US" altLang="zh-CN" dirty="0"/>
+          </a:p>
+          <a:p>
+            <a:r>
+              <a:rPr lang="en-US" altLang="zh-CN" dirty="0"/>
+              <a:t>2 </a:t>
+            </a:r>
+            <a:r>
+              <a:rPr lang="zh-CN" altLang="en-US" dirty="0"/>
+              <a:t>每个方法职责单一，操作都在同一抽象级。</a:t>
+            </a:r>
+            <a:endParaRPr lang="en-US" altLang="zh-CN" dirty="0"/>
+          </a:p>
+          <a:p>
+            <a:endParaRPr lang="en-US" altLang="zh-CN" dirty="0"/>
+          </a:p>
+          <a:p>
             <a:endParaRPr lang="zh-CN" altLang="en-US" dirty="0"/>
-          </a:p>
-        </p:txBody>
-      </p:sp>
-      <p:sp>
-        <p:nvSpPr>
-          <p:cNvPr id="3" name="内容占位符 2">
-            <a:extLst>
-              <a:ext uri="{FF2B5EF4-FFF2-40B4-BE49-F238E27FC236}">
-                <a16:creationId xmlns:a16="http://schemas.microsoft.com/office/drawing/2014/main" id="{2FDE23DA-B42A-4DBD-80EB-E6A09BB5726C}"/>
-              </a:ext>
-            </a:extLst>
-          </p:cNvPr>
-          <p:cNvSpPr>
-            <a:spLocks noGrp="1"/>
-          </p:cNvSpPr>
-          <p:nvPr>
-            <p:ph idx="1"/>
-          </p:nvPr>
-        </p:nvSpPr>
-        <p:spPr/>
-        <p:txBody>
-          <a:bodyPr/>
-          <a:lstStyle/>
-          <a:p>
-            <a:endParaRPr lang="zh-CN" altLang="en-US"/>
           </a:p>
         </p:txBody>
       </p:sp>
     </p:spTree>
     <p:extLst>
       <p:ext uri="{BB962C8B-B14F-4D97-AF65-F5344CB8AC3E}">
-        <p14:creationId xmlns:p14="http://schemas.microsoft.com/office/powerpoint/2010/main" val="3296254412"/>
+        <p14:creationId xmlns:p14="http://schemas.microsoft.com/office/powerpoint/2010/main" val="2874268297"/>
       </p:ext>
     </p:extLst>
   </p:cSld>
@@ -4849,7 +5621,7 @@
           <p:cNvPr id="2" name="标题 1">
             <a:extLst>
               <a:ext uri="{FF2B5EF4-FFF2-40B4-BE49-F238E27FC236}">
-                <a16:creationId xmlns:a16="http://schemas.microsoft.com/office/drawing/2014/main" id="{5B473820-1A7C-4832-A37A-D412253B2B27}"/>
+                <a16:creationId xmlns:a16="http://schemas.microsoft.com/office/drawing/2014/main" id="{C4BD6831-60BF-410A-93CC-584A5FBBA1AB}"/>
               </a:ext>
             </a:extLst>
           </p:cNvPr>
@@ -4867,7 +5639,7 @@
           <a:p>
             <a:r>
               <a:rPr lang="zh-CN" altLang="en-US" dirty="0"/>
-              <a:t>几个反例</a:t>
+              <a:t>避免代码重复</a:t>
             </a:r>
           </a:p>
         </p:txBody>
@@ -4877,7 +5649,7 @@
           <p:cNvPr id="3" name="内容占位符 2">
             <a:extLst>
               <a:ext uri="{FF2B5EF4-FFF2-40B4-BE49-F238E27FC236}">
-                <a16:creationId xmlns:a16="http://schemas.microsoft.com/office/drawing/2014/main" id="{E3DBBBC5-7AD4-443A-A48D-B3436087D384}"/>
+                <a16:creationId xmlns:a16="http://schemas.microsoft.com/office/drawing/2014/main" id="{CA1FE05C-85D1-48C9-A9C3-B1ABB1A90C86}"/>
               </a:ext>
             </a:extLst>
           </p:cNvPr>
@@ -4894,62 +5666,35 @@
           <a:lstStyle/>
           <a:p>
             <a:r>
-              <a:rPr lang="en-US" altLang="zh-CN" dirty="0" err="1"/>
-              <a:t>ConfigUtils</a:t>
-            </a:r>
-            <a:r>
-              <a:rPr lang="zh-CN" altLang="en-US" dirty="0"/>
-              <a:t>，</a:t>
-            </a:r>
-            <a:r>
-              <a:rPr lang="en-US" altLang="zh-CN"/>
-              <a:t>SymbolUtils </a:t>
-            </a:r>
-            <a:r>
-              <a:rPr lang="zh-CN" altLang="en-US" dirty="0"/>
-              <a:t>思考，依赖管理技术</a:t>
-            </a:r>
-            <a:endParaRPr lang="en-US" altLang="zh-CN" dirty="0"/>
-          </a:p>
-          <a:p>
-            <a:r>
-              <a:rPr lang="zh-CN" altLang="en-US" dirty="0"/>
-              <a:t>依赖注入是</a:t>
-            </a:r>
-            <a:r>
-              <a:rPr lang="en-US" altLang="zh-CN" dirty="0"/>
-              <a:t>J2EE</a:t>
-            </a:r>
-            <a:r>
-              <a:rPr lang="zh-CN" altLang="en-US" dirty="0"/>
-              <a:t>代码复用性的核心</a:t>
-            </a:r>
-            <a:endParaRPr lang="en-US" altLang="zh-CN" dirty="0"/>
-          </a:p>
-          <a:p>
-            <a:r>
-              <a:rPr lang="zh-CN" altLang="en-US" dirty="0"/>
-              <a:t>原生</a:t>
-            </a:r>
-            <a:r>
-              <a:rPr lang="en-US" altLang="zh-CN" dirty="0" err="1"/>
-              <a:t>RedisClient</a:t>
-            </a:r>
-            <a:r>
-              <a:rPr lang="zh-CN" altLang="en-US" dirty="0"/>
-              <a:t>，</a:t>
-            </a:r>
-            <a:r>
-              <a:rPr lang="en-US" altLang="zh-CN" dirty="0"/>
-              <a:t>JDBC</a:t>
-            </a:r>
-            <a:r>
-              <a:rPr lang="zh-CN" altLang="en-US" dirty="0"/>
-              <a:t>怎么写？</a:t>
-            </a:r>
-            <a:endParaRPr lang="en-US" altLang="zh-CN" dirty="0"/>
-          </a:p>
-          <a:p>
+              <a:rPr lang="en-US" altLang="zh-CN" dirty="0"/>
+              <a:t>1  </a:t>
+            </a:r>
+            <a:r>
+              <a:rPr lang="zh-CN" altLang="en-US" dirty="0"/>
+              <a:t>浪费时间比较</a:t>
+            </a:r>
+            <a:endParaRPr lang="en-US" altLang="zh-CN" dirty="0"/>
+          </a:p>
+          <a:p>
+            <a:r>
+              <a:rPr lang="en-US" altLang="zh-CN" dirty="0"/>
+              <a:t>2  </a:t>
+            </a:r>
+            <a:r>
+              <a:rPr lang="zh-CN" altLang="en-US" dirty="0"/>
+              <a:t>浪费时间粘贴</a:t>
+            </a:r>
+            <a:endParaRPr lang="en-US" altLang="zh-CN" dirty="0"/>
+          </a:p>
+          <a:p>
+            <a:r>
+              <a:rPr lang="en-US" altLang="zh-CN" dirty="0"/>
+              <a:t>3  </a:t>
+            </a:r>
+            <a:r>
+              <a:rPr lang="zh-CN" altLang="en-US" dirty="0"/>
+              <a:t>意图迷惑</a:t>
+            </a:r>
             <a:endParaRPr lang="en-US" altLang="zh-CN" dirty="0"/>
           </a:p>
           <a:p>
@@ -4960,7 +5705,7 @@
     </p:spTree>
     <p:extLst>
       <p:ext uri="{BB962C8B-B14F-4D97-AF65-F5344CB8AC3E}">
-        <p14:creationId xmlns:p14="http://schemas.microsoft.com/office/powerpoint/2010/main" val="3522749939"/>
+        <p14:creationId xmlns:p14="http://schemas.microsoft.com/office/powerpoint/2010/main" val="4154813239"/>
       </p:ext>
     </p:extLst>
   </p:cSld>
@@ -4992,7 +5737,7 @@
           <p:cNvPr id="2" name="标题 1">
             <a:extLst>
               <a:ext uri="{FF2B5EF4-FFF2-40B4-BE49-F238E27FC236}">
-                <a16:creationId xmlns:a16="http://schemas.microsoft.com/office/drawing/2014/main" id="{9DB72A0A-6EC2-4463-8368-CAC80116656B}"/>
+                <a16:creationId xmlns:a16="http://schemas.microsoft.com/office/drawing/2014/main" id="{090645EC-BAFB-4DA0-A292-1740032601C8}"/>
               </a:ext>
             </a:extLst>
           </p:cNvPr>
@@ -5005,18 +5750,23 @@
         </p:nvSpPr>
         <p:spPr/>
         <p:txBody>
-          <a:bodyPr/>
-          <a:lstStyle/>
-          <a:p>
-            <a:r>
-              <a:rPr lang="zh-CN" altLang="en-US" dirty="0"/>
-              <a:t>实例：</a:t>
-            </a:r>
-            <a:r>
-              <a:rPr lang="en-US" altLang="zh-CN" dirty="0"/>
-              <a:t>Spring</a:t>
-            </a:r>
-            <a:endParaRPr lang="zh-CN" altLang="en-US" dirty="0"/>
+          <a:bodyPr>
+            <a:normAutofit/>
+          </a:bodyPr>
+          <a:lstStyle/>
+          <a:p>
+            <a:r>
+              <a:rPr lang="zh-CN" altLang="en-US" sz="3200" dirty="0"/>
+              <a:t>避免字面常数</a:t>
+            </a:r>
+            <a:r>
+              <a:rPr lang="en-US" altLang="zh-CN" sz="3200" dirty="0"/>
+              <a:t>-</a:t>
+            </a:r>
+            <a:r>
+              <a:rPr lang="zh-CN" altLang="en-US" sz="3200" dirty="0"/>
+              <a:t>今天的常数就是明天的变量</a:t>
+            </a:r>
           </a:p>
         </p:txBody>
       </p:sp>
@@ -5025,7 +5775,7 @@
           <p:cNvPr id="3" name="内容占位符 2">
             <a:extLst>
               <a:ext uri="{FF2B5EF4-FFF2-40B4-BE49-F238E27FC236}">
-                <a16:creationId xmlns:a16="http://schemas.microsoft.com/office/drawing/2014/main" id="{8B4E4551-9CE7-4B64-9B43-E57099C8DEE6}"/>
+                <a16:creationId xmlns:a16="http://schemas.microsoft.com/office/drawing/2014/main" id="{6FB6CCE1-2430-4025-BBAC-1D7A2871B5F9}"/>
               </a:ext>
             </a:extLst>
           </p:cNvPr>
@@ -5038,25 +5788,119 @@
         </p:nvSpPr>
         <p:spPr/>
         <p:txBody>
-          <a:bodyPr/>
-          <a:lstStyle/>
-          <a:p>
-            <a:r>
-              <a:rPr lang="en-US" altLang="zh-CN" dirty="0"/>
-              <a:t>Maven  Plexus</a:t>
-            </a:r>
-          </a:p>
-          <a:p>
+          <a:bodyPr>
+            <a:normAutofit fontScale="92500" lnSpcReduction="10000"/>
+          </a:bodyPr>
+          <a:lstStyle/>
+          <a:p>
+            <a:r>
+              <a:rPr lang="zh-CN" altLang="en-US" dirty="0"/>
+              <a:t>字面常数是不会变化的常量吗？</a:t>
+            </a:r>
+            <a:endParaRPr lang="en-US" altLang="zh-CN" dirty="0"/>
+          </a:p>
+          <a:p>
+            <a:r>
+              <a:rPr lang="zh-CN" altLang="en-US" dirty="0"/>
+              <a:t>不使用字面常量：</a:t>
+            </a:r>
+            <a:r>
+              <a:rPr lang="en-US" altLang="zh-CN" dirty="0"/>
+              <a:t>1.</a:t>
+            </a:r>
+            <a:r>
+              <a:rPr lang="zh-CN" altLang="en-US" dirty="0"/>
+              <a:t> </a:t>
+            </a:r>
+            <a:r>
+              <a:rPr lang="en-US" altLang="zh-CN" dirty="0"/>
+              <a:t> 0   2. null 3. “”</a:t>
+            </a:r>
+          </a:p>
+          <a:p>
+            <a:r>
+              <a:rPr lang="en-US" altLang="zh-CN" dirty="0"/>
+              <a:t>Alibaba</a:t>
+            </a:r>
+            <a:r>
+              <a:rPr lang="zh-CN" altLang="en-US" dirty="0"/>
+              <a:t>代码规范并不好，没有告诉你为什么。远远不是给常量起个名字这么简单。</a:t>
+            </a:r>
+            <a:endParaRPr lang="en-US" altLang="zh-CN" dirty="0"/>
+          </a:p>
+          <a:p>
+            <a:r>
+              <a:rPr lang="zh-CN" altLang="en-US" dirty="0"/>
+              <a:t>如何设计一个常数？</a:t>
+            </a:r>
+            <a:endParaRPr lang="en-US" altLang="zh-CN" dirty="0"/>
+          </a:p>
+          <a:p>
+            <a:pPr marL="0" indent="0">
+              <a:buNone/>
+            </a:pPr>
+            <a:r>
+              <a:rPr lang="en-US" altLang="zh-CN" dirty="0"/>
+              <a:t> 1  </a:t>
+            </a:r>
+            <a:r>
+              <a:rPr lang="zh-CN" altLang="en-US" dirty="0"/>
+              <a:t>应用代码一部分常数：罕见不用起常量名字。</a:t>
+            </a:r>
+            <a:endParaRPr lang="en-US" altLang="zh-CN" dirty="0"/>
+          </a:p>
+          <a:p>
+            <a:pPr marL="514350" indent="-514350">
+              <a:buAutoNum type="arabicPlain" startAt="2"/>
+            </a:pPr>
+            <a:r>
+              <a:rPr lang="zh-CN" altLang="en-US" dirty="0"/>
+              <a:t>绝不变化的常数：所以地方都一样，使用接口</a:t>
+            </a:r>
+            <a:endParaRPr lang="en-US" altLang="zh-CN" dirty="0"/>
+          </a:p>
+          <a:p>
+            <a:pPr marL="514350" indent="-514350">
+              <a:buAutoNum type="arabicPlain" startAt="2"/>
+            </a:pPr>
+            <a:r>
+              <a:rPr lang="zh-CN" altLang="en-US" dirty="0"/>
+              <a:t>编译时候可能变化的常数：事务管理器名字，子类覆盖，暴露</a:t>
+            </a:r>
+            <a:r>
+              <a:rPr lang="en-US" altLang="zh-CN" dirty="0"/>
+              <a:t>Bean</a:t>
+            </a:r>
+          </a:p>
+          <a:p>
+            <a:pPr marL="514350" indent="-514350">
+              <a:buAutoNum type="arabicPlain" startAt="2"/>
+            </a:pPr>
+            <a:r>
+              <a:rPr lang="zh-CN" altLang="en-US" dirty="0"/>
+              <a:t>运行时可能变化常数：</a:t>
+            </a:r>
+            <a:r>
+              <a:rPr lang="en-US" altLang="zh-CN" dirty="0"/>
+              <a:t>Protect</a:t>
+            </a:r>
+            <a:r>
+              <a:rPr lang="zh-CN" altLang="en-US" dirty="0"/>
+              <a:t>方法</a:t>
+            </a:r>
+            <a:endParaRPr lang="en-US" altLang="zh-CN" dirty="0"/>
+          </a:p>
+          <a:p>
+            <a:pPr marL="514350" indent="-514350">
+              <a:buAutoNum type="arabicPlain" startAt="2"/>
+            </a:pPr>
+            <a:r>
+              <a:rPr lang="zh-CN" altLang="en-US" dirty="0"/>
+              <a:t>易受国际化影响常数：</a:t>
+            </a:r>
             <a:r>
               <a:rPr lang="en-US" altLang="zh-CN" dirty="0" err="1"/>
-              <a:t>PicoContainer</a:t>
-            </a:r>
-            <a:endParaRPr lang="en-US" altLang="zh-CN" dirty="0"/>
-          </a:p>
-          <a:p>
-            <a:r>
-              <a:rPr lang="en-US" altLang="zh-CN" dirty="0" err="1"/>
-              <a:t>Guice</a:t>
+              <a:t>ResourceBundle</a:t>
             </a:r>
             <a:endParaRPr lang="zh-CN" altLang="en-US" dirty="0"/>
           </a:p>
@@ -5065,7 +5909,7 @@
     </p:spTree>
     <p:extLst>
       <p:ext uri="{BB962C8B-B14F-4D97-AF65-F5344CB8AC3E}">
-        <p14:creationId xmlns:p14="http://schemas.microsoft.com/office/powerpoint/2010/main" val="3175058138"/>
+        <p14:creationId xmlns:p14="http://schemas.microsoft.com/office/powerpoint/2010/main" val="1801691536"/>
       </p:ext>
     </p:extLst>
   </p:cSld>
@@ -5097,7 +5941,7 @@
           <p:cNvPr id="2" name="标题 1">
             <a:extLst>
               <a:ext uri="{FF2B5EF4-FFF2-40B4-BE49-F238E27FC236}">
-                <a16:creationId xmlns:a16="http://schemas.microsoft.com/office/drawing/2014/main" id="{DA923EF6-3830-4375-A019-4CA479285377}"/>
+                <a16:creationId xmlns:a16="http://schemas.microsoft.com/office/drawing/2014/main" id="{49C1C758-CC39-40C3-A5C0-B1E4FFD18CDE}"/>
               </a:ext>
             </a:extLst>
           </p:cNvPr>
@@ -5110,16 +5954,13 @@
         </p:nvSpPr>
         <p:spPr/>
         <p:txBody>
-          <a:bodyPr>
-            <a:normAutofit/>
-          </a:bodyPr>
-          <a:lstStyle/>
-          <a:p>
-            <a:r>
-              <a:rPr lang="en-US" altLang="zh-CN" sz="3200" dirty="0"/>
-              <a:t>Infrastructure and Application Implementation</a:t>
-            </a:r>
-            <a:endParaRPr lang="zh-CN" altLang="en-US" sz="3200" dirty="0"/>
+          <a:bodyPr/>
+          <a:lstStyle/>
+          <a:p>
+            <a:r>
+              <a:rPr lang="zh-CN" altLang="en-US" dirty="0"/>
+              <a:t>学会封装</a:t>
+            </a:r>
           </a:p>
         </p:txBody>
       </p:sp>
@@ -5128,7 +5969,7 @@
           <p:cNvPr id="3" name="内容占位符 2">
             <a:extLst>
               <a:ext uri="{FF2B5EF4-FFF2-40B4-BE49-F238E27FC236}">
-                <a16:creationId xmlns:a16="http://schemas.microsoft.com/office/drawing/2014/main" id="{795FAC7F-0EC7-4829-9A51-7818061E0AC3}"/>
+                <a16:creationId xmlns:a16="http://schemas.microsoft.com/office/drawing/2014/main" id="{65208EA4-C13E-4767-AC7D-E829F5E663A9}"/>
               </a:ext>
             </a:extLst>
           </p:cNvPr>
@@ -5144,14 +5985,24 @@
           <a:bodyPr/>
           <a:lstStyle/>
           <a:p>
-            <a:endParaRPr lang="zh-CN" altLang="en-US" dirty="0"/>
+            <a:r>
+              <a:rPr lang="zh-CN" altLang="en-US" dirty="0"/>
+              <a:t>对象是什么？</a:t>
+            </a:r>
+            <a:endParaRPr lang="en-US" altLang="zh-CN" dirty="0"/>
+          </a:p>
+          <a:p>
+            <a:r>
+              <a:rPr lang="zh-CN" altLang="en-US" dirty="0"/>
+              <a:t>如何封装一个类？</a:t>
+            </a:r>
           </a:p>
         </p:txBody>
       </p:sp>
     </p:spTree>
     <p:extLst>
       <p:ext uri="{BB962C8B-B14F-4D97-AF65-F5344CB8AC3E}">
-        <p14:creationId xmlns:p14="http://schemas.microsoft.com/office/powerpoint/2010/main" val="2322187564"/>
+        <p14:creationId xmlns:p14="http://schemas.microsoft.com/office/powerpoint/2010/main" val="1033425170"/>
       </p:ext>
     </p:extLst>
   </p:cSld>
@@ -5183,7 +6034,7 @@
           <p:cNvPr id="2" name="标题 1">
             <a:extLst>
               <a:ext uri="{FF2B5EF4-FFF2-40B4-BE49-F238E27FC236}">
-                <a16:creationId xmlns:a16="http://schemas.microsoft.com/office/drawing/2014/main" id="{0E4A5D8A-6427-4DEF-BBFE-E044DBEAFD8E}"/>
+                <a16:creationId xmlns:a16="http://schemas.microsoft.com/office/drawing/2014/main" id="{621E04F7-B76D-4786-8A72-1E336DA8A12D}"/>
               </a:ext>
             </a:extLst>
           </p:cNvPr>
@@ -5196,16 +6047,13 @@
         </p:nvSpPr>
         <p:spPr/>
         <p:txBody>
-          <a:bodyPr>
-            <a:normAutofit/>
-          </a:bodyPr>
-          <a:lstStyle/>
-          <a:p>
-            <a:r>
-              <a:rPr lang="en-US" altLang="zh-CN" sz="3200" dirty="0"/>
-              <a:t>Lightweight Containers and Inversion of Control</a:t>
-            </a:r>
-            <a:endParaRPr lang="zh-CN" altLang="en-US" sz="3200" dirty="0"/>
+          <a:bodyPr/>
+          <a:lstStyle/>
+          <a:p>
+            <a:r>
+              <a:rPr lang="zh-CN" altLang="en-US" dirty="0"/>
+              <a:t>可见度与作用范围</a:t>
+            </a:r>
           </a:p>
         </p:txBody>
       </p:sp>
@@ -5214,7 +6062,7 @@
           <p:cNvPr id="3" name="内容占位符 2">
             <a:extLst>
               <a:ext uri="{FF2B5EF4-FFF2-40B4-BE49-F238E27FC236}">
-                <a16:creationId xmlns:a16="http://schemas.microsoft.com/office/drawing/2014/main" id="{62A79AFA-E6BA-486B-8980-001F39231B12}"/>
+                <a16:creationId xmlns:a16="http://schemas.microsoft.com/office/drawing/2014/main" id="{6E12FF5A-D8E3-44F0-B8F9-97DC770C3F72}"/>
               </a:ext>
             </a:extLst>
           </p:cNvPr>
@@ -5230,14 +6078,86 @@
           <a:bodyPr/>
           <a:lstStyle/>
           <a:p>
-            <a:endParaRPr lang="zh-CN" altLang="en-US"/>
+            <a:r>
+              <a:rPr lang="en-US" altLang="zh-CN" dirty="0"/>
+              <a:t>1 </a:t>
+            </a:r>
+            <a:r>
+              <a:rPr lang="zh-CN" altLang="en-US" dirty="0"/>
+              <a:t>变量和方法拥有最小可见度，尽可能局部声明。</a:t>
+            </a:r>
+            <a:endParaRPr lang="en-US" altLang="zh-CN" dirty="0"/>
+          </a:p>
+          <a:p>
+            <a:r>
+              <a:rPr lang="en-US" altLang="zh-CN" dirty="0"/>
+              <a:t>1 </a:t>
+            </a:r>
+            <a:r>
+              <a:rPr lang="zh-CN" altLang="en-US" dirty="0"/>
+              <a:t>实例变量</a:t>
+            </a:r>
+            <a:endParaRPr lang="en-US" altLang="zh-CN" dirty="0"/>
+          </a:p>
+          <a:p>
+            <a:r>
+              <a:rPr lang="en-US" altLang="zh-CN" dirty="0"/>
+              <a:t>1.1 Public    </a:t>
+            </a:r>
+            <a:r>
+              <a:rPr lang="zh-CN" altLang="en-US" dirty="0"/>
+              <a:t>建议被取缔</a:t>
+            </a:r>
+            <a:r>
+              <a:rPr lang="en-US" altLang="zh-CN" dirty="0"/>
+              <a:t>  </a:t>
+            </a:r>
+          </a:p>
+          <a:p>
+            <a:r>
+              <a:rPr lang="en-US" altLang="zh-CN" dirty="0"/>
+              <a:t>1.2 Protected and Package Protected Instance Variables</a:t>
+            </a:r>
+          </a:p>
+          <a:p>
+            <a:r>
+              <a:rPr lang="en-US" altLang="zh-CN" dirty="0"/>
+              <a:t>2 </a:t>
+            </a:r>
+            <a:r>
+              <a:rPr lang="zh-CN" altLang="en-US" dirty="0"/>
+              <a:t>方法</a:t>
+            </a:r>
+            <a:endParaRPr lang="en-US" altLang="zh-CN" dirty="0"/>
+          </a:p>
+          <a:p>
+            <a:r>
+              <a:rPr lang="en-US" altLang="zh-CN" dirty="0"/>
+              <a:t>3 Method Visibility</a:t>
+            </a:r>
+          </a:p>
+          <a:p>
+            <a:r>
+              <a:rPr lang="en-US" altLang="zh-CN" dirty="0"/>
+              <a:t>4 Variable Scoping</a:t>
+            </a:r>
+          </a:p>
+          <a:p>
+            <a:r>
+              <a:rPr lang="en-US" altLang="zh-CN" dirty="0"/>
+              <a:t>5 </a:t>
+            </a:r>
+            <a:r>
+              <a:rPr lang="zh-CN" altLang="en-US" dirty="0"/>
+              <a:t>内部类和基础</a:t>
+            </a:r>
           </a:p>
         </p:txBody>
       </p:sp>
     </p:spTree>
     <p:extLst>
       <p:ext uri="{BB962C8B-B14F-4D97-AF65-F5344CB8AC3E}">
-        <p14:creationId xmlns:p14="http://schemas.microsoft.com/office/powerpoint/2010/main" val="3498175356"/>
+        <p14:creationId xmlns:p14="http://schemas.microsoft.com/office/powerpoint/2010/main" val="815543027"/>
       </p:ext>
     </p:extLst>
   </p:cSld>
@@ -5269,7 +6189,7 @@
           <p:cNvPr id="2" name="标题 1">
             <a:extLst>
               <a:ext uri="{FF2B5EF4-FFF2-40B4-BE49-F238E27FC236}">
-                <a16:creationId xmlns:a16="http://schemas.microsoft.com/office/drawing/2014/main" id="{00641F49-6B3A-4513-9BF4-D5CF3EA2E056}"/>
+                <a16:creationId xmlns:a16="http://schemas.microsoft.com/office/drawing/2014/main" id="{C7E93E75-E7C8-4F81-8726-34F5B8E4CE75}"/>
               </a:ext>
             </a:extLst>
           </p:cNvPr>
@@ -5282,16 +6202,21 @@
         </p:nvSpPr>
         <p:spPr/>
         <p:txBody>
-          <a:bodyPr>
-            <a:normAutofit/>
-          </a:bodyPr>
-          <a:lstStyle/>
-          <a:p>
-            <a:r>
-              <a:rPr lang="en-US" altLang="zh-CN" sz="3200" dirty="0"/>
-              <a:t>Declarative Middleware Using AOP Concepts</a:t>
-            </a:r>
-            <a:endParaRPr lang="zh-CN" altLang="en-US" sz="3200" dirty="0"/>
+          <a:bodyPr/>
+          <a:lstStyle/>
+          <a:p>
+            <a:r>
+              <a:rPr lang="zh-CN" altLang="en-US" dirty="0"/>
+              <a:t>使用</a:t>
+            </a:r>
+            <a:r>
+              <a:rPr lang="en-US" altLang="zh-CN" dirty="0"/>
+              <a:t>final</a:t>
+            </a:r>
+            <a:r>
+              <a:rPr lang="zh-CN" altLang="en-US" dirty="0"/>
+              <a:t>关键字</a:t>
+            </a:r>
           </a:p>
         </p:txBody>
       </p:sp>
@@ -5300,7 +6225,7 @@
           <p:cNvPr id="3" name="内容占位符 2">
             <a:extLst>
               <a:ext uri="{FF2B5EF4-FFF2-40B4-BE49-F238E27FC236}">
-                <a16:creationId xmlns:a16="http://schemas.microsoft.com/office/drawing/2014/main" id="{48E99A98-D340-48F6-86E3-3A0F0D642E7B}"/>
+                <a16:creationId xmlns:a16="http://schemas.microsoft.com/office/drawing/2014/main" id="{2A2F7288-D868-466C-B44A-D07A02B1D192}"/>
               </a:ext>
             </a:extLst>
           </p:cNvPr>
@@ -5316,14 +6241,59 @@
           <a:bodyPr/>
           <a:lstStyle/>
           <a:p>
-            <a:endParaRPr lang="zh-CN" altLang="en-US"/>
+            <a:r>
+              <a:rPr lang="en-US" altLang="zh-CN" dirty="0"/>
+              <a:t>1 </a:t>
+            </a:r>
+            <a:r>
+              <a:rPr lang="zh-CN" altLang="en-US" dirty="0"/>
+              <a:t>方法覆写</a:t>
+            </a:r>
+            <a:r>
+              <a:rPr lang="en-US" altLang="zh-CN" dirty="0"/>
+              <a:t>Override</a:t>
+            </a:r>
+            <a:r>
+              <a:rPr lang="zh-CN" altLang="en-US" dirty="0"/>
+              <a:t>和</a:t>
+            </a:r>
+            <a:r>
+              <a:rPr lang="en-US" altLang="zh-CN" dirty="0"/>
+              <a:t>final</a:t>
+            </a:r>
+            <a:r>
+              <a:rPr lang="zh-CN" altLang="en-US" dirty="0"/>
+              <a:t>方法</a:t>
+            </a:r>
+            <a:endParaRPr lang="en-US" altLang="zh-CN" dirty="0"/>
+          </a:p>
+          <a:p>
+            <a:r>
+              <a:rPr lang="en-US" altLang="zh-CN" dirty="0"/>
+              <a:t>2 final</a:t>
+            </a:r>
+            <a:r>
+              <a:rPr lang="zh-CN" altLang="en-US" dirty="0"/>
+              <a:t>类</a:t>
+            </a:r>
+            <a:endParaRPr lang="en-US" altLang="zh-CN" dirty="0"/>
+          </a:p>
+          <a:p>
+            <a:r>
+              <a:rPr lang="en-US" altLang="zh-CN" dirty="0"/>
+              <a:t>3 final</a:t>
+            </a:r>
+            <a:r>
+              <a:rPr lang="zh-CN" altLang="en-US" dirty="0"/>
+              <a:t>实例变量</a:t>
+            </a:r>
           </a:p>
         </p:txBody>
       </p:sp>
     </p:spTree>
     <p:extLst>
       <p:ext uri="{BB962C8B-B14F-4D97-AF65-F5344CB8AC3E}">
-        <p14:creationId xmlns:p14="http://schemas.microsoft.com/office/powerpoint/2010/main" val="2942484921"/>
+        <p14:creationId xmlns:p14="http://schemas.microsoft.com/office/powerpoint/2010/main" val="1562651980"/>
       </p:ext>
     </p:extLst>
   </p:cSld>
@@ -5355,7 +6325,7 @@
           <p:cNvPr id="2" name="标题 1">
             <a:extLst>
               <a:ext uri="{FF2B5EF4-FFF2-40B4-BE49-F238E27FC236}">
-                <a16:creationId xmlns:a16="http://schemas.microsoft.com/office/drawing/2014/main" id="{B027067B-B35A-4E5E-9572-4068B7EE6186}"/>
+                <a16:creationId xmlns:a16="http://schemas.microsoft.com/office/drawing/2014/main" id="{56C09FC5-9C3B-4ACD-BBCD-2E8A238CB8B8}"/>
               </a:ext>
             </a:extLst>
           </p:cNvPr>
@@ -5368,30 +6338,20 @@
         </p:nvSpPr>
         <p:spPr/>
         <p:txBody>
-          <a:bodyPr>
-            <a:normAutofit/>
-          </a:bodyPr>
-          <a:lstStyle/>
-          <a:p>
-            <a:r>
-              <a:rPr lang="en-US" altLang="zh-CN" sz="3200" dirty="0"/>
-              <a:t>Data Access</a:t>
-            </a:r>
-            <a:r>
-              <a:rPr lang="zh-CN" altLang="en-US" sz="3200" dirty="0"/>
-              <a:t>（</a:t>
-            </a:r>
-            <a:r>
-              <a:rPr lang="en-US" altLang="zh-CN" sz="3200" dirty="0"/>
-              <a:t>Transaction </a:t>
-            </a:r>
-            <a:r>
-              <a:rPr lang="en-US" altLang="zh-CN" sz="3200" dirty="0" err="1"/>
-              <a:t>Management+Persistence</a:t>
-            </a:r>
-            <a:r>
-              <a:rPr lang="zh-CN" altLang="en-US" sz="3200" dirty="0"/>
-              <a:t>）</a:t>
+          <a:bodyPr/>
+          <a:lstStyle/>
+          <a:p>
+            <a:r>
+              <a:rPr lang="zh-CN" altLang="en-US" dirty="0"/>
+              <a:t>实现问题定位的</a:t>
+            </a:r>
+            <a:r>
+              <a:rPr lang="en-US" altLang="zh-CN" dirty="0" err="1"/>
+              <a:t>toString</a:t>
+            </a:r>
+            <a:r>
+              <a:rPr lang="zh-CN" altLang="en-US" dirty="0"/>
+              <a:t>方法</a:t>
             </a:r>
           </a:p>
         </p:txBody>
@@ -5401,7 +6361,7 @@
           <p:cNvPr id="3" name="内容占位符 2">
             <a:extLst>
               <a:ext uri="{FF2B5EF4-FFF2-40B4-BE49-F238E27FC236}">
-                <a16:creationId xmlns:a16="http://schemas.microsoft.com/office/drawing/2014/main" id="{2DE5ED3A-04EA-4929-B10A-83872116243B}"/>
+                <a16:creationId xmlns:a16="http://schemas.microsoft.com/office/drawing/2014/main" id="{321EE2FC-F6FA-451F-9A2F-76E189F76372}"/>
               </a:ext>
             </a:extLst>
           </p:cNvPr>
@@ -5417,14 +6377,14 @@
           <a:bodyPr/>
           <a:lstStyle/>
           <a:p>
-            <a:endParaRPr lang="zh-CN" altLang="en-US" dirty="0"/>
+            <a:endParaRPr lang="zh-CN" altLang="en-US"/>
           </a:p>
         </p:txBody>
       </p:sp>
     </p:spTree>
     <p:extLst>
       <p:ext uri="{BB962C8B-B14F-4D97-AF65-F5344CB8AC3E}">
-        <p14:creationId xmlns:p14="http://schemas.microsoft.com/office/powerpoint/2010/main" val="1252555113"/>
+        <p14:creationId xmlns:p14="http://schemas.microsoft.com/office/powerpoint/2010/main" val="1082595134"/>
       </p:ext>
     </p:extLst>
   </p:cSld>
@@ -5456,7 +6416,7 @@
           <p:cNvPr id="2" name="标题 1">
             <a:extLst>
               <a:ext uri="{FF2B5EF4-FFF2-40B4-BE49-F238E27FC236}">
-                <a16:creationId xmlns:a16="http://schemas.microsoft.com/office/drawing/2014/main" id="{D9D5F1FE-FFD5-4C0A-BF32-2131C755439C}"/>
+                <a16:creationId xmlns:a16="http://schemas.microsoft.com/office/drawing/2014/main" id="{C3E118AA-EBF4-4A96-BF9C-6958FCD3D1E8}"/>
               </a:ext>
             </a:extLst>
           </p:cNvPr>
@@ -5469,16 +6429,14 @@
         </p:nvSpPr>
         <p:spPr/>
         <p:txBody>
-          <a:bodyPr>
-            <a:normAutofit/>
-          </a:bodyPr>
-          <a:lstStyle/>
-          <a:p>
-            <a:r>
-              <a:rPr lang="en-US" altLang="zh-CN" sz="3200" dirty="0"/>
-              <a:t>Web Tier Design</a:t>
-            </a:r>
-            <a:endParaRPr lang="zh-CN" altLang="en-US" sz="3200" dirty="0"/>
+          <a:bodyPr/>
+          <a:lstStyle/>
+          <a:p>
+            <a:r>
+              <a:rPr lang="en-US" altLang="zh-CN" dirty="0"/>
+              <a:t>Defensive Coding Practices</a:t>
+            </a:r>
+            <a:endParaRPr lang="zh-CN" altLang="en-US" dirty="0"/>
           </a:p>
         </p:txBody>
       </p:sp>
@@ -5487,7 +6445,7 @@
           <p:cNvPr id="3" name="内容占位符 2">
             <a:extLst>
               <a:ext uri="{FF2B5EF4-FFF2-40B4-BE49-F238E27FC236}">
-                <a16:creationId xmlns:a16="http://schemas.microsoft.com/office/drawing/2014/main" id="{CA077648-961D-4C28-971E-AB6F13039EC1}"/>
+                <a16:creationId xmlns:a16="http://schemas.microsoft.com/office/drawing/2014/main" id="{2FDE23DA-B42A-4DBD-80EB-E6A09BB5726C}"/>
               </a:ext>
             </a:extLst>
           </p:cNvPr>
@@ -5510,7 +6468,7 @@
     </p:spTree>
     <p:extLst>
       <p:ext uri="{BB962C8B-B14F-4D97-AF65-F5344CB8AC3E}">
-        <p14:creationId xmlns:p14="http://schemas.microsoft.com/office/powerpoint/2010/main" val="3058807663"/>
+        <p14:creationId xmlns:p14="http://schemas.microsoft.com/office/powerpoint/2010/main" val="3296254412"/>
       </p:ext>
     </p:extLst>
   </p:cSld>
@@ -5587,10 +6545,215 @@
         </p:nvSpPr>
         <p:spPr/>
         <p:txBody>
-          <a:bodyPr/>
-          <a:lstStyle/>
-          <a:p>
-            <a:endParaRPr lang="zh-CN" altLang="en-US"/>
+          <a:bodyPr>
+            <a:normAutofit fontScale="92500" lnSpcReduction="20000"/>
+          </a:bodyPr>
+          <a:lstStyle/>
+          <a:p>
+            <a:r>
+              <a:rPr lang="zh-CN" altLang="en-US" dirty="0"/>
+              <a:t>优秀的代码标准：</a:t>
+            </a:r>
+            <a:endParaRPr lang="en-US" altLang="zh-CN" dirty="0"/>
+          </a:p>
+          <a:p>
+            <a:r>
+              <a:rPr lang="en-US" altLang="zh-CN" dirty="0"/>
+              <a:t>1 </a:t>
+            </a:r>
+            <a:r>
+              <a:rPr lang="zh-CN" altLang="en-US" dirty="0"/>
+              <a:t>好扩展 </a:t>
+            </a:r>
+            <a:r>
+              <a:rPr lang="en-US" altLang="zh-CN" dirty="0"/>
+              <a:t>2 </a:t>
+            </a:r>
+            <a:r>
+              <a:rPr lang="zh-CN" altLang="en-US" dirty="0"/>
+              <a:t>易读，维护  </a:t>
+            </a:r>
+            <a:r>
+              <a:rPr lang="en-US" altLang="zh-CN" dirty="0"/>
+              <a:t>3  </a:t>
+            </a:r>
+            <a:r>
+              <a:rPr lang="zh-CN" altLang="en-US" dirty="0"/>
+              <a:t>写劣质代码很难  </a:t>
+            </a:r>
+            <a:r>
+              <a:rPr lang="en-US" altLang="zh-CN" dirty="0"/>
+              <a:t>4  </a:t>
+            </a:r>
+            <a:r>
+              <a:rPr lang="zh-CN" altLang="en-US" dirty="0"/>
+              <a:t>易测试  </a:t>
+            </a:r>
+            <a:r>
+              <a:rPr lang="en-US" altLang="zh-CN" dirty="0"/>
+              <a:t>5  </a:t>
+            </a:r>
+            <a:r>
+              <a:rPr lang="zh-CN" altLang="en-US" dirty="0"/>
+              <a:t>易调试</a:t>
+            </a:r>
+            <a:endParaRPr lang="en-US" altLang="zh-CN" dirty="0"/>
+          </a:p>
+          <a:p>
+            <a:r>
+              <a:rPr lang="en-US" altLang="zh-CN" dirty="0"/>
+              <a:t>6 </a:t>
+            </a:r>
+            <a:r>
+              <a:rPr lang="zh-CN" altLang="en-US" dirty="0"/>
+              <a:t>无重复  </a:t>
+            </a:r>
+            <a:r>
+              <a:rPr lang="en-US" altLang="zh-CN" dirty="0"/>
+              <a:t>7 </a:t>
+            </a:r>
+            <a:r>
+              <a:rPr lang="zh-CN" altLang="en-US" dirty="0"/>
+              <a:t>鼓励复用</a:t>
+            </a:r>
+            <a:endParaRPr lang="en-US" altLang="zh-CN" dirty="0"/>
+          </a:p>
+          <a:p>
+            <a:r>
+              <a:rPr lang="zh-CN" altLang="en-US" dirty="0"/>
+              <a:t>重构为什么强调测试？</a:t>
+            </a:r>
+            <a:endParaRPr lang="en-US" altLang="zh-CN" dirty="0"/>
+          </a:p>
+          <a:p>
+            <a:pPr marL="0" indent="0">
+              <a:buNone/>
+            </a:pPr>
+            <a:endParaRPr lang="en-US" altLang="zh-CN" dirty="0"/>
+          </a:p>
+          <a:p>
+            <a:r>
+              <a:rPr lang="zh-CN" altLang="en-US" dirty="0"/>
+              <a:t>优秀</a:t>
+            </a:r>
+            <a:r>
+              <a:rPr lang="en-US" altLang="zh-CN" dirty="0"/>
+              <a:t>J2EE</a:t>
+            </a:r>
+            <a:r>
+              <a:rPr lang="zh-CN" altLang="en-US" dirty="0"/>
+              <a:t>代码标准</a:t>
+            </a:r>
+            <a:r>
+              <a:rPr lang="en-US" altLang="zh-CN" dirty="0"/>
+              <a:t>:</a:t>
+            </a:r>
+          </a:p>
+          <a:p>
+            <a:r>
+              <a:rPr lang="zh-CN" altLang="en-US" dirty="0"/>
+              <a:t>设计好，实现好（</a:t>
+            </a:r>
+            <a:r>
+              <a:rPr lang="en-US" altLang="zh-CN" dirty="0"/>
+              <a:t>Spring</a:t>
+            </a:r>
+            <a:r>
+              <a:rPr lang="zh-CN" altLang="en-US" dirty="0"/>
+              <a:t>，</a:t>
+            </a:r>
+            <a:r>
+              <a:rPr lang="en-US" altLang="zh-CN" dirty="0" err="1"/>
+              <a:t>Netty</a:t>
+            </a:r>
+            <a:r>
+              <a:rPr lang="zh-CN" altLang="en-US" dirty="0"/>
+              <a:t>）</a:t>
+            </a:r>
+            <a:endParaRPr lang="en-US" altLang="zh-CN" dirty="0"/>
+          </a:p>
+          <a:p>
+            <a:r>
+              <a:rPr lang="zh-CN" altLang="en-US" dirty="0"/>
+              <a:t>设计好，实现差 （</a:t>
+            </a:r>
+            <a:r>
+              <a:rPr lang="en-US" altLang="zh-CN" dirty="0"/>
+              <a:t>Sun Pet Store</a:t>
+            </a:r>
+            <a:r>
+              <a:rPr lang="zh-CN" altLang="en-US" dirty="0"/>
+              <a:t>， </a:t>
+            </a:r>
+            <a:r>
+              <a:rPr lang="en-US" altLang="zh-CN" dirty="0"/>
+              <a:t>JDBC</a:t>
+            </a:r>
+            <a:r>
+              <a:rPr lang="zh-CN" altLang="en-US" dirty="0"/>
+              <a:t>）</a:t>
+            </a:r>
+            <a:endParaRPr lang="en-US" altLang="zh-CN" dirty="0"/>
+          </a:p>
+          <a:p>
+            <a:r>
+              <a:rPr lang="zh-CN" altLang="en-US" dirty="0"/>
+              <a:t>设计差，实现好 （</a:t>
+            </a:r>
+            <a:r>
+              <a:rPr lang="en-US" altLang="zh-CN" dirty="0"/>
+              <a:t>EJB</a:t>
+            </a:r>
+            <a:r>
+              <a:rPr lang="zh-CN" altLang="en-US" dirty="0"/>
+              <a:t>，</a:t>
+            </a:r>
+            <a:r>
+              <a:rPr lang="en-US" altLang="zh-CN" dirty="0"/>
+              <a:t> Struct </a:t>
+            </a:r>
+            <a:r>
+              <a:rPr lang="zh-CN" altLang="en-US" dirty="0"/>
+              <a:t>还记得</a:t>
+            </a:r>
+            <a:r>
+              <a:rPr lang="en-US" altLang="zh-CN" dirty="0"/>
+              <a:t>struct1</a:t>
+            </a:r>
+            <a:r>
+              <a:rPr lang="zh-CN" altLang="en-US" dirty="0"/>
+              <a:t>和</a:t>
+            </a:r>
+            <a:r>
+              <a:rPr lang="en-US" altLang="zh-CN" dirty="0"/>
+              <a:t>struct2</a:t>
+            </a:r>
+            <a:r>
+              <a:rPr lang="zh-CN" altLang="en-US" dirty="0"/>
+              <a:t>完全不一样吗？）</a:t>
+            </a:r>
+            <a:endParaRPr lang="en-US" altLang="zh-CN" dirty="0"/>
+          </a:p>
+          <a:p>
+            <a:r>
+              <a:rPr lang="zh-CN" altLang="en-US" dirty="0"/>
+              <a:t>设计差，实现差 （普通项目，</a:t>
+            </a:r>
+            <a:r>
+              <a:rPr lang="en-US" altLang="zh-CN" dirty="0"/>
+              <a:t>RMI</a:t>
+            </a:r>
+            <a:r>
+              <a:rPr lang="zh-CN" altLang="en-US" dirty="0"/>
+              <a:t>）</a:t>
+            </a:r>
+            <a:endParaRPr lang="en-US" altLang="zh-CN" dirty="0"/>
+          </a:p>
+          <a:p>
+            <a:pPr marL="0" indent="0">
+              <a:buNone/>
+            </a:pPr>
+            <a:endParaRPr lang="zh-CN" altLang="en-US" dirty="0"/>
           </a:p>
         </p:txBody>
       </p:sp>
@@ -5629,7 +6792,7 @@
           <p:cNvPr id="2" name="标题 1">
             <a:extLst>
               <a:ext uri="{FF2B5EF4-FFF2-40B4-BE49-F238E27FC236}">
-                <a16:creationId xmlns:a16="http://schemas.microsoft.com/office/drawing/2014/main" id="{01586952-388E-4024-BB14-1237C596D26D}"/>
+                <a16:creationId xmlns:a16="http://schemas.microsoft.com/office/drawing/2014/main" id="{C0E6E123-6874-4648-AC9A-0E6866744B35}"/>
               </a:ext>
             </a:extLst>
           </p:cNvPr>
@@ -5642,16 +6805,13 @@
         </p:nvSpPr>
         <p:spPr/>
         <p:txBody>
-          <a:bodyPr>
-            <a:normAutofit/>
-          </a:bodyPr>
-          <a:lstStyle/>
-          <a:p>
-            <a:r>
-              <a:rPr lang="en-US" altLang="zh-CN" sz="3200" dirty="0"/>
-              <a:t>Unit Testing and Testability</a:t>
-            </a:r>
-            <a:endParaRPr lang="zh-CN" altLang="en-US" sz="3200" dirty="0"/>
+          <a:bodyPr/>
+          <a:lstStyle/>
+          <a:p>
+            <a:r>
+              <a:rPr lang="zh-CN" altLang="en-US" dirty="0"/>
+              <a:t>编写文档</a:t>
+            </a:r>
           </a:p>
         </p:txBody>
       </p:sp>
@@ -5660,7 +6820,7 @@
           <p:cNvPr id="3" name="内容占位符 2">
             <a:extLst>
               <a:ext uri="{FF2B5EF4-FFF2-40B4-BE49-F238E27FC236}">
-                <a16:creationId xmlns:a16="http://schemas.microsoft.com/office/drawing/2014/main" id="{FD871088-5656-4CA7-979A-22C1140D6E95}"/>
+                <a16:creationId xmlns:a16="http://schemas.microsoft.com/office/drawing/2014/main" id="{CAED75A7-326A-4B73-9B34-059702F23727}"/>
               </a:ext>
             </a:extLst>
           </p:cNvPr>
@@ -5676,14 +6836,82 @@
           <a:bodyPr/>
           <a:lstStyle/>
           <a:p>
-            <a:endParaRPr lang="zh-CN" altLang="en-US"/>
+            <a:r>
+              <a:rPr lang="zh-CN" altLang="en-US" dirty="0"/>
+              <a:t>没有文档代码不完整</a:t>
+            </a:r>
+            <a:endParaRPr lang="en-US" altLang="zh-CN" dirty="0"/>
+          </a:p>
+          <a:p>
+            <a:r>
+              <a:rPr lang="zh-CN" altLang="en-US" dirty="0"/>
+              <a:t>始终标明可能抛出运行时异常</a:t>
+            </a:r>
+            <a:endParaRPr lang="en-US" altLang="zh-CN" dirty="0"/>
+          </a:p>
+          <a:p>
+            <a:r>
+              <a:rPr lang="zh-CN" altLang="en-US" dirty="0">
+                <a:solidFill>
+                  <a:srgbClr val="FF0000"/>
+                </a:solidFill>
+                <a:highlight>
+                  <a:srgbClr val="FFFF00"/>
+                </a:highlight>
+              </a:rPr>
+              <a:t>如果你知道了一个方法如何实现，尽快为其编写文档，方便后人理解和改进。代码维护技巧。</a:t>
+            </a:r>
+            <a:endParaRPr lang="en-US" altLang="zh-CN" dirty="0">
+              <a:solidFill>
+                <a:srgbClr val="FF0000"/>
+              </a:solidFill>
+              <a:highlight>
+                <a:srgbClr val="FFFF00"/>
+              </a:highlight>
+            </a:endParaRPr>
+          </a:p>
+          <a:p>
+            <a:r>
+              <a:rPr lang="zh-CN" altLang="en-US" dirty="0"/>
+              <a:t>文档，测试，代码。</a:t>
+            </a:r>
+            <a:endParaRPr lang="en-US" altLang="zh-CN" dirty="0"/>
+          </a:p>
+          <a:p>
+            <a:r>
+              <a:rPr lang="zh-CN" altLang="en-US" dirty="0"/>
+              <a:t>为</a:t>
+            </a:r>
+            <a:r>
+              <a:rPr lang="en-US" altLang="zh-CN" dirty="0"/>
+              <a:t>Map</a:t>
+            </a:r>
+            <a:r>
+              <a:rPr lang="zh-CN" altLang="en-US" dirty="0"/>
+              <a:t>说明</a:t>
+            </a:r>
+            <a:r>
+              <a:rPr lang="en-US" altLang="zh-CN" dirty="0" err="1"/>
+              <a:t>kv</a:t>
+            </a:r>
+            <a:r>
+              <a:rPr lang="zh-CN" altLang="en-US" dirty="0"/>
+              <a:t>。</a:t>
+            </a:r>
+            <a:endParaRPr lang="en-US" altLang="zh-CN" dirty="0"/>
+          </a:p>
+          <a:p>
+            <a:r>
+              <a:rPr lang="zh-CN" altLang="en-US" dirty="0"/>
+              <a:t>不要行尾注释。</a:t>
+            </a:r>
           </a:p>
         </p:txBody>
       </p:sp>
     </p:spTree>
     <p:extLst>
       <p:ext uri="{BB962C8B-B14F-4D97-AF65-F5344CB8AC3E}">
-        <p14:creationId xmlns:p14="http://schemas.microsoft.com/office/powerpoint/2010/main" val="2445432270"/>
+        <p14:creationId xmlns:p14="http://schemas.microsoft.com/office/powerpoint/2010/main" val="533112116"/>
       </p:ext>
     </p:extLst>
   </p:cSld>
@@ -5715,7 +6943,7 @@
           <p:cNvPr id="2" name="标题 1">
             <a:extLst>
               <a:ext uri="{FF2B5EF4-FFF2-40B4-BE49-F238E27FC236}">
-                <a16:creationId xmlns:a16="http://schemas.microsoft.com/office/drawing/2014/main" id="{03C4901A-3226-485B-850D-F28D21F4C224}"/>
+                <a16:creationId xmlns:a16="http://schemas.microsoft.com/office/drawing/2014/main" id="{41DC9AE4-F81F-4887-AF36-F22994CBAF27}"/>
               </a:ext>
             </a:extLst>
           </p:cNvPr>
@@ -5733,7 +6961,7 @@
           <a:p>
             <a:r>
               <a:rPr lang="zh-CN" altLang="en-US" dirty="0"/>
-              <a:t>参考：</a:t>
+              <a:t>记录日志</a:t>
             </a:r>
           </a:p>
         </p:txBody>
@@ -5743,7 +6971,7 @@
           <p:cNvPr id="3" name="内容占位符 2">
             <a:extLst>
               <a:ext uri="{FF2B5EF4-FFF2-40B4-BE49-F238E27FC236}">
-                <a16:creationId xmlns:a16="http://schemas.microsoft.com/office/drawing/2014/main" id="{6F8B4978-BB35-4E48-B356-8D26995C57B6}"/>
+                <a16:creationId xmlns:a16="http://schemas.microsoft.com/office/drawing/2014/main" id="{8E34F716-2E82-4F73-B09A-96C6CA5A5638}"/>
               </a:ext>
             </a:extLst>
           </p:cNvPr>
@@ -5756,76 +6984,30 @@
         </p:nvSpPr>
         <p:spPr/>
         <p:txBody>
-          <a:bodyPr>
-            <a:normAutofit fontScale="92500" lnSpcReduction="20000"/>
-          </a:bodyPr>
-          <a:lstStyle/>
-          <a:p>
-            <a:r>
-              <a:rPr lang="en-US" altLang="zh-CN" dirty="0">
-                <a:hlinkClick r:id="rId2"/>
-              </a:rPr>
-              <a:t>https://google.github.io/styleguide/javaguide.html</a:t>
-            </a:r>
-            <a:endParaRPr lang="en-US" altLang="zh-CN" dirty="0"/>
-          </a:p>
-          <a:p>
-            <a:endParaRPr lang="en-US" altLang="zh-CN" dirty="0"/>
-          </a:p>
-          <a:p>
-            <a:r>
-              <a:rPr lang="en-US" altLang="zh-CN" dirty="0"/>
-              <a:t>Effective Java 2 </a:t>
-            </a:r>
-          </a:p>
-          <a:p>
-            <a:endParaRPr lang="en-US" altLang="zh-CN" dirty="0"/>
-          </a:p>
-          <a:p>
-            <a:r>
-              <a:rPr lang="en-US" altLang="zh-CN" dirty="0"/>
-              <a:t>Expert one-on-one J2EE Design and Development</a:t>
-            </a:r>
-          </a:p>
-          <a:p>
-            <a:endParaRPr lang="en-US" altLang="zh-CN" dirty="0"/>
-          </a:p>
-          <a:p>
-            <a:r>
-              <a:rPr lang="zh-CN" altLang="en-US" dirty="0"/>
-              <a:t>阿里巴巴</a:t>
-            </a:r>
-            <a:r>
-              <a:rPr lang="en-US" altLang="zh-CN" dirty="0"/>
-              <a:t>Java</a:t>
-            </a:r>
-            <a:r>
-              <a:rPr lang="zh-CN" altLang="en-US" dirty="0"/>
-              <a:t>开发规范</a:t>
-            </a:r>
-            <a:endParaRPr lang="en-US" altLang="zh-CN" dirty="0"/>
-          </a:p>
-          <a:p>
-            <a:endParaRPr lang="en-US" altLang="zh-CN" dirty="0"/>
-          </a:p>
-          <a:p>
-            <a:r>
-              <a:rPr lang="en-US" altLang="zh-CN" dirty="0"/>
-              <a:t>Java</a:t>
-            </a:r>
-            <a:r>
-              <a:rPr lang="zh-CN" altLang="en-US" dirty="0"/>
-              <a:t>编程思想</a:t>
-            </a:r>
-            <a:endParaRPr lang="en-US" altLang="zh-CN" dirty="0"/>
-          </a:p>
-          <a:p>
-            <a:r>
-              <a:rPr lang="en-US" altLang="zh-CN" dirty="0">
-                <a:hlinkClick r:id="rId3"/>
-              </a:rPr>
-              <a:t>http://www.yinwang.org/blog-cn/2017/05/23/kotlin</a:t>
-            </a:r>
+          <a:bodyPr/>
+          <a:lstStyle/>
+          <a:p>
+            <a:r>
+              <a:rPr lang="zh-CN" altLang="en-US" dirty="0"/>
+              <a:t>日志优先调试。</a:t>
+            </a:r>
+            <a:endParaRPr lang="en-US" altLang="zh-CN" dirty="0"/>
+          </a:p>
+          <a:p>
+            <a:r>
+              <a:rPr lang="zh-CN" altLang="en-US" dirty="0"/>
+              <a:t>调试短暂，日志持久。</a:t>
+            </a:r>
+            <a:endParaRPr lang="en-US" altLang="zh-CN" dirty="0"/>
+          </a:p>
+          <a:p>
+            <a:r>
+              <a:rPr lang="zh-CN" altLang="en-US" dirty="0"/>
+              <a:t>调试信息指出工作流。</a:t>
+            </a:r>
+            <a:endParaRPr lang="en-US" altLang="zh-CN" dirty="0"/>
+          </a:p>
+          <a:p>
             <a:endParaRPr lang="zh-CN" altLang="en-US" dirty="0"/>
           </a:p>
         </p:txBody>
@@ -5833,7 +7015,916 @@
     </p:spTree>
     <p:extLst>
       <p:ext uri="{BB962C8B-B14F-4D97-AF65-F5344CB8AC3E}">
-        <p14:creationId xmlns:p14="http://schemas.microsoft.com/office/powerpoint/2010/main" val="1363129473"/>
+        <p14:creationId xmlns:p14="http://schemas.microsoft.com/office/powerpoint/2010/main" val="3335046395"/>
+      </p:ext>
+    </p:extLst>
+  </p:cSld>
+  <p:clrMapOvr>
+    <a:masterClrMapping/>
+  </p:clrMapOvr>
+</p:sld>
+</file>
+
+<file path=ppt/slides/slide32.xml><?xml version="1.0" encoding="utf-8"?>
+<p:sld xmlns:a="http://schemas.openxmlformats.org/drawingml/2006/main" xmlns:r="http://schemas.openxmlformats.org/officeDocument/2006/relationships" xmlns:p="http://schemas.openxmlformats.org/presentationml/2006/main">
+  <p:cSld>
+    <p:spTree>
+      <p:nvGrpSpPr>
+        <p:cNvPr id="1" name=""/>
+        <p:cNvGrpSpPr/>
+        <p:nvPr/>
+      </p:nvGrpSpPr>
+      <p:grpSpPr>
+        <a:xfrm>
+          <a:off x="0" y="0"/>
+          <a:ext cx="0" cy="0"/>
+          <a:chOff x="0" y="0"/>
+          <a:chExt cx="0" cy="0"/>
+        </a:xfrm>
+      </p:grpSpPr>
+      <p:sp>
+        <p:nvSpPr>
+          <p:cNvPr id="2" name="标题 1">
+            <a:extLst>
+              <a:ext uri="{FF2B5EF4-FFF2-40B4-BE49-F238E27FC236}">
+                <a16:creationId xmlns:a16="http://schemas.microsoft.com/office/drawing/2014/main" id="{5B473820-1A7C-4832-A37A-D412253B2B27}"/>
+              </a:ext>
+            </a:extLst>
+          </p:cNvPr>
+          <p:cNvSpPr>
+            <a:spLocks noGrp="1"/>
+          </p:cNvSpPr>
+          <p:nvPr>
+            <p:ph type="title"/>
+          </p:nvPr>
+        </p:nvSpPr>
+        <p:spPr/>
+        <p:txBody>
+          <a:bodyPr/>
+          <a:lstStyle/>
+          <a:p>
+            <a:r>
+              <a:rPr lang="zh-CN" altLang="en-US" dirty="0"/>
+              <a:t>几个反例</a:t>
+            </a:r>
+          </a:p>
+        </p:txBody>
+      </p:sp>
+      <p:sp>
+        <p:nvSpPr>
+          <p:cNvPr id="3" name="内容占位符 2">
+            <a:extLst>
+              <a:ext uri="{FF2B5EF4-FFF2-40B4-BE49-F238E27FC236}">
+                <a16:creationId xmlns:a16="http://schemas.microsoft.com/office/drawing/2014/main" id="{E3DBBBC5-7AD4-443A-A48D-B3436087D384}"/>
+              </a:ext>
+            </a:extLst>
+          </p:cNvPr>
+          <p:cNvSpPr>
+            <a:spLocks noGrp="1"/>
+          </p:cNvSpPr>
+          <p:nvPr>
+            <p:ph idx="1"/>
+          </p:nvPr>
+        </p:nvSpPr>
+        <p:spPr/>
+        <p:txBody>
+          <a:bodyPr/>
+          <a:lstStyle/>
+          <a:p>
+            <a:r>
+              <a:rPr lang="en-US" altLang="zh-CN" dirty="0" err="1"/>
+              <a:t>ConfigUtils</a:t>
+            </a:r>
+            <a:r>
+              <a:rPr lang="zh-CN" altLang="en-US" dirty="0"/>
+              <a:t>，</a:t>
+            </a:r>
+            <a:r>
+              <a:rPr lang="en-US" altLang="zh-CN" dirty="0" err="1"/>
+              <a:t>SymbolUtils</a:t>
+            </a:r>
+            <a:r>
+              <a:rPr lang="en-US" altLang="zh-CN" dirty="0"/>
+              <a:t> </a:t>
+            </a:r>
+            <a:r>
+              <a:rPr lang="zh-CN" altLang="en-US" dirty="0"/>
+              <a:t>思考，依赖管理技术</a:t>
+            </a:r>
+            <a:endParaRPr lang="en-US" altLang="zh-CN" dirty="0"/>
+          </a:p>
+          <a:p>
+            <a:r>
+              <a:rPr lang="zh-CN" altLang="en-US" dirty="0"/>
+              <a:t>依赖注入是</a:t>
+            </a:r>
+            <a:r>
+              <a:rPr lang="en-US" altLang="zh-CN" dirty="0"/>
+              <a:t>J2EE</a:t>
+            </a:r>
+            <a:r>
+              <a:rPr lang="zh-CN" altLang="en-US" dirty="0"/>
+              <a:t>代码复用性的核心</a:t>
+            </a:r>
+            <a:endParaRPr lang="en-US" altLang="zh-CN" dirty="0"/>
+          </a:p>
+          <a:p>
+            <a:r>
+              <a:rPr lang="zh-CN" altLang="en-US" dirty="0"/>
+              <a:t>原生</a:t>
+            </a:r>
+            <a:r>
+              <a:rPr lang="en-US" altLang="zh-CN" dirty="0" err="1"/>
+              <a:t>RedisClient</a:t>
+            </a:r>
+            <a:r>
+              <a:rPr lang="zh-CN" altLang="en-US" dirty="0"/>
+              <a:t>，</a:t>
+            </a:r>
+            <a:r>
+              <a:rPr lang="en-US" altLang="zh-CN" dirty="0"/>
+              <a:t>JDBC</a:t>
+            </a:r>
+            <a:r>
+              <a:rPr lang="zh-CN" altLang="en-US" dirty="0"/>
+              <a:t>怎么写？</a:t>
+            </a:r>
+            <a:endParaRPr lang="en-US" altLang="zh-CN" dirty="0"/>
+          </a:p>
+          <a:p>
+            <a:endParaRPr lang="en-US" altLang="zh-CN" dirty="0"/>
+          </a:p>
+          <a:p>
+            <a:endParaRPr lang="zh-CN" altLang="en-US" dirty="0"/>
+          </a:p>
+        </p:txBody>
+      </p:sp>
+    </p:spTree>
+    <p:extLst>
+      <p:ext uri="{BB962C8B-B14F-4D97-AF65-F5344CB8AC3E}">
+        <p14:creationId xmlns:p14="http://schemas.microsoft.com/office/powerpoint/2010/main" val="3522749939"/>
+      </p:ext>
+    </p:extLst>
+  </p:cSld>
+  <p:clrMapOvr>
+    <a:masterClrMapping/>
+  </p:clrMapOvr>
+</p:sld>
+</file>
+
+<file path=ppt/slides/slide33.xml><?xml version="1.0" encoding="utf-8"?>
+<p:sld xmlns:a="http://schemas.openxmlformats.org/drawingml/2006/main" xmlns:r="http://schemas.openxmlformats.org/officeDocument/2006/relationships" xmlns:p="http://schemas.openxmlformats.org/presentationml/2006/main">
+  <p:cSld>
+    <p:spTree>
+      <p:nvGrpSpPr>
+        <p:cNvPr id="1" name=""/>
+        <p:cNvGrpSpPr/>
+        <p:nvPr/>
+      </p:nvGrpSpPr>
+      <p:grpSpPr>
+        <a:xfrm>
+          <a:off x="0" y="0"/>
+          <a:ext cx="0" cy="0"/>
+          <a:chOff x="0" y="0"/>
+          <a:chExt cx="0" cy="0"/>
+        </a:xfrm>
+      </p:grpSpPr>
+      <p:sp>
+        <p:nvSpPr>
+          <p:cNvPr id="2" name="标题 1">
+            <a:extLst>
+              <a:ext uri="{FF2B5EF4-FFF2-40B4-BE49-F238E27FC236}">
+                <a16:creationId xmlns:a16="http://schemas.microsoft.com/office/drawing/2014/main" id="{9DB72A0A-6EC2-4463-8368-CAC80116656B}"/>
+              </a:ext>
+            </a:extLst>
+          </p:cNvPr>
+          <p:cNvSpPr>
+            <a:spLocks noGrp="1"/>
+          </p:cNvSpPr>
+          <p:nvPr>
+            <p:ph type="title"/>
+          </p:nvPr>
+        </p:nvSpPr>
+        <p:spPr/>
+        <p:txBody>
+          <a:bodyPr/>
+          <a:lstStyle/>
+          <a:p>
+            <a:r>
+              <a:rPr lang="zh-CN" altLang="en-US" dirty="0"/>
+              <a:t>实例：</a:t>
+            </a:r>
+            <a:r>
+              <a:rPr lang="en-US" altLang="zh-CN" dirty="0"/>
+              <a:t>Spring</a:t>
+            </a:r>
+            <a:endParaRPr lang="zh-CN" altLang="en-US" dirty="0"/>
+          </a:p>
+        </p:txBody>
+      </p:sp>
+      <p:sp>
+        <p:nvSpPr>
+          <p:cNvPr id="3" name="内容占位符 2">
+            <a:extLst>
+              <a:ext uri="{FF2B5EF4-FFF2-40B4-BE49-F238E27FC236}">
+                <a16:creationId xmlns:a16="http://schemas.microsoft.com/office/drawing/2014/main" id="{8B4E4551-9CE7-4B64-9B43-E57099C8DEE6}"/>
+              </a:ext>
+            </a:extLst>
+          </p:cNvPr>
+          <p:cNvSpPr>
+            <a:spLocks noGrp="1"/>
+          </p:cNvSpPr>
+          <p:nvPr>
+            <p:ph idx="1"/>
+          </p:nvPr>
+        </p:nvSpPr>
+        <p:spPr/>
+        <p:txBody>
+          <a:bodyPr/>
+          <a:lstStyle/>
+          <a:p>
+            <a:endParaRPr lang="zh-CN" altLang="en-US" dirty="0"/>
+          </a:p>
+        </p:txBody>
+      </p:sp>
+    </p:spTree>
+    <p:extLst>
+      <p:ext uri="{BB962C8B-B14F-4D97-AF65-F5344CB8AC3E}">
+        <p14:creationId xmlns:p14="http://schemas.microsoft.com/office/powerpoint/2010/main" val="3175058138"/>
+      </p:ext>
+    </p:extLst>
+  </p:cSld>
+  <p:clrMapOvr>
+    <a:masterClrMapping/>
+  </p:clrMapOvr>
+</p:sld>
+</file>
+
+<file path=ppt/slides/slide34.xml><?xml version="1.0" encoding="utf-8"?>
+<p:sld xmlns:a="http://schemas.openxmlformats.org/drawingml/2006/main" xmlns:r="http://schemas.openxmlformats.org/officeDocument/2006/relationships" xmlns:p="http://schemas.openxmlformats.org/presentationml/2006/main">
+  <p:cSld>
+    <p:spTree>
+      <p:nvGrpSpPr>
+        <p:cNvPr id="1" name=""/>
+        <p:cNvGrpSpPr/>
+        <p:nvPr/>
+      </p:nvGrpSpPr>
+      <p:grpSpPr>
+        <a:xfrm>
+          <a:off x="0" y="0"/>
+          <a:ext cx="0" cy="0"/>
+          <a:chOff x="0" y="0"/>
+          <a:chExt cx="0" cy="0"/>
+        </a:xfrm>
+      </p:grpSpPr>
+      <p:sp>
+        <p:nvSpPr>
+          <p:cNvPr id="2" name="标题 1">
+            <a:extLst>
+              <a:ext uri="{FF2B5EF4-FFF2-40B4-BE49-F238E27FC236}">
+                <a16:creationId xmlns:a16="http://schemas.microsoft.com/office/drawing/2014/main" id="{D72BE5FB-21FF-4008-8882-E348BA90EA8F}"/>
+              </a:ext>
+            </a:extLst>
+          </p:cNvPr>
+          <p:cNvSpPr>
+            <a:spLocks noGrp="1"/>
+          </p:cNvSpPr>
+          <p:nvPr>
+            <p:ph type="title"/>
+          </p:nvPr>
+        </p:nvSpPr>
+        <p:spPr/>
+        <p:txBody>
+          <a:bodyPr/>
+          <a:lstStyle/>
+          <a:p>
+            <a:endParaRPr lang="zh-CN" altLang="en-US"/>
+          </a:p>
+        </p:txBody>
+      </p:sp>
+      <p:sp>
+        <p:nvSpPr>
+          <p:cNvPr id="3" name="内容占位符 2">
+            <a:extLst>
+              <a:ext uri="{FF2B5EF4-FFF2-40B4-BE49-F238E27FC236}">
+                <a16:creationId xmlns:a16="http://schemas.microsoft.com/office/drawing/2014/main" id="{8078E4E3-ED9B-4530-8451-42D47D8968B6}"/>
+              </a:ext>
+            </a:extLst>
+          </p:cNvPr>
+          <p:cNvSpPr>
+            <a:spLocks noGrp="1"/>
+          </p:cNvSpPr>
+          <p:nvPr>
+            <p:ph idx="1"/>
+          </p:nvPr>
+        </p:nvSpPr>
+        <p:spPr/>
+        <p:txBody>
+          <a:bodyPr/>
+          <a:lstStyle/>
+          <a:p>
+            <a:r>
+              <a:rPr lang="en-US" altLang="zh-CN" dirty="0"/>
+              <a:t>Maven  Plexus</a:t>
+            </a:r>
+          </a:p>
+          <a:p>
+            <a:r>
+              <a:rPr lang="en-US" altLang="zh-CN" dirty="0" err="1"/>
+              <a:t>PicoContainer</a:t>
+            </a:r>
+            <a:endParaRPr lang="en-US" altLang="zh-CN" dirty="0"/>
+          </a:p>
+          <a:p>
+            <a:r>
+              <a:rPr lang="en-US" altLang="zh-CN" dirty="0" err="1"/>
+              <a:t>Guice</a:t>
+            </a:r>
+            <a:endParaRPr lang="zh-CN" altLang="en-US" dirty="0"/>
+          </a:p>
+          <a:p>
+            <a:endParaRPr lang="zh-CN" altLang="en-US" dirty="0"/>
+          </a:p>
+        </p:txBody>
+      </p:sp>
+    </p:spTree>
+    <p:extLst>
+      <p:ext uri="{BB962C8B-B14F-4D97-AF65-F5344CB8AC3E}">
+        <p14:creationId xmlns:p14="http://schemas.microsoft.com/office/powerpoint/2010/main" val="2831695512"/>
+      </p:ext>
+    </p:extLst>
+  </p:cSld>
+  <p:clrMapOvr>
+    <a:masterClrMapping/>
+  </p:clrMapOvr>
+</p:sld>
+</file>
+
+<file path=ppt/slides/slide35.xml><?xml version="1.0" encoding="utf-8"?>
+<p:sld xmlns:a="http://schemas.openxmlformats.org/drawingml/2006/main" xmlns:r="http://schemas.openxmlformats.org/officeDocument/2006/relationships" xmlns:p="http://schemas.openxmlformats.org/presentationml/2006/main">
+  <p:cSld>
+    <p:spTree>
+      <p:nvGrpSpPr>
+        <p:cNvPr id="1" name=""/>
+        <p:cNvGrpSpPr/>
+        <p:nvPr/>
+      </p:nvGrpSpPr>
+      <p:grpSpPr>
+        <a:xfrm>
+          <a:off x="0" y="0"/>
+          <a:ext cx="0" cy="0"/>
+          <a:chOff x="0" y="0"/>
+          <a:chExt cx="0" cy="0"/>
+        </a:xfrm>
+      </p:grpSpPr>
+      <p:sp>
+        <p:nvSpPr>
+          <p:cNvPr id="2" name="标题 1">
+            <a:extLst>
+              <a:ext uri="{FF2B5EF4-FFF2-40B4-BE49-F238E27FC236}">
+                <a16:creationId xmlns:a16="http://schemas.microsoft.com/office/drawing/2014/main" id="{DA923EF6-3830-4375-A019-4CA479285377}"/>
+              </a:ext>
+            </a:extLst>
+          </p:cNvPr>
+          <p:cNvSpPr>
+            <a:spLocks noGrp="1"/>
+          </p:cNvSpPr>
+          <p:nvPr>
+            <p:ph type="title"/>
+          </p:nvPr>
+        </p:nvSpPr>
+        <p:spPr/>
+        <p:txBody>
+          <a:bodyPr>
+            <a:normAutofit/>
+          </a:bodyPr>
+          <a:lstStyle/>
+          <a:p>
+            <a:r>
+              <a:rPr lang="en-US" altLang="zh-CN" sz="3200" dirty="0"/>
+              <a:t>Infrastructure and Application Implementation</a:t>
+            </a:r>
+            <a:endParaRPr lang="zh-CN" altLang="en-US" sz="3200" dirty="0"/>
+          </a:p>
+        </p:txBody>
+      </p:sp>
+      <p:sp>
+        <p:nvSpPr>
+          <p:cNvPr id="3" name="内容占位符 2">
+            <a:extLst>
+              <a:ext uri="{FF2B5EF4-FFF2-40B4-BE49-F238E27FC236}">
+                <a16:creationId xmlns:a16="http://schemas.microsoft.com/office/drawing/2014/main" id="{795FAC7F-0EC7-4829-9A51-7818061E0AC3}"/>
+              </a:ext>
+            </a:extLst>
+          </p:cNvPr>
+          <p:cNvSpPr>
+            <a:spLocks noGrp="1"/>
+          </p:cNvSpPr>
+          <p:nvPr>
+            <p:ph idx="1"/>
+          </p:nvPr>
+        </p:nvSpPr>
+        <p:spPr/>
+        <p:txBody>
+          <a:bodyPr/>
+          <a:lstStyle/>
+          <a:p>
+            <a:endParaRPr lang="zh-CN" altLang="en-US" dirty="0"/>
+          </a:p>
+        </p:txBody>
+      </p:sp>
+    </p:spTree>
+    <p:extLst>
+      <p:ext uri="{BB962C8B-B14F-4D97-AF65-F5344CB8AC3E}">
+        <p14:creationId xmlns:p14="http://schemas.microsoft.com/office/powerpoint/2010/main" val="2322187564"/>
+      </p:ext>
+    </p:extLst>
+  </p:cSld>
+  <p:clrMapOvr>
+    <a:masterClrMapping/>
+  </p:clrMapOvr>
+</p:sld>
+</file>
+
+<file path=ppt/slides/slide36.xml><?xml version="1.0" encoding="utf-8"?>
+<p:sld xmlns:a="http://schemas.openxmlformats.org/drawingml/2006/main" xmlns:r="http://schemas.openxmlformats.org/officeDocument/2006/relationships" xmlns:p="http://schemas.openxmlformats.org/presentationml/2006/main">
+  <p:cSld>
+    <p:spTree>
+      <p:nvGrpSpPr>
+        <p:cNvPr id="1" name=""/>
+        <p:cNvGrpSpPr/>
+        <p:nvPr/>
+      </p:nvGrpSpPr>
+      <p:grpSpPr>
+        <a:xfrm>
+          <a:off x="0" y="0"/>
+          <a:ext cx="0" cy="0"/>
+          <a:chOff x="0" y="0"/>
+          <a:chExt cx="0" cy="0"/>
+        </a:xfrm>
+      </p:grpSpPr>
+      <p:sp>
+        <p:nvSpPr>
+          <p:cNvPr id="2" name="标题 1">
+            <a:extLst>
+              <a:ext uri="{FF2B5EF4-FFF2-40B4-BE49-F238E27FC236}">
+                <a16:creationId xmlns:a16="http://schemas.microsoft.com/office/drawing/2014/main" id="{0E4A5D8A-6427-4DEF-BBFE-E044DBEAFD8E}"/>
+              </a:ext>
+            </a:extLst>
+          </p:cNvPr>
+          <p:cNvSpPr>
+            <a:spLocks noGrp="1"/>
+          </p:cNvSpPr>
+          <p:nvPr>
+            <p:ph type="title"/>
+          </p:nvPr>
+        </p:nvSpPr>
+        <p:spPr/>
+        <p:txBody>
+          <a:bodyPr>
+            <a:normAutofit/>
+          </a:bodyPr>
+          <a:lstStyle/>
+          <a:p>
+            <a:r>
+              <a:rPr lang="en-US" altLang="zh-CN" sz="3200" dirty="0"/>
+              <a:t>Lightweight Containers and Inversion of Control</a:t>
+            </a:r>
+            <a:endParaRPr lang="zh-CN" altLang="en-US" sz="3200" dirty="0"/>
+          </a:p>
+        </p:txBody>
+      </p:sp>
+      <p:sp>
+        <p:nvSpPr>
+          <p:cNvPr id="3" name="内容占位符 2">
+            <a:extLst>
+              <a:ext uri="{FF2B5EF4-FFF2-40B4-BE49-F238E27FC236}">
+                <a16:creationId xmlns:a16="http://schemas.microsoft.com/office/drawing/2014/main" id="{62A79AFA-E6BA-486B-8980-001F39231B12}"/>
+              </a:ext>
+            </a:extLst>
+          </p:cNvPr>
+          <p:cNvSpPr>
+            <a:spLocks noGrp="1"/>
+          </p:cNvSpPr>
+          <p:nvPr>
+            <p:ph idx="1"/>
+          </p:nvPr>
+        </p:nvSpPr>
+        <p:spPr/>
+        <p:txBody>
+          <a:bodyPr/>
+          <a:lstStyle/>
+          <a:p>
+            <a:endParaRPr lang="zh-CN" altLang="en-US"/>
+          </a:p>
+        </p:txBody>
+      </p:sp>
+    </p:spTree>
+    <p:extLst>
+      <p:ext uri="{BB962C8B-B14F-4D97-AF65-F5344CB8AC3E}">
+        <p14:creationId xmlns:p14="http://schemas.microsoft.com/office/powerpoint/2010/main" val="3498175356"/>
+      </p:ext>
+    </p:extLst>
+  </p:cSld>
+  <p:clrMapOvr>
+    <a:masterClrMapping/>
+  </p:clrMapOvr>
+</p:sld>
+</file>
+
+<file path=ppt/slides/slide37.xml><?xml version="1.0" encoding="utf-8"?>
+<p:sld xmlns:a="http://schemas.openxmlformats.org/drawingml/2006/main" xmlns:r="http://schemas.openxmlformats.org/officeDocument/2006/relationships" xmlns:p="http://schemas.openxmlformats.org/presentationml/2006/main">
+  <p:cSld>
+    <p:spTree>
+      <p:nvGrpSpPr>
+        <p:cNvPr id="1" name=""/>
+        <p:cNvGrpSpPr/>
+        <p:nvPr/>
+      </p:nvGrpSpPr>
+      <p:grpSpPr>
+        <a:xfrm>
+          <a:off x="0" y="0"/>
+          <a:ext cx="0" cy="0"/>
+          <a:chOff x="0" y="0"/>
+          <a:chExt cx="0" cy="0"/>
+        </a:xfrm>
+      </p:grpSpPr>
+      <p:sp>
+        <p:nvSpPr>
+          <p:cNvPr id="2" name="标题 1">
+            <a:extLst>
+              <a:ext uri="{FF2B5EF4-FFF2-40B4-BE49-F238E27FC236}">
+                <a16:creationId xmlns:a16="http://schemas.microsoft.com/office/drawing/2014/main" id="{00641F49-6B3A-4513-9BF4-D5CF3EA2E056}"/>
+              </a:ext>
+            </a:extLst>
+          </p:cNvPr>
+          <p:cNvSpPr>
+            <a:spLocks noGrp="1"/>
+          </p:cNvSpPr>
+          <p:nvPr>
+            <p:ph type="title"/>
+          </p:nvPr>
+        </p:nvSpPr>
+        <p:spPr/>
+        <p:txBody>
+          <a:bodyPr>
+            <a:normAutofit/>
+          </a:bodyPr>
+          <a:lstStyle/>
+          <a:p>
+            <a:r>
+              <a:rPr lang="en-US" altLang="zh-CN" sz="3200" dirty="0"/>
+              <a:t>Declarative Middleware Using AOP Concepts</a:t>
+            </a:r>
+            <a:endParaRPr lang="zh-CN" altLang="en-US" sz="3200" dirty="0"/>
+          </a:p>
+        </p:txBody>
+      </p:sp>
+      <p:sp>
+        <p:nvSpPr>
+          <p:cNvPr id="3" name="内容占位符 2">
+            <a:extLst>
+              <a:ext uri="{FF2B5EF4-FFF2-40B4-BE49-F238E27FC236}">
+                <a16:creationId xmlns:a16="http://schemas.microsoft.com/office/drawing/2014/main" id="{48E99A98-D340-48F6-86E3-3A0F0D642E7B}"/>
+              </a:ext>
+            </a:extLst>
+          </p:cNvPr>
+          <p:cNvSpPr>
+            <a:spLocks noGrp="1"/>
+          </p:cNvSpPr>
+          <p:nvPr>
+            <p:ph idx="1"/>
+          </p:nvPr>
+        </p:nvSpPr>
+        <p:spPr/>
+        <p:txBody>
+          <a:bodyPr/>
+          <a:lstStyle/>
+          <a:p>
+            <a:endParaRPr lang="zh-CN" altLang="en-US"/>
+          </a:p>
+        </p:txBody>
+      </p:sp>
+    </p:spTree>
+    <p:extLst>
+      <p:ext uri="{BB962C8B-B14F-4D97-AF65-F5344CB8AC3E}">
+        <p14:creationId xmlns:p14="http://schemas.microsoft.com/office/powerpoint/2010/main" val="2942484921"/>
+      </p:ext>
+    </p:extLst>
+  </p:cSld>
+  <p:clrMapOvr>
+    <a:masterClrMapping/>
+  </p:clrMapOvr>
+</p:sld>
+</file>
+
+<file path=ppt/slides/slide38.xml><?xml version="1.0" encoding="utf-8"?>
+<p:sld xmlns:a="http://schemas.openxmlformats.org/drawingml/2006/main" xmlns:r="http://schemas.openxmlformats.org/officeDocument/2006/relationships" xmlns:p="http://schemas.openxmlformats.org/presentationml/2006/main">
+  <p:cSld>
+    <p:spTree>
+      <p:nvGrpSpPr>
+        <p:cNvPr id="1" name=""/>
+        <p:cNvGrpSpPr/>
+        <p:nvPr/>
+      </p:nvGrpSpPr>
+      <p:grpSpPr>
+        <a:xfrm>
+          <a:off x="0" y="0"/>
+          <a:ext cx="0" cy="0"/>
+          <a:chOff x="0" y="0"/>
+          <a:chExt cx="0" cy="0"/>
+        </a:xfrm>
+      </p:grpSpPr>
+      <p:sp>
+        <p:nvSpPr>
+          <p:cNvPr id="2" name="标题 1">
+            <a:extLst>
+              <a:ext uri="{FF2B5EF4-FFF2-40B4-BE49-F238E27FC236}">
+                <a16:creationId xmlns:a16="http://schemas.microsoft.com/office/drawing/2014/main" id="{B027067B-B35A-4E5E-9572-4068B7EE6186}"/>
+              </a:ext>
+            </a:extLst>
+          </p:cNvPr>
+          <p:cNvSpPr>
+            <a:spLocks noGrp="1"/>
+          </p:cNvSpPr>
+          <p:nvPr>
+            <p:ph type="title"/>
+          </p:nvPr>
+        </p:nvSpPr>
+        <p:spPr/>
+        <p:txBody>
+          <a:bodyPr>
+            <a:normAutofit/>
+          </a:bodyPr>
+          <a:lstStyle/>
+          <a:p>
+            <a:r>
+              <a:rPr lang="en-US" altLang="zh-CN" sz="3200" dirty="0"/>
+              <a:t>Data Access</a:t>
+            </a:r>
+            <a:r>
+              <a:rPr lang="zh-CN" altLang="en-US" sz="3200" dirty="0"/>
+              <a:t>（</a:t>
+            </a:r>
+            <a:r>
+              <a:rPr lang="en-US" altLang="zh-CN" sz="3200" dirty="0"/>
+              <a:t>Transaction </a:t>
+            </a:r>
+            <a:r>
+              <a:rPr lang="en-US" altLang="zh-CN" sz="3200" dirty="0" err="1"/>
+              <a:t>Management+Persistence</a:t>
+            </a:r>
+            <a:r>
+              <a:rPr lang="zh-CN" altLang="en-US" sz="3200" dirty="0"/>
+              <a:t>）</a:t>
+            </a:r>
+          </a:p>
+        </p:txBody>
+      </p:sp>
+      <p:sp>
+        <p:nvSpPr>
+          <p:cNvPr id="3" name="内容占位符 2">
+            <a:extLst>
+              <a:ext uri="{FF2B5EF4-FFF2-40B4-BE49-F238E27FC236}">
+                <a16:creationId xmlns:a16="http://schemas.microsoft.com/office/drawing/2014/main" id="{2DE5ED3A-04EA-4929-B10A-83872116243B}"/>
+              </a:ext>
+            </a:extLst>
+          </p:cNvPr>
+          <p:cNvSpPr>
+            <a:spLocks noGrp="1"/>
+          </p:cNvSpPr>
+          <p:nvPr>
+            <p:ph idx="1"/>
+          </p:nvPr>
+        </p:nvSpPr>
+        <p:spPr/>
+        <p:txBody>
+          <a:bodyPr/>
+          <a:lstStyle/>
+          <a:p>
+            <a:r>
+              <a:rPr lang="en-US" altLang="zh-CN" dirty="0"/>
+              <a:t>TM</a:t>
+            </a:r>
+            <a:r>
+              <a:rPr lang="zh-CN" altLang="en-US" dirty="0"/>
+              <a:t>：</a:t>
+            </a:r>
+            <a:r>
+              <a:rPr lang="en-US" altLang="zh-CN" dirty="0"/>
+              <a:t>EJB</a:t>
+            </a:r>
+            <a:r>
+              <a:rPr lang="zh-CN" altLang="en-US" dirty="0"/>
+              <a:t>，</a:t>
+            </a:r>
+            <a:endParaRPr lang="en-US" altLang="zh-CN" dirty="0"/>
+          </a:p>
+          <a:p>
+            <a:endParaRPr lang="en-US" altLang="zh-CN" dirty="0"/>
+          </a:p>
+          <a:p>
+            <a:endParaRPr lang="en-US" altLang="zh-CN" dirty="0"/>
+          </a:p>
+          <a:p>
+            <a:endParaRPr lang="en-US" altLang="zh-CN" dirty="0"/>
+          </a:p>
+          <a:p>
+            <a:r>
+              <a:rPr lang="en-US" altLang="zh-CN" dirty="0"/>
+              <a:t>Persistence</a:t>
+            </a:r>
+            <a:r>
+              <a:rPr lang="zh-CN" altLang="en-US" dirty="0"/>
+              <a:t>：</a:t>
+            </a:r>
+            <a:r>
+              <a:rPr lang="en-US" altLang="zh-CN" dirty="0" err="1"/>
+              <a:t>SpringJDBC</a:t>
+            </a:r>
+            <a:r>
+              <a:rPr lang="zh-CN" altLang="en-US" dirty="0"/>
+              <a:t>，</a:t>
+            </a:r>
+            <a:r>
+              <a:rPr lang="en-US" altLang="zh-CN" dirty="0" err="1"/>
+              <a:t>SrpingORM</a:t>
+            </a:r>
+            <a:r>
+              <a:rPr lang="zh-CN" altLang="en-US" dirty="0"/>
+              <a:t>，</a:t>
+            </a:r>
+            <a:r>
+              <a:rPr lang="en-US" altLang="zh-CN" dirty="0"/>
+              <a:t>Spring-</a:t>
+            </a:r>
+            <a:r>
+              <a:rPr lang="en-US" altLang="zh-CN" dirty="0" err="1"/>
+              <a:t>Mybatis</a:t>
+            </a:r>
+            <a:r>
+              <a:rPr lang="zh-CN" altLang="en-US" dirty="0"/>
+              <a:t>，</a:t>
+            </a:r>
+            <a:r>
+              <a:rPr lang="en-US" altLang="zh-CN" dirty="0"/>
+              <a:t>JPA</a:t>
+            </a:r>
+            <a:r>
+              <a:rPr lang="zh-CN" altLang="en-US" dirty="0"/>
+              <a:t>，</a:t>
+            </a:r>
+            <a:r>
+              <a:rPr lang="en-US" altLang="zh-CN" dirty="0"/>
+              <a:t>Spring-Data</a:t>
+            </a:r>
+            <a:r>
+              <a:rPr lang="zh-CN" altLang="en-US" dirty="0"/>
+              <a:t>（方法命名</a:t>
+            </a:r>
+            <a:r>
+              <a:rPr lang="en-US" altLang="zh-CN" dirty="0"/>
+              <a:t>DSL</a:t>
+            </a:r>
+            <a:r>
+              <a:rPr lang="zh-CN" altLang="en-US" dirty="0"/>
+              <a:t>）</a:t>
+            </a:r>
+            <a:endParaRPr lang="en-US" altLang="zh-CN" dirty="0"/>
+          </a:p>
+          <a:p>
+            <a:endParaRPr lang="en-US" altLang="zh-CN" dirty="0"/>
+          </a:p>
+          <a:p>
+            <a:r>
+              <a:rPr lang="zh-CN" altLang="en-US" dirty="0"/>
+              <a:t>如何做到</a:t>
+            </a:r>
+            <a:r>
+              <a:rPr lang="en-US" altLang="zh-CN" dirty="0"/>
+              <a:t>DAO</a:t>
+            </a:r>
+            <a:r>
+              <a:rPr lang="zh-CN" altLang="en-US" dirty="0"/>
+              <a:t>和具体持久化技术解耦？</a:t>
+            </a:r>
+          </a:p>
+        </p:txBody>
+      </p:sp>
+    </p:spTree>
+    <p:extLst>
+      <p:ext uri="{BB962C8B-B14F-4D97-AF65-F5344CB8AC3E}">
+        <p14:creationId xmlns:p14="http://schemas.microsoft.com/office/powerpoint/2010/main" val="1252555113"/>
+      </p:ext>
+    </p:extLst>
+  </p:cSld>
+  <p:clrMapOvr>
+    <a:masterClrMapping/>
+  </p:clrMapOvr>
+</p:sld>
+</file>
+
+<file path=ppt/slides/slide39.xml><?xml version="1.0" encoding="utf-8"?>
+<p:sld xmlns:a="http://schemas.openxmlformats.org/drawingml/2006/main" xmlns:r="http://schemas.openxmlformats.org/officeDocument/2006/relationships" xmlns:p="http://schemas.openxmlformats.org/presentationml/2006/main">
+  <p:cSld>
+    <p:spTree>
+      <p:nvGrpSpPr>
+        <p:cNvPr id="1" name=""/>
+        <p:cNvGrpSpPr/>
+        <p:nvPr/>
+      </p:nvGrpSpPr>
+      <p:grpSpPr>
+        <a:xfrm>
+          <a:off x="0" y="0"/>
+          <a:ext cx="0" cy="0"/>
+          <a:chOff x="0" y="0"/>
+          <a:chExt cx="0" cy="0"/>
+        </a:xfrm>
+      </p:grpSpPr>
+      <p:sp>
+        <p:nvSpPr>
+          <p:cNvPr id="2" name="标题 1">
+            <a:extLst>
+              <a:ext uri="{FF2B5EF4-FFF2-40B4-BE49-F238E27FC236}">
+                <a16:creationId xmlns:a16="http://schemas.microsoft.com/office/drawing/2014/main" id="{D9D5F1FE-FFD5-4C0A-BF32-2131C755439C}"/>
+              </a:ext>
+            </a:extLst>
+          </p:cNvPr>
+          <p:cNvSpPr>
+            <a:spLocks noGrp="1"/>
+          </p:cNvSpPr>
+          <p:nvPr>
+            <p:ph type="title"/>
+          </p:nvPr>
+        </p:nvSpPr>
+        <p:spPr/>
+        <p:txBody>
+          <a:bodyPr>
+            <a:normAutofit/>
+          </a:bodyPr>
+          <a:lstStyle/>
+          <a:p>
+            <a:r>
+              <a:rPr lang="en-US" altLang="zh-CN" sz="3200" dirty="0"/>
+              <a:t>Web Tier Design</a:t>
+            </a:r>
+            <a:endParaRPr lang="zh-CN" altLang="en-US" sz="3200" dirty="0"/>
+          </a:p>
+        </p:txBody>
+      </p:sp>
+      <p:sp>
+        <p:nvSpPr>
+          <p:cNvPr id="3" name="内容占位符 2">
+            <a:extLst>
+              <a:ext uri="{FF2B5EF4-FFF2-40B4-BE49-F238E27FC236}">
+                <a16:creationId xmlns:a16="http://schemas.microsoft.com/office/drawing/2014/main" id="{CA077648-961D-4C28-971E-AB6F13039EC1}"/>
+              </a:ext>
+            </a:extLst>
+          </p:cNvPr>
+          <p:cNvSpPr>
+            <a:spLocks noGrp="1"/>
+          </p:cNvSpPr>
+          <p:nvPr>
+            <p:ph idx="1"/>
+          </p:nvPr>
+        </p:nvSpPr>
+        <p:spPr/>
+        <p:txBody>
+          <a:bodyPr/>
+          <a:lstStyle/>
+          <a:p>
+            <a:r>
+              <a:rPr lang="en-US" altLang="zh-CN" dirty="0"/>
+              <a:t>1  </a:t>
+            </a:r>
+            <a:r>
+              <a:rPr lang="en-US" altLang="zh-CN" dirty="0" err="1"/>
+              <a:t>contrller</a:t>
+            </a:r>
+            <a:r>
+              <a:rPr lang="zh-CN" altLang="en-US" dirty="0"/>
+              <a:t>层不要写业务逻辑，为什么？</a:t>
+            </a:r>
+            <a:r>
+              <a:rPr lang="en-US" altLang="zh-CN" dirty="0" err="1"/>
+              <a:t>Contooler</a:t>
+            </a:r>
+            <a:r>
+              <a:rPr lang="zh-CN" altLang="en-US" dirty="0"/>
+              <a:t>对象不要暴露给</a:t>
+            </a:r>
+            <a:r>
+              <a:rPr lang="en-US" altLang="zh-CN"/>
+              <a:t>Service</a:t>
+            </a:r>
+            <a:endParaRPr lang="zh-CN" altLang="en-US" dirty="0"/>
+          </a:p>
+        </p:txBody>
+      </p:sp>
+    </p:spTree>
+    <p:extLst>
+      <p:ext uri="{BB962C8B-B14F-4D97-AF65-F5344CB8AC3E}">
+        <p14:creationId xmlns:p14="http://schemas.microsoft.com/office/powerpoint/2010/main" val="3058807663"/>
       </p:ext>
     </p:extLst>
   </p:cSld>
@@ -5865,7 +7956,7 @@
           <p:cNvPr id="2" name="标题 1">
             <a:extLst>
               <a:ext uri="{FF2B5EF4-FFF2-40B4-BE49-F238E27FC236}">
-                <a16:creationId xmlns:a16="http://schemas.microsoft.com/office/drawing/2014/main" id="{0DD33E34-A7FE-4835-A793-C42FEC3E87C2}"/>
+                <a16:creationId xmlns:a16="http://schemas.microsoft.com/office/drawing/2014/main" id="{00124C64-DC88-4F6E-9F47-024242D2782B}"/>
               </a:ext>
             </a:extLst>
           </p:cNvPr>
@@ -5882,8 +7973,12 @@
           <a:lstStyle/>
           <a:p>
             <a:r>
-              <a:rPr lang="zh-CN" altLang="en-US" dirty="0"/>
-              <a:t>利用接口实现松耦合</a:t>
+              <a:rPr lang="en-US" altLang="zh-CN" dirty="0"/>
+              <a:t>Cache-</a:t>
+            </a:r>
+            <a:r>
+              <a:rPr lang="zh-CN" altLang="en-US" dirty="0"/>
+              <a:t>关于实现的一个例子</a:t>
             </a:r>
           </a:p>
         </p:txBody>
@@ -5893,7 +7988,7 @@
           <p:cNvPr id="3" name="内容占位符 2">
             <a:extLst>
               <a:ext uri="{FF2B5EF4-FFF2-40B4-BE49-F238E27FC236}">
-                <a16:creationId xmlns:a16="http://schemas.microsoft.com/office/drawing/2014/main" id="{F0D79FCE-01B0-4D6F-8B21-6BA225D33AC7}"/>
+                <a16:creationId xmlns:a16="http://schemas.microsoft.com/office/drawing/2014/main" id="{A80673B9-A5BF-40FB-866C-B30143B6DA88}"/>
               </a:ext>
             </a:extLst>
           </p:cNvPr>
@@ -5906,17 +8001,416 @@
         </p:nvSpPr>
         <p:spPr/>
         <p:txBody>
-          <a:bodyPr/>
-          <a:lstStyle/>
-          <a:p>
-            <a:endParaRPr lang="zh-CN" altLang="en-US"/>
+          <a:bodyPr>
+            <a:normAutofit lnSpcReduction="10000"/>
+          </a:bodyPr>
+          <a:lstStyle/>
+          <a:p>
+            <a:r>
+              <a:rPr lang="zh-CN" altLang="en-US" dirty="0"/>
+              <a:t>某</a:t>
+            </a:r>
+            <a:r>
+              <a:rPr lang="en-US" altLang="zh-CN" dirty="0"/>
+              <a:t>WEB</a:t>
+            </a:r>
+            <a:r>
+              <a:rPr lang="zh-CN" altLang="en-US" dirty="0"/>
+              <a:t>系統设计方案包括本地缓存定时刷新数据，并且需要备份到文件系统，该</a:t>
+            </a:r>
+            <a:r>
+              <a:rPr lang="en-US" altLang="zh-CN" dirty="0"/>
+              <a:t>Web</a:t>
+            </a:r>
+            <a:r>
+              <a:rPr lang="zh-CN" altLang="en-US" dirty="0"/>
+              <a:t>系统基于</a:t>
+            </a:r>
+            <a:r>
+              <a:rPr lang="en-US" altLang="zh-CN" dirty="0"/>
+              <a:t>SSM</a:t>
+            </a:r>
+            <a:r>
+              <a:rPr lang="zh-CN" altLang="en-US" dirty="0"/>
+              <a:t>框架，不需要考虑并发，该怎么选择？</a:t>
+            </a:r>
+            <a:endParaRPr lang="en-US" altLang="zh-CN" dirty="0"/>
+          </a:p>
+          <a:p>
+            <a:r>
+              <a:rPr lang="en-US" altLang="zh-CN" dirty="0"/>
+              <a:t>HashMap</a:t>
+            </a:r>
+            <a:r>
+              <a:rPr lang="zh-CN" altLang="en-US" dirty="0"/>
+              <a:t>，</a:t>
+            </a:r>
+            <a:r>
+              <a:rPr lang="en-US" altLang="zh-CN" dirty="0" err="1"/>
+              <a:t>ConcurrentHashMap</a:t>
+            </a:r>
+            <a:r>
+              <a:rPr lang="zh-CN" altLang="en-US" dirty="0"/>
+              <a:t>，</a:t>
+            </a:r>
+            <a:r>
+              <a:rPr lang="en-US" altLang="zh-CN" dirty="0"/>
+              <a:t>Spring Cache(</a:t>
+            </a:r>
+            <a:r>
+              <a:rPr lang="en-US" altLang="zh-CN" dirty="0" err="1"/>
+              <a:t>SimpleCacheManager</a:t>
+            </a:r>
+            <a:r>
+              <a:rPr lang="en-US" altLang="zh-CN" dirty="0"/>
+              <a:t>)</a:t>
+            </a:r>
+            <a:r>
+              <a:rPr lang="zh-CN" altLang="en-US" dirty="0"/>
+              <a:t>，</a:t>
+            </a:r>
+            <a:r>
+              <a:rPr lang="en-US" altLang="zh-CN" dirty="0"/>
+              <a:t>Guava Cache</a:t>
+            </a:r>
+            <a:r>
+              <a:rPr lang="zh-CN" altLang="en-US" dirty="0"/>
+              <a:t>，</a:t>
+            </a:r>
+            <a:r>
+              <a:rPr lang="en-US" altLang="zh-CN" dirty="0"/>
+              <a:t>Caffeine</a:t>
+            </a:r>
+            <a:r>
+              <a:rPr lang="zh-CN" altLang="en-US" dirty="0"/>
+              <a:t>，</a:t>
+            </a:r>
+            <a:r>
+              <a:rPr lang="en-US" altLang="zh-CN" dirty="0" err="1"/>
+              <a:t>Ehcache</a:t>
+            </a:r>
+            <a:endParaRPr lang="en-US" altLang="zh-CN" dirty="0"/>
+          </a:p>
+          <a:p>
+            <a:pPr marL="0" indent="0">
+              <a:buNone/>
+            </a:pPr>
+            <a:r>
+              <a:rPr lang="en-US" altLang="zh-CN" dirty="0"/>
+              <a:t>Apache Commons Cache</a:t>
+            </a:r>
+            <a:r>
+              <a:rPr lang="zh-CN" altLang="en-US" dirty="0"/>
+              <a:t>？？？</a:t>
+            </a:r>
+            <a:endParaRPr lang="en-US" altLang="zh-CN" dirty="0"/>
+          </a:p>
+          <a:p>
+            <a:pPr marL="0" indent="0">
+              <a:buNone/>
+            </a:pPr>
+            <a:endParaRPr lang="en-US" altLang="zh-CN" dirty="0"/>
+          </a:p>
+          <a:p>
+            <a:pPr marL="0" indent="0">
+              <a:buNone/>
+            </a:pPr>
+            <a:r>
+              <a:rPr lang="en-US" altLang="zh-CN" dirty="0"/>
+              <a:t>Spring Cache Is First</a:t>
+            </a:r>
+            <a:r>
+              <a:rPr lang="zh-CN" altLang="en-US" dirty="0"/>
+              <a:t>！</a:t>
+            </a:r>
+            <a:endParaRPr lang="en-US" altLang="zh-CN" dirty="0"/>
+          </a:p>
+          <a:p>
+            <a:r>
+              <a:rPr lang="en-US" altLang="zh-CN" dirty="0"/>
+              <a:t>Why</a:t>
+            </a:r>
+            <a:r>
+              <a:rPr lang="zh-CN" altLang="en-US" dirty="0"/>
+              <a:t>：</a:t>
+            </a:r>
+            <a:r>
+              <a:rPr lang="en-US" altLang="zh-CN" dirty="0"/>
+              <a:t>1 bean-</a:t>
+            </a:r>
+            <a:r>
+              <a:rPr lang="zh-CN" altLang="en-US" dirty="0"/>
+              <a:t>单例</a:t>
+            </a:r>
+            <a:r>
+              <a:rPr lang="en-US" altLang="zh-CN" dirty="0"/>
+              <a:t> 2 abstract 3 portability 4 maintainable</a:t>
+            </a:r>
+          </a:p>
+          <a:p>
+            <a:r>
+              <a:rPr lang="zh-CN" altLang="en-US" dirty="0"/>
+              <a:t>不信？试着写</a:t>
+            </a:r>
+            <a:r>
+              <a:rPr lang="en-US" altLang="zh-CN" dirty="0"/>
+              <a:t>JDBC</a:t>
+            </a:r>
+            <a:r>
+              <a:rPr lang="zh-CN" altLang="en-US" dirty="0"/>
+              <a:t>和</a:t>
+            </a:r>
+            <a:r>
+              <a:rPr lang="en-US" altLang="zh-CN" dirty="0"/>
+              <a:t>Redis Client</a:t>
+            </a:r>
+            <a:r>
+              <a:rPr lang="zh-CN" altLang="en-US" dirty="0"/>
+              <a:t>？</a:t>
+            </a:r>
           </a:p>
         </p:txBody>
       </p:sp>
     </p:spTree>
     <p:extLst>
       <p:ext uri="{BB962C8B-B14F-4D97-AF65-F5344CB8AC3E}">
-        <p14:creationId xmlns:p14="http://schemas.microsoft.com/office/powerpoint/2010/main" val="595472482"/>
+        <p14:creationId xmlns:p14="http://schemas.microsoft.com/office/powerpoint/2010/main" val="78008434"/>
+      </p:ext>
+    </p:extLst>
+  </p:cSld>
+  <p:clrMapOvr>
+    <a:masterClrMapping/>
+  </p:clrMapOvr>
+</p:sld>
+</file>
+
+<file path=ppt/slides/slide40.xml><?xml version="1.0" encoding="utf-8"?>
+<p:sld xmlns:a="http://schemas.openxmlformats.org/drawingml/2006/main" xmlns:r="http://schemas.openxmlformats.org/officeDocument/2006/relationships" xmlns:p="http://schemas.openxmlformats.org/presentationml/2006/main">
+  <p:cSld>
+    <p:spTree>
+      <p:nvGrpSpPr>
+        <p:cNvPr id="1" name=""/>
+        <p:cNvGrpSpPr/>
+        <p:nvPr/>
+      </p:nvGrpSpPr>
+      <p:grpSpPr>
+        <a:xfrm>
+          <a:off x="0" y="0"/>
+          <a:ext cx="0" cy="0"/>
+          <a:chOff x="0" y="0"/>
+          <a:chExt cx="0" cy="0"/>
+        </a:xfrm>
+      </p:grpSpPr>
+      <p:sp>
+        <p:nvSpPr>
+          <p:cNvPr id="2" name="标题 1">
+            <a:extLst>
+              <a:ext uri="{FF2B5EF4-FFF2-40B4-BE49-F238E27FC236}">
+                <a16:creationId xmlns:a16="http://schemas.microsoft.com/office/drawing/2014/main" id="{01586952-388E-4024-BB14-1237C596D26D}"/>
+              </a:ext>
+            </a:extLst>
+          </p:cNvPr>
+          <p:cNvSpPr>
+            <a:spLocks noGrp="1"/>
+          </p:cNvSpPr>
+          <p:nvPr>
+            <p:ph type="title"/>
+          </p:nvPr>
+        </p:nvSpPr>
+        <p:spPr/>
+        <p:txBody>
+          <a:bodyPr>
+            <a:normAutofit/>
+          </a:bodyPr>
+          <a:lstStyle/>
+          <a:p>
+            <a:r>
+              <a:rPr lang="en-US" altLang="zh-CN" sz="3200" dirty="0"/>
+              <a:t>Unit Testing and Testability</a:t>
+            </a:r>
+            <a:endParaRPr lang="zh-CN" altLang="en-US" sz="3200" dirty="0"/>
+          </a:p>
+        </p:txBody>
+      </p:sp>
+      <p:sp>
+        <p:nvSpPr>
+          <p:cNvPr id="3" name="内容占位符 2">
+            <a:extLst>
+              <a:ext uri="{FF2B5EF4-FFF2-40B4-BE49-F238E27FC236}">
+                <a16:creationId xmlns:a16="http://schemas.microsoft.com/office/drawing/2014/main" id="{FD871088-5656-4CA7-979A-22C1140D6E95}"/>
+              </a:ext>
+            </a:extLst>
+          </p:cNvPr>
+          <p:cNvSpPr>
+            <a:spLocks noGrp="1"/>
+          </p:cNvSpPr>
+          <p:nvPr>
+            <p:ph idx="1"/>
+          </p:nvPr>
+        </p:nvSpPr>
+        <p:spPr/>
+        <p:txBody>
+          <a:bodyPr/>
+          <a:lstStyle/>
+          <a:p>
+            <a:endParaRPr lang="zh-CN" altLang="en-US"/>
+          </a:p>
+        </p:txBody>
+      </p:sp>
+    </p:spTree>
+    <p:extLst>
+      <p:ext uri="{BB962C8B-B14F-4D97-AF65-F5344CB8AC3E}">
+        <p14:creationId xmlns:p14="http://schemas.microsoft.com/office/powerpoint/2010/main" val="2445432270"/>
+      </p:ext>
+    </p:extLst>
+  </p:cSld>
+  <p:clrMapOvr>
+    <a:masterClrMapping/>
+  </p:clrMapOvr>
+</p:sld>
+</file>
+
+<file path=ppt/slides/slide41.xml><?xml version="1.0" encoding="utf-8"?>
+<p:sld xmlns:a="http://schemas.openxmlformats.org/drawingml/2006/main" xmlns:r="http://schemas.openxmlformats.org/officeDocument/2006/relationships" xmlns:p="http://schemas.openxmlformats.org/presentationml/2006/main">
+  <p:cSld>
+    <p:spTree>
+      <p:nvGrpSpPr>
+        <p:cNvPr id="1" name=""/>
+        <p:cNvGrpSpPr/>
+        <p:nvPr/>
+      </p:nvGrpSpPr>
+      <p:grpSpPr>
+        <a:xfrm>
+          <a:off x="0" y="0"/>
+          <a:ext cx="0" cy="0"/>
+          <a:chOff x="0" y="0"/>
+          <a:chExt cx="0" cy="0"/>
+        </a:xfrm>
+      </p:grpSpPr>
+      <p:sp>
+        <p:nvSpPr>
+          <p:cNvPr id="2" name="标题 1">
+            <a:extLst>
+              <a:ext uri="{FF2B5EF4-FFF2-40B4-BE49-F238E27FC236}">
+                <a16:creationId xmlns:a16="http://schemas.microsoft.com/office/drawing/2014/main" id="{03C4901A-3226-485B-850D-F28D21F4C224}"/>
+              </a:ext>
+            </a:extLst>
+          </p:cNvPr>
+          <p:cNvSpPr>
+            <a:spLocks noGrp="1"/>
+          </p:cNvSpPr>
+          <p:nvPr>
+            <p:ph type="title"/>
+          </p:nvPr>
+        </p:nvSpPr>
+        <p:spPr/>
+        <p:txBody>
+          <a:bodyPr/>
+          <a:lstStyle/>
+          <a:p>
+            <a:r>
+              <a:rPr lang="zh-CN" altLang="en-US" dirty="0"/>
+              <a:t>参考：</a:t>
+            </a:r>
+          </a:p>
+        </p:txBody>
+      </p:sp>
+      <p:sp>
+        <p:nvSpPr>
+          <p:cNvPr id="3" name="内容占位符 2">
+            <a:extLst>
+              <a:ext uri="{FF2B5EF4-FFF2-40B4-BE49-F238E27FC236}">
+                <a16:creationId xmlns:a16="http://schemas.microsoft.com/office/drawing/2014/main" id="{6F8B4978-BB35-4E48-B356-8D26995C57B6}"/>
+              </a:ext>
+            </a:extLst>
+          </p:cNvPr>
+          <p:cNvSpPr>
+            <a:spLocks noGrp="1"/>
+          </p:cNvSpPr>
+          <p:nvPr>
+            <p:ph idx="1"/>
+          </p:nvPr>
+        </p:nvSpPr>
+        <p:spPr/>
+        <p:txBody>
+          <a:bodyPr>
+            <a:normAutofit fontScale="92500" lnSpcReduction="20000"/>
+          </a:bodyPr>
+          <a:lstStyle/>
+          <a:p>
+            <a:r>
+              <a:rPr lang="en-US" altLang="zh-CN" dirty="0">
+                <a:hlinkClick r:id="rId2"/>
+              </a:rPr>
+              <a:t>https://google.github.io/styleguide/javaguide.html</a:t>
+            </a:r>
+            <a:endParaRPr lang="en-US" altLang="zh-CN" dirty="0"/>
+          </a:p>
+          <a:p>
+            <a:endParaRPr lang="en-US" altLang="zh-CN" dirty="0"/>
+          </a:p>
+          <a:p>
+            <a:r>
+              <a:rPr lang="en-US" altLang="zh-CN" dirty="0"/>
+              <a:t>Effective Java 2 </a:t>
+            </a:r>
+          </a:p>
+          <a:p>
+            <a:endParaRPr lang="en-US" altLang="zh-CN" dirty="0"/>
+          </a:p>
+          <a:p>
+            <a:r>
+              <a:rPr lang="en-US" altLang="zh-CN" dirty="0"/>
+              <a:t>Expert one-on-one J2EE Design and Development</a:t>
+            </a:r>
+          </a:p>
+          <a:p>
+            <a:endParaRPr lang="en-US" altLang="zh-CN" dirty="0"/>
+          </a:p>
+          <a:p>
+            <a:r>
+              <a:rPr lang="zh-CN" altLang="en-US" dirty="0"/>
+              <a:t>阿里巴巴</a:t>
+            </a:r>
+            <a:r>
+              <a:rPr lang="en-US" altLang="zh-CN" dirty="0"/>
+              <a:t>Java</a:t>
+            </a:r>
+            <a:r>
+              <a:rPr lang="zh-CN" altLang="en-US" dirty="0"/>
+              <a:t>开发规范</a:t>
+            </a:r>
+            <a:endParaRPr lang="en-US" altLang="zh-CN" dirty="0"/>
+          </a:p>
+          <a:p>
+            <a:endParaRPr lang="en-US" altLang="zh-CN" dirty="0"/>
+          </a:p>
+          <a:p>
+            <a:r>
+              <a:rPr lang="en-US" altLang="zh-CN" dirty="0"/>
+              <a:t>Java</a:t>
+            </a:r>
+            <a:r>
+              <a:rPr lang="zh-CN" altLang="en-US" dirty="0"/>
+              <a:t>编程思想</a:t>
+            </a:r>
+            <a:endParaRPr lang="en-US" altLang="zh-CN" dirty="0"/>
+          </a:p>
+          <a:p>
+            <a:r>
+              <a:rPr lang="en-US" altLang="zh-CN" dirty="0">
+                <a:hlinkClick r:id="rId3"/>
+              </a:rPr>
+              <a:t>http://www.yinwang.org/blog-cn/2017/05/23/kotlin</a:t>
+            </a:r>
+            <a:endParaRPr lang="zh-CN" altLang="en-US" dirty="0"/>
+          </a:p>
+        </p:txBody>
+      </p:sp>
+    </p:spTree>
+    <p:extLst>
+      <p:ext uri="{BB962C8B-B14F-4D97-AF65-F5344CB8AC3E}">
+        <p14:creationId xmlns:p14="http://schemas.microsoft.com/office/powerpoint/2010/main" val="1363129473"/>
       </p:ext>
     </p:extLst>
   </p:cSld>
@@ -5948,7 +8442,7 @@
           <p:cNvPr id="2" name="标题 1">
             <a:extLst>
               <a:ext uri="{FF2B5EF4-FFF2-40B4-BE49-F238E27FC236}">
-                <a16:creationId xmlns:a16="http://schemas.microsoft.com/office/drawing/2014/main" id="{8DE3B99D-9D19-4A9F-90D4-07E99A126CF4}"/>
+                <a16:creationId xmlns:a16="http://schemas.microsoft.com/office/drawing/2014/main" id="{0DD33E34-A7FE-4835-A793-C42FEC3E87C2}"/>
               </a:ext>
             </a:extLst>
           </p:cNvPr>
@@ -5966,7 +8460,7 @@
           <a:p>
             <a:r>
               <a:rPr lang="zh-CN" altLang="en-US" dirty="0"/>
-              <a:t>对象组合优于具体继承性</a:t>
+              <a:t>利用接口实现松耦合</a:t>
             </a:r>
           </a:p>
         </p:txBody>
@@ -5976,7 +8470,7 @@
           <p:cNvPr id="3" name="内容占位符 2">
             <a:extLst>
               <a:ext uri="{FF2B5EF4-FFF2-40B4-BE49-F238E27FC236}">
-                <a16:creationId xmlns:a16="http://schemas.microsoft.com/office/drawing/2014/main" id="{5A2E47B5-737B-4EE3-897D-80851530E236}"/>
+                <a16:creationId xmlns:a16="http://schemas.microsoft.com/office/drawing/2014/main" id="{F0D79FCE-01B0-4D6F-8B21-6BA225D33AC7}"/>
               </a:ext>
             </a:extLst>
           </p:cNvPr>
@@ -5992,14 +8486,55 @@
           <a:bodyPr/>
           <a:lstStyle/>
           <a:p>
-            <a:endParaRPr lang="zh-CN" altLang="en-US"/>
+            <a:r>
+              <a:rPr lang="zh-CN" altLang="en-US" dirty="0"/>
+              <a:t>编程到接口，而不是具体类。应用关系用接口表示。</a:t>
+            </a:r>
+            <a:endParaRPr lang="en-US" altLang="zh-CN" dirty="0"/>
+          </a:p>
+          <a:p>
+            <a:r>
+              <a:rPr lang="zh-CN" altLang="en-US" dirty="0"/>
+              <a:t>促进设计灵活。</a:t>
+            </a:r>
+            <a:endParaRPr lang="en-US" altLang="zh-CN" dirty="0"/>
+          </a:p>
+          <a:p>
+            <a:r>
+              <a:rPr lang="en-US" altLang="zh-CN" dirty="0"/>
+              <a:t>DAO</a:t>
+            </a:r>
+            <a:r>
+              <a:rPr lang="zh-CN" altLang="en-US" dirty="0"/>
+              <a:t>层为什么建议设计接口，但是</a:t>
+            </a:r>
+            <a:r>
+              <a:rPr lang="en-US" altLang="zh-CN" dirty="0"/>
+              <a:t>Service</a:t>
+            </a:r>
+            <a:r>
+              <a:rPr lang="zh-CN" altLang="en-US" dirty="0"/>
+              <a:t>层却不是必须的？</a:t>
+            </a:r>
+            <a:r>
+              <a:rPr lang="en-US" altLang="zh-CN" dirty="0"/>
+              <a:t>((</a:t>
+            </a:r>
+            <a:r>
+              <a:rPr lang="zh-CN" altLang="en-US" dirty="0"/>
+              <a:t>好测试，灵活设计</a:t>
+            </a:r>
+            <a:r>
+              <a:rPr lang="en-US" altLang="zh-CN" dirty="0"/>
+              <a:t>)</a:t>
+            </a:r>
           </a:p>
         </p:txBody>
       </p:sp>
     </p:spTree>
     <p:extLst>
       <p:ext uri="{BB962C8B-B14F-4D97-AF65-F5344CB8AC3E}">
-        <p14:creationId xmlns:p14="http://schemas.microsoft.com/office/powerpoint/2010/main" val="1091159932"/>
+        <p14:creationId xmlns:p14="http://schemas.microsoft.com/office/powerpoint/2010/main" val="595472482"/>
       </p:ext>
     </p:extLst>
   </p:cSld>
@@ -6031,7 +8566,7 @@
           <p:cNvPr id="2" name="标题 1">
             <a:extLst>
               <a:ext uri="{FF2B5EF4-FFF2-40B4-BE49-F238E27FC236}">
-                <a16:creationId xmlns:a16="http://schemas.microsoft.com/office/drawing/2014/main" id="{CEC8D3CA-99B1-4FA3-9C54-D5CFFD5F3BFA}"/>
+                <a16:creationId xmlns:a16="http://schemas.microsoft.com/office/drawing/2014/main" id="{8DE3B99D-9D19-4A9F-90D4-07E99A126CF4}"/>
               </a:ext>
             </a:extLst>
           </p:cNvPr>
@@ -6049,7 +8584,7 @@
           <a:p>
             <a:r>
               <a:rPr lang="zh-CN" altLang="en-US" dirty="0"/>
-              <a:t>模板设计模式</a:t>
+              <a:t>对象组合优于具体继承性</a:t>
             </a:r>
           </a:p>
         </p:txBody>
@@ -6059,7 +8594,7 @@
           <p:cNvPr id="3" name="内容占位符 2">
             <a:extLst>
               <a:ext uri="{FF2B5EF4-FFF2-40B4-BE49-F238E27FC236}">
-                <a16:creationId xmlns:a16="http://schemas.microsoft.com/office/drawing/2014/main" id="{872C8761-4E17-45A3-97F8-5623EC49953B}"/>
+                <a16:creationId xmlns:a16="http://schemas.microsoft.com/office/drawing/2014/main" id="{5A2E47B5-737B-4EE3-897D-80851530E236}"/>
               </a:ext>
             </a:extLst>
           </p:cNvPr>
@@ -6075,14 +8610,14 @@
           <a:bodyPr/>
           <a:lstStyle/>
           <a:p>
-            <a:endParaRPr lang="zh-CN" altLang="en-US"/>
+            <a:endParaRPr lang="zh-CN" altLang="en-US" dirty="0"/>
           </a:p>
         </p:txBody>
       </p:sp>
     </p:spTree>
     <p:extLst>
       <p:ext uri="{BB962C8B-B14F-4D97-AF65-F5344CB8AC3E}">
-        <p14:creationId xmlns:p14="http://schemas.microsoft.com/office/powerpoint/2010/main" val="1938776209"/>
+        <p14:creationId xmlns:p14="http://schemas.microsoft.com/office/powerpoint/2010/main" val="1091159932"/>
       </p:ext>
     </p:extLst>
   </p:cSld>
@@ -6114,7 +8649,7 @@
           <p:cNvPr id="2" name="标题 1">
             <a:extLst>
               <a:ext uri="{FF2B5EF4-FFF2-40B4-BE49-F238E27FC236}">
-                <a16:creationId xmlns:a16="http://schemas.microsoft.com/office/drawing/2014/main" id="{3C885839-3915-42A9-8423-62344BA45BC2}"/>
+                <a16:creationId xmlns:a16="http://schemas.microsoft.com/office/drawing/2014/main" id="{9A71D1EF-9B88-45F3-B8A8-00D2D814686E}"/>
               </a:ext>
             </a:extLst>
           </p:cNvPr>
@@ -6132,7 +8667,7 @@
           <a:p>
             <a:r>
               <a:rPr lang="zh-CN" altLang="en-US" dirty="0"/>
-              <a:t>策略设计模式</a:t>
+              <a:t>好莱坞原则</a:t>
             </a:r>
           </a:p>
         </p:txBody>
@@ -6142,7 +8677,7 @@
           <p:cNvPr id="3" name="内容占位符 2">
             <a:extLst>
               <a:ext uri="{FF2B5EF4-FFF2-40B4-BE49-F238E27FC236}">
-                <a16:creationId xmlns:a16="http://schemas.microsoft.com/office/drawing/2014/main" id="{8CF106FD-4E3A-4C5C-96F4-FB25CD563D3D}"/>
+                <a16:creationId xmlns:a16="http://schemas.microsoft.com/office/drawing/2014/main" id="{F6392410-4396-46C2-A9D0-0FFE6AA0CE32}"/>
               </a:ext>
             </a:extLst>
           </p:cNvPr>
@@ -6158,14 +8693,53 @@
           <a:bodyPr/>
           <a:lstStyle/>
           <a:p>
-            <a:endParaRPr lang="zh-CN" altLang="en-US"/>
+            <a:r>
+              <a:rPr lang="zh-CN" altLang="en-US" dirty="0"/>
+              <a:t>一般情况用户调用库代码。</a:t>
+            </a:r>
+            <a:endParaRPr lang="en-US" altLang="zh-CN" dirty="0"/>
+          </a:p>
+          <a:p>
+            <a:r>
+              <a:rPr lang="zh-CN" altLang="en-US" dirty="0"/>
+              <a:t>库代码调用你的代码。</a:t>
+            </a:r>
+            <a:endParaRPr lang="en-US" altLang="zh-CN" dirty="0"/>
+          </a:p>
+          <a:p>
+            <a:pPr marL="0" indent="0">
+              <a:buNone/>
+            </a:pPr>
+            <a:r>
+              <a:rPr lang="zh-CN" altLang="en-US" dirty="0"/>
+              <a:t>（</a:t>
+            </a:r>
+            <a:r>
+              <a:rPr lang="en-US" altLang="zh-CN" dirty="0"/>
+              <a:t>IOC</a:t>
+            </a:r>
+            <a:r>
+              <a:rPr lang="zh-CN" altLang="en-US" dirty="0"/>
+              <a:t>，好莱坞原则）</a:t>
+            </a:r>
+            <a:endParaRPr lang="en-US" altLang="zh-CN" dirty="0"/>
+          </a:p>
+          <a:p>
+            <a:r>
+              <a:rPr lang="en-US" altLang="zh-CN" dirty="0"/>
+              <a:t>IOC</a:t>
+            </a:r>
+            <a:r>
+              <a:rPr lang="zh-CN" altLang="en-US" dirty="0"/>
+              <a:t>框架基石是什么？模板，策略，回调，观察者</a:t>
+            </a:r>
           </a:p>
         </p:txBody>
       </p:sp>
     </p:spTree>
     <p:extLst>
       <p:ext uri="{BB962C8B-B14F-4D97-AF65-F5344CB8AC3E}">
-        <p14:creationId xmlns:p14="http://schemas.microsoft.com/office/powerpoint/2010/main" val="337494636"/>
+        <p14:creationId xmlns:p14="http://schemas.microsoft.com/office/powerpoint/2010/main" val="2760747264"/>
       </p:ext>
     </p:extLst>
   </p:cSld>
@@ -6197,7 +8771,7 @@
           <p:cNvPr id="2" name="标题 1">
             <a:extLst>
               <a:ext uri="{FF2B5EF4-FFF2-40B4-BE49-F238E27FC236}">
-                <a16:creationId xmlns:a16="http://schemas.microsoft.com/office/drawing/2014/main" id="{3646B6FD-FC28-4E37-A5D6-ABAFB9AB4379}"/>
+                <a16:creationId xmlns:a16="http://schemas.microsoft.com/office/drawing/2014/main" id="{CEC8D3CA-99B1-4FA3-9C54-D5CFFD5F3BFA}"/>
               </a:ext>
             </a:extLst>
           </p:cNvPr>
@@ -6215,7 +8789,7 @@
           <a:p>
             <a:r>
               <a:rPr lang="zh-CN" altLang="en-US" dirty="0"/>
-              <a:t>使用回调实现可扩展性</a:t>
+              <a:t>模板设计模式</a:t>
             </a:r>
           </a:p>
         </p:txBody>
@@ -6225,7 +8799,7 @@
           <p:cNvPr id="3" name="内容占位符 2">
             <a:extLst>
               <a:ext uri="{FF2B5EF4-FFF2-40B4-BE49-F238E27FC236}">
-                <a16:creationId xmlns:a16="http://schemas.microsoft.com/office/drawing/2014/main" id="{5B877520-05FC-4BDA-9FAD-8AFDB4B09A9C}"/>
+                <a16:creationId xmlns:a16="http://schemas.microsoft.com/office/drawing/2014/main" id="{872C8761-4E17-45A3-97F8-5623EC49953B}"/>
               </a:ext>
             </a:extLst>
           </p:cNvPr>
@@ -6241,14 +8815,14 @@
           <a:bodyPr/>
           <a:lstStyle/>
           <a:p>
-            <a:endParaRPr lang="zh-CN" altLang="en-US"/>
+            <a:endParaRPr lang="zh-CN" altLang="en-US" dirty="0"/>
           </a:p>
         </p:txBody>
       </p:sp>
     </p:spTree>
     <p:extLst>
       <p:ext uri="{BB962C8B-B14F-4D97-AF65-F5344CB8AC3E}">
-        <p14:creationId xmlns:p14="http://schemas.microsoft.com/office/powerpoint/2010/main" val="2839184442"/>
+        <p14:creationId xmlns:p14="http://schemas.microsoft.com/office/powerpoint/2010/main" val="1938776209"/>
       </p:ext>
     </p:extLst>
   </p:cSld>
@@ -6280,7 +8854,7 @@
           <p:cNvPr id="2" name="标题 1">
             <a:extLst>
               <a:ext uri="{FF2B5EF4-FFF2-40B4-BE49-F238E27FC236}">
-                <a16:creationId xmlns:a16="http://schemas.microsoft.com/office/drawing/2014/main" id="{C8BB8549-9380-4D29-A6FA-0E275E9A0642}"/>
+                <a16:creationId xmlns:a16="http://schemas.microsoft.com/office/drawing/2014/main" id="{3C885839-3915-42A9-8423-62344BA45BC2}"/>
               </a:ext>
             </a:extLst>
           </p:cNvPr>
@@ -6298,7 +8872,7 @@
           <a:p>
             <a:r>
               <a:rPr lang="zh-CN" altLang="en-US" dirty="0"/>
-              <a:t>观察者设计模式</a:t>
+              <a:t>策略设计模式</a:t>
             </a:r>
           </a:p>
         </p:txBody>
@@ -6308,7 +8882,7 @@
           <p:cNvPr id="3" name="内容占位符 2">
             <a:extLst>
               <a:ext uri="{FF2B5EF4-FFF2-40B4-BE49-F238E27FC236}">
-                <a16:creationId xmlns:a16="http://schemas.microsoft.com/office/drawing/2014/main" id="{7CF4E1F9-2819-46C7-B83A-6559473A04B9}"/>
+                <a16:creationId xmlns:a16="http://schemas.microsoft.com/office/drawing/2014/main" id="{8CF106FD-4E3A-4C5C-96F4-FB25CD563D3D}"/>
               </a:ext>
             </a:extLst>
           </p:cNvPr>
@@ -6331,7 +8905,7 @@
     </p:spTree>
     <p:extLst>
       <p:ext uri="{BB962C8B-B14F-4D97-AF65-F5344CB8AC3E}">
-        <p14:creationId xmlns:p14="http://schemas.microsoft.com/office/powerpoint/2010/main" val="1149596116"/>
+        <p14:creationId xmlns:p14="http://schemas.microsoft.com/office/powerpoint/2010/main" val="337494636"/>
       </p:ext>
     </p:extLst>
   </p:cSld>
